--- a/Data Science for Design.pptx
+++ b/Data Science for Design.pptx
@@ -2,7 +2,7 @@
 <file path=ppt/presentation.xml><?xml version="1.0" encoding="utf-8"?>
 <p:presentation xmlns:a="http://schemas.openxmlformats.org/drawingml/2006/main" xmlns:r="http://schemas.openxmlformats.org/officeDocument/2006/relationships" xmlns:p="http://schemas.openxmlformats.org/presentationml/2006/main" saveSubsetFonts="1">
   <p:sldMasterIdLst>
-    <p:sldMasterId id="2147483648" r:id="rId1"/>
+    <p:sldMasterId id="2147483732" r:id="rId1"/>
   </p:sldMasterIdLst>
   <p:sldIdLst>
     <p:sldId id="256" r:id="rId2"/>
@@ -12,6 +12,9 @@
     <p:sldId id="259" r:id="rId6"/>
     <p:sldId id="260" r:id="rId7"/>
     <p:sldId id="262" r:id="rId8"/>
+    <p:sldId id="263" r:id="rId9"/>
+    <p:sldId id="264" r:id="rId10"/>
+    <p:sldId id="265" r:id="rId11"/>
   </p:sldIdLst>
   <p:sldSz cx="12192000" cy="6858000"/>
   <p:notesSz cx="6858000" cy="9144000"/>
@@ -19,7 +22,7 @@
     <a:defPPr>
       <a:defRPr lang="en-US"/>
     </a:defPPr>
-    <a:lvl1pPr marL="0" algn="l" defTabSz="914400" rtl="0" eaLnBrk="1" latinLnBrk="0" hangingPunct="1">
+    <a:lvl1pPr marL="0" algn="l" defTabSz="457200" rtl="0" eaLnBrk="1" latinLnBrk="0" hangingPunct="1">
       <a:defRPr sz="1800" kern="1200">
         <a:solidFill>
           <a:schemeClr val="tx1"/>
@@ -29,7 +32,7 @@
         <a:cs typeface="+mn-cs"/>
       </a:defRPr>
     </a:lvl1pPr>
-    <a:lvl2pPr marL="457200" algn="l" defTabSz="914400" rtl="0" eaLnBrk="1" latinLnBrk="0" hangingPunct="1">
+    <a:lvl2pPr marL="457200" algn="l" defTabSz="457200" rtl="0" eaLnBrk="1" latinLnBrk="0" hangingPunct="1">
       <a:defRPr sz="1800" kern="1200">
         <a:solidFill>
           <a:schemeClr val="tx1"/>
@@ -39,7 +42,7 @@
         <a:cs typeface="+mn-cs"/>
       </a:defRPr>
     </a:lvl2pPr>
-    <a:lvl3pPr marL="914400" algn="l" defTabSz="914400" rtl="0" eaLnBrk="1" latinLnBrk="0" hangingPunct="1">
+    <a:lvl3pPr marL="914400" algn="l" defTabSz="457200" rtl="0" eaLnBrk="1" latinLnBrk="0" hangingPunct="1">
       <a:defRPr sz="1800" kern="1200">
         <a:solidFill>
           <a:schemeClr val="tx1"/>
@@ -49,7 +52,7 @@
         <a:cs typeface="+mn-cs"/>
       </a:defRPr>
     </a:lvl3pPr>
-    <a:lvl4pPr marL="1371600" algn="l" defTabSz="914400" rtl="0" eaLnBrk="1" latinLnBrk="0" hangingPunct="1">
+    <a:lvl4pPr marL="1371600" algn="l" defTabSz="457200" rtl="0" eaLnBrk="1" latinLnBrk="0" hangingPunct="1">
       <a:defRPr sz="1800" kern="1200">
         <a:solidFill>
           <a:schemeClr val="tx1"/>
@@ -59,7 +62,7 @@
         <a:cs typeface="+mn-cs"/>
       </a:defRPr>
     </a:lvl4pPr>
-    <a:lvl5pPr marL="1828800" algn="l" defTabSz="914400" rtl="0" eaLnBrk="1" latinLnBrk="0" hangingPunct="1">
+    <a:lvl5pPr marL="1828800" algn="l" defTabSz="457200" rtl="0" eaLnBrk="1" latinLnBrk="0" hangingPunct="1">
       <a:defRPr sz="1800" kern="1200">
         <a:solidFill>
           <a:schemeClr val="tx1"/>
@@ -69,7 +72,7 @@
         <a:cs typeface="+mn-cs"/>
       </a:defRPr>
     </a:lvl5pPr>
-    <a:lvl6pPr marL="2286000" algn="l" defTabSz="914400" rtl="0" eaLnBrk="1" latinLnBrk="0" hangingPunct="1">
+    <a:lvl6pPr marL="2286000" algn="l" defTabSz="457200" rtl="0" eaLnBrk="1" latinLnBrk="0" hangingPunct="1">
       <a:defRPr sz="1800" kern="1200">
         <a:solidFill>
           <a:schemeClr val="tx1"/>
@@ -79,7 +82,7 @@
         <a:cs typeface="+mn-cs"/>
       </a:defRPr>
     </a:lvl6pPr>
-    <a:lvl7pPr marL="2743200" algn="l" defTabSz="914400" rtl="0" eaLnBrk="1" latinLnBrk="0" hangingPunct="1">
+    <a:lvl7pPr marL="2743200" algn="l" defTabSz="457200" rtl="0" eaLnBrk="1" latinLnBrk="0" hangingPunct="1">
       <a:defRPr sz="1800" kern="1200">
         <a:solidFill>
           <a:schemeClr val="tx1"/>
@@ -89,7 +92,7 @@
         <a:cs typeface="+mn-cs"/>
       </a:defRPr>
     </a:lvl7pPr>
-    <a:lvl8pPr marL="3200400" algn="l" defTabSz="914400" rtl="0" eaLnBrk="1" latinLnBrk="0" hangingPunct="1">
+    <a:lvl8pPr marL="3200400" algn="l" defTabSz="457200" rtl="0" eaLnBrk="1" latinLnBrk="0" hangingPunct="1">
       <a:defRPr sz="1800" kern="1200">
         <a:solidFill>
           <a:schemeClr val="tx1"/>
@@ -99,7 +102,7 @@
         <a:cs typeface="+mn-cs"/>
       </a:defRPr>
     </a:lvl8pPr>
-    <a:lvl9pPr marL="3657600" algn="l" defTabSz="914400" rtl="0" eaLnBrk="1" latinLnBrk="0" hangingPunct="1">
+    <a:lvl9pPr marL="3657600" algn="l" defTabSz="457200" rtl="0" eaLnBrk="1" latinLnBrk="0" hangingPunct="1">
       <a:defRPr sz="1800" kern="1200">
         <a:solidFill>
           <a:schemeClr val="tx1"/>
@@ -118,7 +121,7 @@
             <a:srgbClr val="A4A3A4"/>
           </p15:clr>
         </p15:guide>
-        <p15:guide id="2" pos="3840" userDrawn="1">
+        <p15:guide id="2" pos="3863" userDrawn="1">
           <p15:clr>
             <a:srgbClr val="A4A3A4"/>
           </p15:clr>
@@ -152,13 +155,44 @@
       </p:grpSpPr>
       <p:sp>
         <p:nvSpPr>
-          <p:cNvPr id="2" name="標題 1">
-            <a:extLst>
-              <a:ext uri="{FF2B5EF4-FFF2-40B4-BE49-F238E27FC236}">
-                <a16:creationId xmlns:a16="http://schemas.microsoft.com/office/drawing/2014/main" id="{1487E8D4-3FC5-4FC1-BC75-159CC31A1A89}"/>
-              </a:ext>
-            </a:extLst>
-          </p:cNvPr>
+          <p:cNvPr id="7" name="Rectangle 6"/>
+          <p:cNvSpPr/>
+          <p:nvPr/>
+        </p:nvSpPr>
+        <p:spPr>
+          <a:xfrm>
+            <a:off x="446534" y="3085765"/>
+            <a:ext cx="11262866" cy="3304800"/>
+          </a:xfrm>
+          <a:prstGeom prst="rect">
+            <a:avLst/>
+          </a:prstGeom>
+          <a:solidFill>
+            <a:schemeClr val="accent1"/>
+          </a:solidFill>
+          <a:ln>
+            <a:noFill/>
+          </a:ln>
+          <a:effectLst/>
+        </p:spPr>
+        <p:style>
+          <a:lnRef idx="1">
+            <a:schemeClr val="accent1"/>
+          </a:lnRef>
+          <a:fillRef idx="3">
+            <a:schemeClr val="accent1"/>
+          </a:fillRef>
+          <a:effectRef idx="2">
+            <a:schemeClr val="accent1"/>
+          </a:effectRef>
+          <a:fontRef idx="minor">
+            <a:schemeClr val="lt1"/>
+          </a:fontRef>
+        </p:style>
+      </p:sp>
+      <p:sp>
+        <p:nvSpPr>
+          <p:cNvPr id="2" name="Title 1"/>
           <p:cNvSpPr>
             <a:spLocks noGrp="1"/>
           </p:cNvSpPr>
@@ -168,15 +202,22 @@
         </p:nvSpPr>
         <p:spPr>
           <a:xfrm>
-            <a:off x="1524000" y="1122363"/>
-            <a:ext cx="9144000" cy="2387600"/>
-          </a:xfrm>
-        </p:spPr>
-        <p:txBody>
-          <a:bodyPr anchor="b"/>
+            <a:off x="581191" y="1020431"/>
+            <a:ext cx="10993549" cy="1475013"/>
+          </a:xfrm>
+          <a:effectLst/>
+        </p:spPr>
+        <p:txBody>
+          <a:bodyPr anchor="b">
+            <a:normAutofit/>
+          </a:bodyPr>
           <a:lstStyle>
-            <a:lvl1pPr algn="ctr">
-              <a:defRPr sz="6000"/>
+            <a:lvl1pPr>
+              <a:defRPr sz="3600">
+                <a:solidFill>
+                  <a:schemeClr val="accent1"/>
+                </a:solidFill>
+              </a:defRPr>
             </a:lvl1pPr>
           </a:lstStyle>
           <a:p>
@@ -184,19 +225,13 @@
               <a:rPr lang="zh-TW" altLang="en-US"/>
               <a:t>按一下以編輯母片標題樣式</a:t>
             </a:r>
-            <a:endParaRPr lang="en-GB"/>
-          </a:p>
-        </p:txBody>
-      </p:sp>
-      <p:sp>
-        <p:nvSpPr>
-          <p:cNvPr id="3" name="副標題 2">
-            <a:extLst>
-              <a:ext uri="{FF2B5EF4-FFF2-40B4-BE49-F238E27FC236}">
-                <a16:creationId xmlns:a16="http://schemas.microsoft.com/office/drawing/2014/main" id="{403F39E4-AED5-480A-847D-75FD2C24C8BD}"/>
-              </a:ext>
-            </a:extLst>
-          </p:cNvPr>
+            <a:endParaRPr lang="en-US" dirty="0"/>
+          </a:p>
+        </p:txBody>
+      </p:sp>
+      <p:sp>
+        <p:nvSpPr>
+          <p:cNvPr id="3" name="Subtitle 2"/>
           <p:cNvSpPr>
             <a:spLocks noGrp="1"/>
           </p:cNvSpPr>
@@ -206,79 +241,143 @@
         </p:nvSpPr>
         <p:spPr>
           <a:xfrm>
-            <a:off x="1524000" y="3602038"/>
-            <a:ext cx="9144000" cy="1655762"/>
+            <a:off x="581194" y="2495445"/>
+            <a:ext cx="10993546" cy="590321"/>
+          </a:xfrm>
+        </p:spPr>
+        <p:txBody>
+          <a:bodyPr anchor="t">
+            <a:normAutofit/>
+          </a:bodyPr>
+          <a:lstStyle>
+            <a:lvl1pPr marL="0" indent="0" algn="l">
+              <a:buNone/>
+              <a:defRPr sz="1600" cap="all">
+                <a:solidFill>
+                  <a:schemeClr val="accent2"/>
+                </a:solidFill>
+              </a:defRPr>
+            </a:lvl1pPr>
+            <a:lvl2pPr marL="457200" indent="0" algn="ctr">
+              <a:buNone/>
+              <a:defRPr>
+                <a:solidFill>
+                  <a:schemeClr val="tx1">
+                    <a:tint val="75000"/>
+                  </a:schemeClr>
+                </a:solidFill>
+              </a:defRPr>
+            </a:lvl2pPr>
+            <a:lvl3pPr marL="914400" indent="0" algn="ctr">
+              <a:buNone/>
+              <a:defRPr>
+                <a:solidFill>
+                  <a:schemeClr val="tx1">
+                    <a:tint val="75000"/>
+                  </a:schemeClr>
+                </a:solidFill>
+              </a:defRPr>
+            </a:lvl3pPr>
+            <a:lvl4pPr marL="1371600" indent="0" algn="ctr">
+              <a:buNone/>
+              <a:defRPr>
+                <a:solidFill>
+                  <a:schemeClr val="tx1">
+                    <a:tint val="75000"/>
+                  </a:schemeClr>
+                </a:solidFill>
+              </a:defRPr>
+            </a:lvl4pPr>
+            <a:lvl5pPr marL="1828800" indent="0" algn="ctr">
+              <a:buNone/>
+              <a:defRPr>
+                <a:solidFill>
+                  <a:schemeClr val="tx1">
+                    <a:tint val="75000"/>
+                  </a:schemeClr>
+                </a:solidFill>
+              </a:defRPr>
+            </a:lvl5pPr>
+            <a:lvl6pPr marL="2286000" indent="0" algn="ctr">
+              <a:buNone/>
+              <a:defRPr>
+                <a:solidFill>
+                  <a:schemeClr val="tx1">
+                    <a:tint val="75000"/>
+                  </a:schemeClr>
+                </a:solidFill>
+              </a:defRPr>
+            </a:lvl6pPr>
+            <a:lvl7pPr marL="2743200" indent="0" algn="ctr">
+              <a:buNone/>
+              <a:defRPr>
+                <a:solidFill>
+                  <a:schemeClr val="tx1">
+                    <a:tint val="75000"/>
+                  </a:schemeClr>
+                </a:solidFill>
+              </a:defRPr>
+            </a:lvl7pPr>
+            <a:lvl8pPr marL="3200400" indent="0" algn="ctr">
+              <a:buNone/>
+              <a:defRPr>
+                <a:solidFill>
+                  <a:schemeClr val="tx1">
+                    <a:tint val="75000"/>
+                  </a:schemeClr>
+                </a:solidFill>
+              </a:defRPr>
+            </a:lvl8pPr>
+            <a:lvl9pPr marL="3657600" indent="0" algn="ctr">
+              <a:buNone/>
+              <a:defRPr>
+                <a:solidFill>
+                  <a:schemeClr val="tx1">
+                    <a:tint val="75000"/>
+                  </a:schemeClr>
+                </a:solidFill>
+              </a:defRPr>
+            </a:lvl9pPr>
+          </a:lstStyle>
+          <a:p>
+            <a:r>
+              <a:rPr lang="zh-TW" altLang="en-US"/>
+              <a:t>按一下以編輯母片子標題樣式</a:t>
+            </a:r>
+            <a:endParaRPr lang="en-US" dirty="0"/>
+          </a:p>
+        </p:txBody>
+      </p:sp>
+      <p:sp>
+        <p:nvSpPr>
+          <p:cNvPr id="4" name="Date Placeholder 3"/>
+          <p:cNvSpPr>
+            <a:spLocks noGrp="1"/>
+          </p:cNvSpPr>
+          <p:nvPr>
+            <p:ph type="dt" sz="half" idx="10"/>
+          </p:nvPr>
+        </p:nvSpPr>
+        <p:spPr>
+          <a:xfrm>
+            <a:off x="7605951" y="5956137"/>
+            <a:ext cx="2844800" cy="365125"/>
           </a:xfrm>
         </p:spPr>
         <p:txBody>
           <a:bodyPr/>
           <a:lstStyle>
-            <a:lvl1pPr marL="0" indent="0" algn="ctr">
-              <a:buNone/>
-              <a:defRPr sz="2400"/>
+            <a:lvl1pPr>
+              <a:defRPr>
+                <a:solidFill>
+                  <a:schemeClr val="accent1">
+                    <a:lumMod val="75000"/>
+                    <a:lumOff val="25000"/>
+                  </a:schemeClr>
+                </a:solidFill>
+              </a:defRPr>
             </a:lvl1pPr>
-            <a:lvl2pPr marL="457200" indent="0" algn="ctr">
-              <a:buNone/>
-              <a:defRPr sz="2000"/>
-            </a:lvl2pPr>
-            <a:lvl3pPr marL="914400" indent="0" algn="ctr">
-              <a:buNone/>
-              <a:defRPr sz="1800"/>
-            </a:lvl3pPr>
-            <a:lvl4pPr marL="1371600" indent="0" algn="ctr">
-              <a:buNone/>
-              <a:defRPr sz="1600"/>
-            </a:lvl4pPr>
-            <a:lvl5pPr marL="1828800" indent="0" algn="ctr">
-              <a:buNone/>
-              <a:defRPr sz="1600"/>
-            </a:lvl5pPr>
-            <a:lvl6pPr marL="2286000" indent="0" algn="ctr">
-              <a:buNone/>
-              <a:defRPr sz="1600"/>
-            </a:lvl6pPr>
-            <a:lvl7pPr marL="2743200" indent="0" algn="ctr">
-              <a:buNone/>
-              <a:defRPr sz="1600"/>
-            </a:lvl7pPr>
-            <a:lvl8pPr marL="3200400" indent="0" algn="ctr">
-              <a:buNone/>
-              <a:defRPr sz="1600"/>
-            </a:lvl8pPr>
-            <a:lvl9pPr marL="3657600" indent="0" algn="ctr">
-              <a:buNone/>
-              <a:defRPr sz="1600"/>
-            </a:lvl9pPr>
           </a:lstStyle>
-          <a:p>
-            <a:r>
-              <a:rPr lang="zh-TW" altLang="en-US"/>
-              <a:t>按一下以編輯母片子標題樣式</a:t>
-            </a:r>
-            <a:endParaRPr lang="en-GB"/>
-          </a:p>
-        </p:txBody>
-      </p:sp>
-      <p:sp>
-        <p:nvSpPr>
-          <p:cNvPr id="4" name="日期版面配置區 3">
-            <a:extLst>
-              <a:ext uri="{FF2B5EF4-FFF2-40B4-BE49-F238E27FC236}">
-                <a16:creationId xmlns:a16="http://schemas.microsoft.com/office/drawing/2014/main" id="{5A54A3E4-6020-4DDA-84D9-6B0318D1D31A}"/>
-              </a:ext>
-            </a:extLst>
-          </p:cNvPr>
-          <p:cNvSpPr>
-            <a:spLocks noGrp="1"/>
-          </p:cNvSpPr>
-          <p:nvPr>
-            <p:ph type="dt" sz="half" idx="10"/>
-          </p:nvPr>
-        </p:nvSpPr>
-        <p:spPr/>
-        <p:txBody>
-          <a:bodyPr/>
-          <a:lstStyle/>
           <a:p>
             <a:fld id="{3C9028CF-F6FB-415A-88F7-79616E04837E}" type="datetimeFigureOut">
               <a:rPr lang="en-GB" smtClean="0"/>
@@ -290,13 +389,7 @@
       </p:sp>
       <p:sp>
         <p:nvSpPr>
-          <p:cNvPr id="5" name="頁尾版面配置區 4">
-            <a:extLst>
-              <a:ext uri="{FF2B5EF4-FFF2-40B4-BE49-F238E27FC236}">
-                <a16:creationId xmlns:a16="http://schemas.microsoft.com/office/drawing/2014/main" id="{B723D5EB-CE76-4BE5-BD69-594EE297DF50}"/>
-              </a:ext>
-            </a:extLst>
-          </p:cNvPr>
+          <p:cNvPr id="5" name="Footer Placeholder 4"/>
           <p:cNvSpPr>
             <a:spLocks noGrp="1"/>
           </p:cNvSpPr>
@@ -304,10 +397,26 @@
             <p:ph type="ftr" sz="quarter" idx="11"/>
           </p:nvPr>
         </p:nvSpPr>
-        <p:spPr/>
+        <p:spPr>
+          <a:xfrm>
+            <a:off x="581192" y="5951811"/>
+            <a:ext cx="6917210" cy="365125"/>
+          </a:xfrm>
+        </p:spPr>
         <p:txBody>
           <a:bodyPr/>
-          <a:lstStyle/>
+          <a:lstStyle>
+            <a:lvl1pPr>
+              <a:defRPr>
+                <a:solidFill>
+                  <a:schemeClr val="accent1">
+                    <a:lumMod val="75000"/>
+                    <a:lumOff val="25000"/>
+                  </a:schemeClr>
+                </a:solidFill>
+              </a:defRPr>
+            </a:lvl1pPr>
+          </a:lstStyle>
           <a:p>
             <a:endParaRPr lang="en-GB"/>
           </a:p>
@@ -315,13 +424,7 @@
       </p:sp>
       <p:sp>
         <p:nvSpPr>
-          <p:cNvPr id="6" name="投影片編號版面配置區 5">
-            <a:extLst>
-              <a:ext uri="{FF2B5EF4-FFF2-40B4-BE49-F238E27FC236}">
-                <a16:creationId xmlns:a16="http://schemas.microsoft.com/office/drawing/2014/main" id="{26C24167-EF91-4B42-9835-C68DA2475594}"/>
-              </a:ext>
-            </a:extLst>
-          </p:cNvPr>
+          <p:cNvPr id="6" name="Slide Number Placeholder 5"/>
           <p:cNvSpPr>
             <a:spLocks noGrp="1"/>
           </p:cNvSpPr>
@@ -329,10 +432,26 @@
             <p:ph type="sldNum" sz="quarter" idx="12"/>
           </p:nvPr>
         </p:nvSpPr>
-        <p:spPr/>
+        <p:spPr>
+          <a:xfrm>
+            <a:off x="10558300" y="5956137"/>
+            <a:ext cx="1016440" cy="365125"/>
+          </a:xfrm>
+        </p:spPr>
         <p:txBody>
           <a:bodyPr/>
-          <a:lstStyle/>
+          <a:lstStyle>
+            <a:lvl1pPr>
+              <a:defRPr>
+                <a:solidFill>
+                  <a:schemeClr val="accent1">
+                    <a:lumMod val="75000"/>
+                    <a:lumOff val="25000"/>
+                  </a:schemeClr>
+                </a:solidFill>
+              </a:defRPr>
+            </a:lvl1pPr>
+          </a:lstStyle>
           <a:p>
             <a:fld id="{A56E6EC2-C5CC-477E-9056-05388D6EF15E}" type="slidenum">
               <a:rPr lang="en-GB" smtClean="0"/>
@@ -345,7 +464,7 @@
     </p:spTree>
     <p:extLst>
       <p:ext uri="{BB962C8B-B14F-4D97-AF65-F5344CB8AC3E}">
-        <p14:creationId xmlns:p14="http://schemas.microsoft.com/office/powerpoint/2010/main" val="2455482323"/>
+        <p14:creationId xmlns:p14="http://schemas.microsoft.com/office/powerpoint/2010/main" val="2056467536"/>
       </p:ext>
     </p:extLst>
   </p:cSld>
@@ -374,13 +493,46 @@
       </p:grpSpPr>
       <p:sp>
         <p:nvSpPr>
-          <p:cNvPr id="2" name="標題 1">
-            <a:extLst>
-              <a:ext uri="{FF2B5EF4-FFF2-40B4-BE49-F238E27FC236}">
-                <a16:creationId xmlns:a16="http://schemas.microsoft.com/office/drawing/2014/main" id="{4CA890B4-8384-4F19-85A1-55C7E73D1FD6}"/>
-              </a:ext>
-            </a:extLst>
-          </p:cNvPr>
+          <p:cNvPr id="8" name="Rectangle 7"/>
+          <p:cNvSpPr>
+            <a:spLocks noChangeAspect="1"/>
+          </p:cNvSpPr>
+          <p:nvPr/>
+        </p:nvSpPr>
+        <p:spPr>
+          <a:xfrm>
+            <a:off x="440286" y="614407"/>
+            <a:ext cx="11309338" cy="1189298"/>
+          </a:xfrm>
+          <a:prstGeom prst="rect">
+            <a:avLst/>
+          </a:prstGeom>
+          <a:solidFill>
+            <a:schemeClr val="accent1"/>
+          </a:solidFill>
+          <a:ln>
+            <a:noFill/>
+          </a:ln>
+          <a:effectLst/>
+        </p:spPr>
+        <p:style>
+          <a:lnRef idx="1">
+            <a:schemeClr val="accent1"/>
+          </a:lnRef>
+          <a:fillRef idx="3">
+            <a:schemeClr val="accent1"/>
+          </a:fillRef>
+          <a:effectRef idx="2">
+            <a:schemeClr val="accent1"/>
+          </a:effectRef>
+          <a:fontRef idx="minor">
+            <a:schemeClr val="lt1"/>
+          </a:fontRef>
+        </p:style>
+      </p:sp>
+      <p:sp>
+        <p:nvSpPr>
+          <p:cNvPr id="9" name="Title 1"/>
           <p:cNvSpPr>
             <a:spLocks noGrp="1"/>
           </p:cNvSpPr>
@@ -388,7 +540,12 @@
             <p:ph type="title"/>
           </p:nvPr>
         </p:nvSpPr>
-        <p:spPr/>
+        <p:spPr>
+          <a:xfrm>
+            <a:off x="581192" y="702156"/>
+            <a:ext cx="11029616" cy="1013800"/>
+          </a:xfrm>
+        </p:spPr>
         <p:txBody>
           <a:bodyPr/>
           <a:lstStyle/>
@@ -397,19 +554,13 @@
               <a:rPr lang="zh-TW" altLang="en-US"/>
               <a:t>按一下以編輯母片標題樣式</a:t>
             </a:r>
-            <a:endParaRPr lang="en-GB"/>
-          </a:p>
-        </p:txBody>
-      </p:sp>
-      <p:sp>
-        <p:nvSpPr>
-          <p:cNvPr id="3" name="直排文字版面配置區 2">
-            <a:extLst>
-              <a:ext uri="{FF2B5EF4-FFF2-40B4-BE49-F238E27FC236}">
-                <a16:creationId xmlns:a16="http://schemas.microsoft.com/office/drawing/2014/main" id="{B26E80EF-045C-4DFD-8EF2-996752B3CD2A}"/>
-              </a:ext>
-            </a:extLst>
-          </p:cNvPr>
+            <a:endParaRPr lang="en-US" dirty="0"/>
+          </a:p>
+        </p:txBody>
+      </p:sp>
+      <p:sp>
+        <p:nvSpPr>
+          <p:cNvPr id="3" name="Vertical Text Placeholder 2"/>
           <p:cNvSpPr>
             <a:spLocks noGrp="1"/>
           </p:cNvSpPr>
@@ -419,8 +570,24 @@
         </p:nvSpPr>
         <p:spPr/>
         <p:txBody>
-          <a:bodyPr vert="eaVert"/>
-          <a:lstStyle/>
+          <a:bodyPr vert="eaVert" anchor="t"/>
+          <a:lstStyle>
+            <a:lvl1pPr algn="l">
+              <a:defRPr/>
+            </a:lvl1pPr>
+            <a:lvl2pPr algn="l">
+              <a:defRPr/>
+            </a:lvl2pPr>
+            <a:lvl3pPr algn="l">
+              <a:defRPr/>
+            </a:lvl3pPr>
+            <a:lvl4pPr algn="l">
+              <a:defRPr/>
+            </a:lvl4pPr>
+            <a:lvl5pPr algn="l">
+              <a:defRPr/>
+            </a:lvl5pPr>
+          </a:lstStyle>
           <a:p>
             <a:pPr lvl="0"/>
             <a:r>
@@ -455,19 +622,13 @@
               <a:rPr lang="zh-TW" altLang="en-US"/>
               <a:t>第五層</a:t>
             </a:r>
-            <a:endParaRPr lang="en-GB"/>
-          </a:p>
-        </p:txBody>
-      </p:sp>
-      <p:sp>
-        <p:nvSpPr>
-          <p:cNvPr id="4" name="日期版面配置區 3">
-            <a:extLst>
-              <a:ext uri="{FF2B5EF4-FFF2-40B4-BE49-F238E27FC236}">
-                <a16:creationId xmlns:a16="http://schemas.microsoft.com/office/drawing/2014/main" id="{4E6BD7A2-39BA-4CF3-943D-A65B54489F17}"/>
-              </a:ext>
-            </a:extLst>
-          </p:cNvPr>
+            <a:endParaRPr lang="en-US" dirty="0"/>
+          </a:p>
+        </p:txBody>
+      </p:sp>
+      <p:sp>
+        <p:nvSpPr>
+          <p:cNvPr id="4" name="Date Placeholder 3"/>
           <p:cNvSpPr>
             <a:spLocks noGrp="1"/>
           </p:cNvSpPr>
@@ -490,13 +651,7 @@
       </p:sp>
       <p:sp>
         <p:nvSpPr>
-          <p:cNvPr id="5" name="頁尾版面配置區 4">
-            <a:extLst>
-              <a:ext uri="{FF2B5EF4-FFF2-40B4-BE49-F238E27FC236}">
-                <a16:creationId xmlns:a16="http://schemas.microsoft.com/office/drawing/2014/main" id="{2BF9711C-8027-454E-BB3A-3E9213DC3FE8}"/>
-              </a:ext>
-            </a:extLst>
-          </p:cNvPr>
+          <p:cNvPr id="5" name="Footer Placeholder 4"/>
           <p:cNvSpPr>
             <a:spLocks noGrp="1"/>
           </p:cNvSpPr>
@@ -515,13 +670,7 @@
       </p:sp>
       <p:sp>
         <p:nvSpPr>
-          <p:cNvPr id="6" name="投影片編號版面配置區 5">
-            <a:extLst>
-              <a:ext uri="{FF2B5EF4-FFF2-40B4-BE49-F238E27FC236}">
-                <a16:creationId xmlns:a16="http://schemas.microsoft.com/office/drawing/2014/main" id="{AC1822B9-4D61-4FC2-A41B-AF9C19A133B0}"/>
-              </a:ext>
-            </a:extLst>
-          </p:cNvPr>
+          <p:cNvPr id="6" name="Slide Number Placeholder 5"/>
           <p:cNvSpPr>
             <a:spLocks noGrp="1"/>
           </p:cNvSpPr>
@@ -545,7 +694,7 @@
     </p:spTree>
     <p:extLst>
       <p:ext uri="{BB962C8B-B14F-4D97-AF65-F5344CB8AC3E}">
-        <p14:creationId xmlns:p14="http://schemas.microsoft.com/office/powerpoint/2010/main" val="1307554878"/>
+        <p14:creationId xmlns:p14="http://schemas.microsoft.com/office/powerpoint/2010/main" val="412956576"/>
       </p:ext>
     </p:extLst>
   </p:cSld>
@@ -574,13 +723,46 @@
       </p:grpSpPr>
       <p:sp>
         <p:nvSpPr>
-          <p:cNvPr id="2" name="直排標題 1">
-            <a:extLst>
-              <a:ext uri="{FF2B5EF4-FFF2-40B4-BE49-F238E27FC236}">
-                <a16:creationId xmlns:a16="http://schemas.microsoft.com/office/drawing/2014/main" id="{5C6D90BD-21F1-4B06-9030-652512E2F40F}"/>
-              </a:ext>
-            </a:extLst>
-          </p:cNvPr>
+          <p:cNvPr id="7" name="Rectangle 6"/>
+          <p:cNvSpPr>
+            <a:spLocks noChangeAspect="1"/>
+          </p:cNvSpPr>
+          <p:nvPr/>
+        </p:nvSpPr>
+        <p:spPr>
+          <a:xfrm>
+            <a:off x="8839201" y="599725"/>
+            <a:ext cx="2906817" cy="5816950"/>
+          </a:xfrm>
+          <a:prstGeom prst="rect">
+            <a:avLst/>
+          </a:prstGeom>
+          <a:solidFill>
+            <a:schemeClr val="accent1"/>
+          </a:solidFill>
+          <a:ln>
+            <a:noFill/>
+          </a:ln>
+          <a:effectLst/>
+        </p:spPr>
+        <p:style>
+          <a:lnRef idx="1">
+            <a:schemeClr val="accent1"/>
+          </a:lnRef>
+          <a:fillRef idx="3">
+            <a:schemeClr val="accent1"/>
+          </a:fillRef>
+          <a:effectRef idx="2">
+            <a:schemeClr val="accent1"/>
+          </a:effectRef>
+          <a:fontRef idx="minor">
+            <a:schemeClr val="lt1"/>
+          </a:fontRef>
+        </p:style>
+      </p:sp>
+      <p:sp>
+        <p:nvSpPr>
+          <p:cNvPr id="2" name="Vertical Title 1"/>
           <p:cNvSpPr>
             <a:spLocks noGrp="1"/>
           </p:cNvSpPr>
@@ -590,8 +772,8 @@
         </p:nvSpPr>
         <p:spPr>
           <a:xfrm>
-            <a:off x="8724900" y="365125"/>
-            <a:ext cx="2628900" cy="5811838"/>
+            <a:off x="8839201" y="675726"/>
+            <a:ext cx="2004164" cy="5183073"/>
           </a:xfrm>
         </p:spPr>
         <p:txBody>
@@ -602,19 +784,13 @@
               <a:rPr lang="zh-TW" altLang="en-US"/>
               <a:t>按一下以編輯母片標題樣式</a:t>
             </a:r>
-            <a:endParaRPr lang="en-GB"/>
-          </a:p>
-        </p:txBody>
-      </p:sp>
-      <p:sp>
-        <p:nvSpPr>
-          <p:cNvPr id="3" name="直排文字版面配置區 2">
-            <a:extLst>
-              <a:ext uri="{FF2B5EF4-FFF2-40B4-BE49-F238E27FC236}">
-                <a16:creationId xmlns:a16="http://schemas.microsoft.com/office/drawing/2014/main" id="{AAB9BBE7-A3BD-486E-9301-19504211F52B}"/>
-              </a:ext>
-            </a:extLst>
-          </p:cNvPr>
+            <a:endParaRPr lang="en-US" dirty="0"/>
+          </a:p>
+        </p:txBody>
+      </p:sp>
+      <p:sp>
+        <p:nvSpPr>
+          <p:cNvPr id="3" name="Vertical Text Placeholder 2"/>
           <p:cNvSpPr>
             <a:spLocks noGrp="1"/>
           </p:cNvSpPr>
@@ -624,12 +800,12 @@
         </p:nvSpPr>
         <p:spPr>
           <a:xfrm>
-            <a:off x="838200" y="365125"/>
-            <a:ext cx="7734300" cy="5811838"/>
-          </a:xfrm>
-        </p:spPr>
-        <p:txBody>
-          <a:bodyPr vert="eaVert"/>
+            <a:off x="774923" y="675726"/>
+            <a:ext cx="7896279" cy="5183073"/>
+          </a:xfrm>
+        </p:spPr>
+        <p:txBody>
+          <a:bodyPr vert="eaVert" anchor="t"/>
           <a:lstStyle/>
           <a:p>
             <a:pPr lvl="0"/>
@@ -665,19 +841,13 @@
               <a:rPr lang="zh-TW" altLang="en-US"/>
               <a:t>第五層</a:t>
             </a:r>
-            <a:endParaRPr lang="en-GB"/>
-          </a:p>
-        </p:txBody>
-      </p:sp>
-      <p:sp>
-        <p:nvSpPr>
-          <p:cNvPr id="4" name="日期版面配置區 3">
-            <a:extLst>
-              <a:ext uri="{FF2B5EF4-FFF2-40B4-BE49-F238E27FC236}">
-                <a16:creationId xmlns:a16="http://schemas.microsoft.com/office/drawing/2014/main" id="{538689E1-EC08-4137-AE59-466E7B458312}"/>
-              </a:ext>
-            </a:extLst>
-          </p:cNvPr>
+            <a:endParaRPr lang="en-US" dirty="0"/>
+          </a:p>
+        </p:txBody>
+      </p:sp>
+      <p:sp>
+        <p:nvSpPr>
+          <p:cNvPr id="4" name="Date Placeholder 3"/>
           <p:cNvSpPr>
             <a:spLocks noGrp="1"/>
           </p:cNvSpPr>
@@ -685,10 +855,26 @@
             <p:ph type="dt" sz="half" idx="10"/>
           </p:nvPr>
         </p:nvSpPr>
-        <p:spPr/>
+        <p:spPr>
+          <a:xfrm>
+            <a:off x="8993673" y="5956137"/>
+            <a:ext cx="1328141" cy="365125"/>
+          </a:xfrm>
+        </p:spPr>
         <p:txBody>
           <a:bodyPr/>
-          <a:lstStyle/>
+          <a:lstStyle>
+            <a:lvl1pPr>
+              <a:defRPr>
+                <a:solidFill>
+                  <a:schemeClr val="accent1">
+                    <a:lumMod val="75000"/>
+                    <a:lumOff val="25000"/>
+                  </a:schemeClr>
+                </a:solidFill>
+              </a:defRPr>
+            </a:lvl1pPr>
+          </a:lstStyle>
           <a:p>
             <a:fld id="{3C9028CF-F6FB-415A-88F7-79616E04837E}" type="datetimeFigureOut">
               <a:rPr lang="en-GB" smtClean="0"/>
@@ -700,13 +886,7 @@
       </p:sp>
       <p:sp>
         <p:nvSpPr>
-          <p:cNvPr id="5" name="頁尾版面配置區 4">
-            <a:extLst>
-              <a:ext uri="{FF2B5EF4-FFF2-40B4-BE49-F238E27FC236}">
-                <a16:creationId xmlns:a16="http://schemas.microsoft.com/office/drawing/2014/main" id="{D3A082AF-E836-4870-BCBE-B52A87601E23}"/>
-              </a:ext>
-            </a:extLst>
-          </p:cNvPr>
+          <p:cNvPr id="5" name="Footer Placeholder 4"/>
           <p:cNvSpPr>
             <a:spLocks noGrp="1"/>
           </p:cNvSpPr>
@@ -714,7 +894,12 @@
             <p:ph type="ftr" sz="quarter" idx="11"/>
           </p:nvPr>
         </p:nvSpPr>
-        <p:spPr/>
+        <p:spPr>
+          <a:xfrm>
+            <a:off x="774923" y="5951811"/>
+            <a:ext cx="7896279" cy="365125"/>
+          </a:xfrm>
+        </p:spPr>
         <p:txBody>
           <a:bodyPr/>
           <a:lstStyle/>
@@ -725,13 +910,7 @@
       </p:sp>
       <p:sp>
         <p:nvSpPr>
-          <p:cNvPr id="6" name="投影片編號版面配置區 5">
-            <a:extLst>
-              <a:ext uri="{FF2B5EF4-FFF2-40B4-BE49-F238E27FC236}">
-                <a16:creationId xmlns:a16="http://schemas.microsoft.com/office/drawing/2014/main" id="{4E120730-75BD-49AE-A7C8-CADA99B98AC0}"/>
-              </a:ext>
-            </a:extLst>
-          </p:cNvPr>
+          <p:cNvPr id="6" name="Slide Number Placeholder 5"/>
           <p:cNvSpPr>
             <a:spLocks noGrp="1"/>
           </p:cNvSpPr>
@@ -739,10 +918,26 @@
             <p:ph type="sldNum" sz="quarter" idx="12"/>
           </p:nvPr>
         </p:nvSpPr>
-        <p:spPr/>
+        <p:spPr>
+          <a:xfrm>
+            <a:off x="10446615" y="5956137"/>
+            <a:ext cx="1164195" cy="365125"/>
+          </a:xfrm>
+        </p:spPr>
         <p:txBody>
           <a:bodyPr/>
-          <a:lstStyle/>
+          <a:lstStyle>
+            <a:lvl1pPr>
+              <a:defRPr>
+                <a:solidFill>
+                  <a:schemeClr val="accent1">
+                    <a:lumMod val="75000"/>
+                    <a:lumOff val="25000"/>
+                  </a:schemeClr>
+                </a:solidFill>
+              </a:defRPr>
+            </a:lvl1pPr>
+          </a:lstStyle>
           <a:p>
             <a:fld id="{A56E6EC2-C5CC-477E-9056-05388D6EF15E}" type="slidenum">
               <a:rPr lang="en-GB" smtClean="0"/>
@@ -755,7 +950,7 @@
     </p:spTree>
     <p:extLst>
       <p:ext uri="{BB962C8B-B14F-4D97-AF65-F5344CB8AC3E}">
-        <p14:creationId xmlns:p14="http://schemas.microsoft.com/office/powerpoint/2010/main" val="1293185334"/>
+        <p14:creationId xmlns:p14="http://schemas.microsoft.com/office/powerpoint/2010/main" val="4093158156"/>
       </p:ext>
     </p:extLst>
   </p:cSld>
@@ -784,13 +979,46 @@
       </p:grpSpPr>
       <p:sp>
         <p:nvSpPr>
-          <p:cNvPr id="2" name="標題 1">
-            <a:extLst>
-              <a:ext uri="{FF2B5EF4-FFF2-40B4-BE49-F238E27FC236}">
-                <a16:creationId xmlns:a16="http://schemas.microsoft.com/office/drawing/2014/main" id="{A13FF836-57B0-40FE-BAD0-4A09FD1A6D48}"/>
-              </a:ext>
-            </a:extLst>
-          </p:cNvPr>
+          <p:cNvPr id="7" name="Rectangle 6"/>
+          <p:cNvSpPr>
+            <a:spLocks noChangeAspect="1"/>
+          </p:cNvSpPr>
+          <p:nvPr/>
+        </p:nvSpPr>
+        <p:spPr>
+          <a:xfrm>
+            <a:off x="440286" y="614407"/>
+            <a:ext cx="11309338" cy="1189298"/>
+          </a:xfrm>
+          <a:prstGeom prst="rect">
+            <a:avLst/>
+          </a:prstGeom>
+          <a:solidFill>
+            <a:schemeClr val="accent1"/>
+          </a:solidFill>
+          <a:ln>
+            <a:noFill/>
+          </a:ln>
+          <a:effectLst/>
+        </p:spPr>
+        <p:style>
+          <a:lnRef idx="1">
+            <a:schemeClr val="accent1"/>
+          </a:lnRef>
+          <a:fillRef idx="3">
+            <a:schemeClr val="accent1"/>
+          </a:fillRef>
+          <a:effectRef idx="2">
+            <a:schemeClr val="accent1"/>
+          </a:effectRef>
+          <a:fontRef idx="minor">
+            <a:schemeClr val="lt1"/>
+          </a:fontRef>
+        </p:style>
+      </p:sp>
+      <p:sp>
+        <p:nvSpPr>
+          <p:cNvPr id="2" name="Title 1"/>
           <p:cNvSpPr>
             <a:spLocks noGrp="1"/>
           </p:cNvSpPr>
@@ -798,7 +1026,12 @@
             <p:ph type="title"/>
           </p:nvPr>
         </p:nvSpPr>
-        <p:spPr/>
+        <p:spPr>
+          <a:xfrm>
+            <a:off x="581192" y="702156"/>
+            <a:ext cx="11029616" cy="1013800"/>
+          </a:xfrm>
+        </p:spPr>
         <p:txBody>
           <a:bodyPr/>
           <a:lstStyle/>
@@ -807,19 +1040,13 @@
               <a:rPr lang="zh-TW" altLang="en-US"/>
               <a:t>按一下以編輯母片標題樣式</a:t>
             </a:r>
-            <a:endParaRPr lang="en-GB"/>
-          </a:p>
-        </p:txBody>
-      </p:sp>
-      <p:sp>
-        <p:nvSpPr>
-          <p:cNvPr id="3" name="內容版面配置區 2">
-            <a:extLst>
-              <a:ext uri="{FF2B5EF4-FFF2-40B4-BE49-F238E27FC236}">
-                <a16:creationId xmlns:a16="http://schemas.microsoft.com/office/drawing/2014/main" id="{DA0DBE3A-D5CF-4978-A2AA-C4A4758494A1}"/>
-              </a:ext>
-            </a:extLst>
-          </p:cNvPr>
+            <a:endParaRPr lang="en-US" dirty="0"/>
+          </a:p>
+        </p:txBody>
+      </p:sp>
+      <p:sp>
+        <p:nvSpPr>
+          <p:cNvPr id="3" name="Content Placeholder 2"/>
           <p:cNvSpPr>
             <a:spLocks noGrp="1"/>
           </p:cNvSpPr>
@@ -827,7 +1054,12 @@
             <p:ph idx="1"/>
           </p:nvPr>
         </p:nvSpPr>
-        <p:spPr/>
+        <p:spPr>
+          <a:xfrm>
+            <a:off x="581192" y="2180496"/>
+            <a:ext cx="11029615" cy="3678303"/>
+          </a:xfrm>
+        </p:spPr>
         <p:txBody>
           <a:bodyPr/>
           <a:lstStyle/>
@@ -865,19 +1097,13 @@
               <a:rPr lang="zh-TW" altLang="en-US"/>
               <a:t>第五層</a:t>
             </a:r>
-            <a:endParaRPr lang="en-GB"/>
-          </a:p>
-        </p:txBody>
-      </p:sp>
-      <p:sp>
-        <p:nvSpPr>
-          <p:cNvPr id="4" name="日期版面配置區 3">
-            <a:extLst>
-              <a:ext uri="{FF2B5EF4-FFF2-40B4-BE49-F238E27FC236}">
-                <a16:creationId xmlns:a16="http://schemas.microsoft.com/office/drawing/2014/main" id="{1DA93182-9B16-4D06-86D5-87D7EF5AAED4}"/>
-              </a:ext>
-            </a:extLst>
-          </p:cNvPr>
+            <a:endParaRPr lang="en-US" dirty="0"/>
+          </a:p>
+        </p:txBody>
+      </p:sp>
+      <p:sp>
+        <p:nvSpPr>
+          <p:cNvPr id="4" name="Date Placeholder 3"/>
           <p:cNvSpPr>
             <a:spLocks noGrp="1"/>
           </p:cNvSpPr>
@@ -900,13 +1126,7 @@
       </p:sp>
       <p:sp>
         <p:nvSpPr>
-          <p:cNvPr id="5" name="頁尾版面配置區 4">
-            <a:extLst>
-              <a:ext uri="{FF2B5EF4-FFF2-40B4-BE49-F238E27FC236}">
-                <a16:creationId xmlns:a16="http://schemas.microsoft.com/office/drawing/2014/main" id="{49796425-1F80-4852-9200-A67EECD2F8CE}"/>
-              </a:ext>
-            </a:extLst>
-          </p:cNvPr>
+          <p:cNvPr id="5" name="Footer Placeholder 4"/>
           <p:cNvSpPr>
             <a:spLocks noGrp="1"/>
           </p:cNvSpPr>
@@ -925,13 +1145,7 @@
       </p:sp>
       <p:sp>
         <p:nvSpPr>
-          <p:cNvPr id="6" name="投影片編號版面配置區 5">
-            <a:extLst>
-              <a:ext uri="{FF2B5EF4-FFF2-40B4-BE49-F238E27FC236}">
-                <a16:creationId xmlns:a16="http://schemas.microsoft.com/office/drawing/2014/main" id="{AD13590D-E393-402D-B9F2-167B125E3CBE}"/>
-              </a:ext>
-            </a:extLst>
-          </p:cNvPr>
+          <p:cNvPr id="6" name="Slide Number Placeholder 5"/>
           <p:cNvSpPr>
             <a:spLocks noGrp="1"/>
           </p:cNvSpPr>
@@ -939,7 +1153,12 @@
             <p:ph type="sldNum" sz="quarter" idx="12"/>
           </p:nvPr>
         </p:nvSpPr>
-        <p:spPr/>
+        <p:spPr>
+          <a:xfrm>
+            <a:off x="10558300" y="5956137"/>
+            <a:ext cx="1052508" cy="365125"/>
+          </a:xfrm>
+        </p:spPr>
         <p:txBody>
           <a:bodyPr/>
           <a:lstStyle/>
@@ -955,7 +1174,7 @@
     </p:spTree>
     <p:extLst>
       <p:ext uri="{BB962C8B-B14F-4D97-AF65-F5344CB8AC3E}">
-        <p14:creationId xmlns:p14="http://schemas.microsoft.com/office/powerpoint/2010/main" val="2580897223"/>
+        <p14:creationId xmlns:p14="http://schemas.microsoft.com/office/powerpoint/2010/main" val="1055844919"/>
       </p:ext>
     </p:extLst>
   </p:cSld>
@@ -984,13 +1203,46 @@
       </p:grpSpPr>
       <p:sp>
         <p:nvSpPr>
-          <p:cNvPr id="2" name="標題 1">
-            <a:extLst>
-              <a:ext uri="{FF2B5EF4-FFF2-40B4-BE49-F238E27FC236}">
-                <a16:creationId xmlns:a16="http://schemas.microsoft.com/office/drawing/2014/main" id="{E1B52FEB-9C3F-4AC3-8E01-98BC0F97D0F6}"/>
-              </a:ext>
-            </a:extLst>
-          </p:cNvPr>
+          <p:cNvPr id="8" name="Rectangle 7"/>
+          <p:cNvSpPr>
+            <a:spLocks noChangeAspect="1"/>
+          </p:cNvSpPr>
+          <p:nvPr/>
+        </p:nvSpPr>
+        <p:spPr>
+          <a:xfrm>
+            <a:off x="447817" y="5141974"/>
+            <a:ext cx="11290860" cy="1258827"/>
+          </a:xfrm>
+          <a:prstGeom prst="rect">
+            <a:avLst/>
+          </a:prstGeom>
+          <a:solidFill>
+            <a:schemeClr val="accent1"/>
+          </a:solidFill>
+          <a:ln>
+            <a:noFill/>
+          </a:ln>
+          <a:effectLst/>
+        </p:spPr>
+        <p:style>
+          <a:lnRef idx="1">
+            <a:schemeClr val="accent1"/>
+          </a:lnRef>
+          <a:fillRef idx="3">
+            <a:schemeClr val="accent1"/>
+          </a:fillRef>
+          <a:effectRef idx="2">
+            <a:schemeClr val="accent1"/>
+          </a:effectRef>
+          <a:fontRef idx="minor">
+            <a:schemeClr val="lt1"/>
+          </a:fontRef>
+        </p:style>
+      </p:sp>
+      <p:sp>
+        <p:nvSpPr>
+          <p:cNvPr id="2" name="Title 1"/>
           <p:cNvSpPr>
             <a:spLocks noGrp="1"/>
           </p:cNvSpPr>
@@ -1000,15 +1252,21 @@
         </p:nvSpPr>
         <p:spPr>
           <a:xfrm>
-            <a:off x="831850" y="1709738"/>
-            <a:ext cx="10515600" cy="2852737"/>
-          </a:xfrm>
-        </p:spPr>
-        <p:txBody>
-          <a:bodyPr anchor="b"/>
+            <a:off x="581193" y="3043910"/>
+            <a:ext cx="11029615" cy="1497507"/>
+          </a:xfrm>
+        </p:spPr>
+        <p:txBody>
+          <a:bodyPr anchor="b">
+            <a:normAutofit/>
+          </a:bodyPr>
           <a:lstStyle>
-            <a:lvl1pPr>
-              <a:defRPr sz="6000"/>
+            <a:lvl1pPr algn="l">
+              <a:defRPr sz="3600" b="0" cap="all">
+                <a:solidFill>
+                  <a:schemeClr val="accent1"/>
+                </a:solidFill>
+              </a:defRPr>
             </a:lvl1pPr>
           </a:lstStyle>
           <a:p>
@@ -1016,19 +1274,13 @@
               <a:rPr lang="zh-TW" altLang="en-US"/>
               <a:t>按一下以編輯母片標題樣式</a:t>
             </a:r>
-            <a:endParaRPr lang="en-GB"/>
-          </a:p>
-        </p:txBody>
-      </p:sp>
-      <p:sp>
-        <p:nvSpPr>
-          <p:cNvPr id="3" name="文字版面配置區 2">
-            <a:extLst>
-              <a:ext uri="{FF2B5EF4-FFF2-40B4-BE49-F238E27FC236}">
-                <a16:creationId xmlns:a16="http://schemas.microsoft.com/office/drawing/2014/main" id="{87C5317A-F1D6-4284-8C1B-AA3C92364065}"/>
-              </a:ext>
-            </a:extLst>
-          </p:cNvPr>
+            <a:endParaRPr lang="en-US" dirty="0"/>
+          </a:p>
+        </p:txBody>
+      </p:sp>
+      <p:sp>
+        <p:nvSpPr>
+          <p:cNvPr id="3" name="Text Placeholder 2"/>
           <p:cNvSpPr>
             <a:spLocks noGrp="1"/>
           </p:cNvSpPr>
@@ -1038,26 +1290,26 @@
         </p:nvSpPr>
         <p:spPr>
           <a:xfrm>
-            <a:off x="831850" y="4589463"/>
-            <a:ext cx="10515600" cy="1500187"/>
-          </a:xfrm>
-        </p:spPr>
-        <p:txBody>
-          <a:bodyPr/>
+            <a:off x="581192" y="4541417"/>
+            <a:ext cx="11029615" cy="600556"/>
+          </a:xfrm>
+        </p:spPr>
+        <p:txBody>
+          <a:bodyPr anchor="t">
+            <a:normAutofit/>
+          </a:bodyPr>
           <a:lstStyle>
-            <a:lvl1pPr marL="0" indent="0">
-              <a:buNone/>
-              <a:defRPr sz="2400">
+            <a:lvl1pPr marL="0" indent="0" algn="l">
+              <a:buNone/>
+              <a:defRPr sz="1800" cap="all">
                 <a:solidFill>
-                  <a:schemeClr val="tx1">
-                    <a:tint val="75000"/>
-                  </a:schemeClr>
+                  <a:schemeClr val="accent2"/>
                 </a:solidFill>
               </a:defRPr>
             </a:lvl1pPr>
             <a:lvl2pPr marL="457200" indent="0">
               <a:buNone/>
-              <a:defRPr sz="2000">
+              <a:defRPr sz="1800">
                 <a:solidFill>
                   <a:schemeClr val="tx1">
                     <a:tint val="75000"/>
@@ -1067,7 +1319,7 @@
             </a:lvl2pPr>
             <a:lvl3pPr marL="914400" indent="0">
               <a:buNone/>
-              <a:defRPr sz="1800">
+              <a:defRPr sz="1600">
                 <a:solidFill>
                   <a:schemeClr val="tx1">
                     <a:tint val="75000"/>
@@ -1077,7 +1329,7 @@
             </a:lvl3pPr>
             <a:lvl4pPr marL="1371600" indent="0">
               <a:buNone/>
-              <a:defRPr sz="1600">
+              <a:defRPr sz="1400">
                 <a:solidFill>
                   <a:schemeClr val="tx1">
                     <a:tint val="75000"/>
@@ -1087,7 +1339,7 @@
             </a:lvl4pPr>
             <a:lvl5pPr marL="1828800" indent="0">
               <a:buNone/>
-              <a:defRPr sz="1600">
+              <a:defRPr sz="1400">
                 <a:solidFill>
                   <a:schemeClr val="tx1">
                     <a:tint val="75000"/>
@@ -1097,7 +1349,7 @@
             </a:lvl5pPr>
             <a:lvl6pPr marL="2286000" indent="0">
               <a:buNone/>
-              <a:defRPr sz="1600">
+              <a:defRPr sz="1400">
                 <a:solidFill>
                   <a:schemeClr val="tx1">
                     <a:tint val="75000"/>
@@ -1107,7 +1359,7 @@
             </a:lvl6pPr>
             <a:lvl7pPr marL="2743200" indent="0">
               <a:buNone/>
-              <a:defRPr sz="1600">
+              <a:defRPr sz="1400">
                 <a:solidFill>
                   <a:schemeClr val="tx1">
                     <a:tint val="75000"/>
@@ -1117,7 +1369,7 @@
             </a:lvl7pPr>
             <a:lvl8pPr marL="3200400" indent="0">
               <a:buNone/>
-              <a:defRPr sz="1600">
+              <a:defRPr sz="1400">
                 <a:solidFill>
                   <a:schemeClr val="tx1">
                     <a:tint val="75000"/>
@@ -1127,7 +1379,7 @@
             </a:lvl8pPr>
             <a:lvl9pPr marL="3657600" indent="0">
               <a:buNone/>
-              <a:defRPr sz="1600">
+              <a:defRPr sz="1400">
                 <a:solidFill>
                   <a:schemeClr val="tx1">
                     <a:tint val="75000"/>
@@ -1147,13 +1399,7 @@
       </p:sp>
       <p:sp>
         <p:nvSpPr>
-          <p:cNvPr id="4" name="日期版面配置區 3">
-            <a:extLst>
-              <a:ext uri="{FF2B5EF4-FFF2-40B4-BE49-F238E27FC236}">
-                <a16:creationId xmlns:a16="http://schemas.microsoft.com/office/drawing/2014/main" id="{82CCBDD4-1FFF-4136-AC0F-8864F86A8D71}"/>
-              </a:ext>
-            </a:extLst>
-          </p:cNvPr>
+          <p:cNvPr id="4" name="Date Placeholder 3"/>
           <p:cNvSpPr>
             <a:spLocks noGrp="1"/>
           </p:cNvSpPr>
@@ -1164,7 +1410,18 @@
         <p:spPr/>
         <p:txBody>
           <a:bodyPr/>
-          <a:lstStyle/>
+          <a:lstStyle>
+            <a:lvl1pPr>
+              <a:defRPr>
+                <a:solidFill>
+                  <a:schemeClr val="accent1">
+                    <a:lumMod val="75000"/>
+                    <a:lumOff val="25000"/>
+                  </a:schemeClr>
+                </a:solidFill>
+              </a:defRPr>
+            </a:lvl1pPr>
+          </a:lstStyle>
           <a:p>
             <a:fld id="{3C9028CF-F6FB-415A-88F7-79616E04837E}" type="datetimeFigureOut">
               <a:rPr lang="en-GB" smtClean="0"/>
@@ -1176,13 +1433,7 @@
       </p:sp>
       <p:sp>
         <p:nvSpPr>
-          <p:cNvPr id="5" name="頁尾版面配置區 4">
-            <a:extLst>
-              <a:ext uri="{FF2B5EF4-FFF2-40B4-BE49-F238E27FC236}">
-                <a16:creationId xmlns:a16="http://schemas.microsoft.com/office/drawing/2014/main" id="{AB2869B6-075D-422F-842F-82C93657C999}"/>
-              </a:ext>
-            </a:extLst>
-          </p:cNvPr>
+          <p:cNvPr id="5" name="Footer Placeholder 4"/>
           <p:cNvSpPr>
             <a:spLocks noGrp="1"/>
           </p:cNvSpPr>
@@ -1193,7 +1444,18 @@
         <p:spPr/>
         <p:txBody>
           <a:bodyPr/>
-          <a:lstStyle/>
+          <a:lstStyle>
+            <a:lvl1pPr>
+              <a:defRPr>
+                <a:solidFill>
+                  <a:schemeClr val="accent1">
+                    <a:lumMod val="75000"/>
+                    <a:lumOff val="25000"/>
+                  </a:schemeClr>
+                </a:solidFill>
+              </a:defRPr>
+            </a:lvl1pPr>
+          </a:lstStyle>
           <a:p>
             <a:endParaRPr lang="en-GB"/>
           </a:p>
@@ -1201,13 +1463,7 @@
       </p:sp>
       <p:sp>
         <p:nvSpPr>
-          <p:cNvPr id="6" name="投影片編號版面配置區 5">
-            <a:extLst>
-              <a:ext uri="{FF2B5EF4-FFF2-40B4-BE49-F238E27FC236}">
-                <a16:creationId xmlns:a16="http://schemas.microsoft.com/office/drawing/2014/main" id="{84754EC8-ECB5-407B-8E6E-E945AD238D92}"/>
-              </a:ext>
-            </a:extLst>
-          </p:cNvPr>
+          <p:cNvPr id="6" name="Slide Number Placeholder 5"/>
           <p:cNvSpPr>
             <a:spLocks noGrp="1"/>
           </p:cNvSpPr>
@@ -1218,7 +1474,18 @@
         <p:spPr/>
         <p:txBody>
           <a:bodyPr/>
-          <a:lstStyle/>
+          <a:lstStyle>
+            <a:lvl1pPr>
+              <a:defRPr>
+                <a:solidFill>
+                  <a:schemeClr val="accent1">
+                    <a:lumMod val="75000"/>
+                    <a:lumOff val="25000"/>
+                  </a:schemeClr>
+                </a:solidFill>
+              </a:defRPr>
+            </a:lvl1pPr>
+          </a:lstStyle>
           <a:p>
             <a:fld id="{A56E6EC2-C5CC-477E-9056-05388D6EF15E}" type="slidenum">
               <a:rPr lang="en-GB" smtClean="0"/>
@@ -1231,7 +1498,7 @@
     </p:spTree>
     <p:extLst>
       <p:ext uri="{BB962C8B-B14F-4D97-AF65-F5344CB8AC3E}">
-        <p14:creationId xmlns:p14="http://schemas.microsoft.com/office/powerpoint/2010/main" val="3762744507"/>
+        <p14:creationId xmlns:p14="http://schemas.microsoft.com/office/powerpoint/2010/main" val="28701985"/>
       </p:ext>
     </p:extLst>
   </p:cSld>
@@ -1260,13 +1527,46 @@
       </p:grpSpPr>
       <p:sp>
         <p:nvSpPr>
-          <p:cNvPr id="2" name="標題 1">
-            <a:extLst>
-              <a:ext uri="{FF2B5EF4-FFF2-40B4-BE49-F238E27FC236}">
-                <a16:creationId xmlns:a16="http://schemas.microsoft.com/office/drawing/2014/main" id="{9320CA9D-BFBE-4A43-AC97-E7BFE5A551B3}"/>
-              </a:ext>
-            </a:extLst>
-          </p:cNvPr>
+          <p:cNvPr id="8" name="Rectangle 7"/>
+          <p:cNvSpPr>
+            <a:spLocks noChangeAspect="1"/>
+          </p:cNvSpPr>
+          <p:nvPr/>
+        </p:nvSpPr>
+        <p:spPr>
+          <a:xfrm>
+            <a:off x="445982" y="606554"/>
+            <a:ext cx="11300036" cy="1258827"/>
+          </a:xfrm>
+          <a:prstGeom prst="rect">
+            <a:avLst/>
+          </a:prstGeom>
+          <a:solidFill>
+            <a:schemeClr val="accent1"/>
+          </a:solidFill>
+          <a:ln>
+            <a:noFill/>
+          </a:ln>
+          <a:effectLst/>
+        </p:spPr>
+        <p:style>
+          <a:lnRef idx="1">
+            <a:schemeClr val="accent1"/>
+          </a:lnRef>
+          <a:fillRef idx="3">
+            <a:schemeClr val="accent1"/>
+          </a:fillRef>
+          <a:effectRef idx="2">
+            <a:schemeClr val="accent1"/>
+          </a:effectRef>
+          <a:fontRef idx="minor">
+            <a:schemeClr val="lt1"/>
+          </a:fontRef>
+        </p:style>
+      </p:sp>
+      <p:sp>
+        <p:nvSpPr>
+          <p:cNvPr id="2" name="Title 1"/>
           <p:cNvSpPr>
             <a:spLocks noGrp="1"/>
           </p:cNvSpPr>
@@ -1274,7 +1574,12 @@
             <p:ph type="title"/>
           </p:nvPr>
         </p:nvSpPr>
-        <p:spPr/>
+        <p:spPr>
+          <a:xfrm>
+            <a:off x="581193" y="729658"/>
+            <a:ext cx="11029616" cy="988332"/>
+          </a:xfrm>
+        </p:spPr>
         <p:txBody>
           <a:bodyPr/>
           <a:lstStyle/>
@@ -1283,19 +1588,13 @@
               <a:rPr lang="zh-TW" altLang="en-US"/>
               <a:t>按一下以編輯母片標題樣式</a:t>
             </a:r>
-            <a:endParaRPr lang="en-GB"/>
-          </a:p>
-        </p:txBody>
-      </p:sp>
-      <p:sp>
-        <p:nvSpPr>
-          <p:cNvPr id="3" name="內容版面配置區 2">
-            <a:extLst>
-              <a:ext uri="{FF2B5EF4-FFF2-40B4-BE49-F238E27FC236}">
-                <a16:creationId xmlns:a16="http://schemas.microsoft.com/office/drawing/2014/main" id="{FBCC391C-9402-43CF-BA61-43FD352EFE58}"/>
-              </a:ext>
-            </a:extLst>
-          </p:cNvPr>
+            <a:endParaRPr lang="en-US" dirty="0"/>
+          </a:p>
+        </p:txBody>
+      </p:sp>
+      <p:sp>
+        <p:nvSpPr>
+          <p:cNvPr id="3" name="Content Placeholder 2"/>
           <p:cNvSpPr>
             <a:spLocks noGrp="1"/>
           </p:cNvSpPr>
@@ -1305,12 +1604,14 @@
         </p:nvSpPr>
         <p:spPr>
           <a:xfrm>
-            <a:off x="838200" y="1825625"/>
-            <a:ext cx="5181600" cy="4351338"/>
-          </a:xfrm>
-        </p:spPr>
-        <p:txBody>
-          <a:bodyPr/>
+            <a:off x="581193" y="2228003"/>
+            <a:ext cx="5422390" cy="3633047"/>
+          </a:xfrm>
+        </p:spPr>
+        <p:txBody>
+          <a:bodyPr>
+            <a:normAutofit/>
+          </a:bodyPr>
           <a:lstStyle/>
           <a:p>
             <a:pPr lvl="0"/>
@@ -1346,19 +1647,13 @@
               <a:rPr lang="zh-TW" altLang="en-US"/>
               <a:t>第五層</a:t>
             </a:r>
-            <a:endParaRPr lang="en-GB"/>
-          </a:p>
-        </p:txBody>
-      </p:sp>
-      <p:sp>
-        <p:nvSpPr>
-          <p:cNvPr id="4" name="內容版面配置區 3">
-            <a:extLst>
-              <a:ext uri="{FF2B5EF4-FFF2-40B4-BE49-F238E27FC236}">
-                <a16:creationId xmlns:a16="http://schemas.microsoft.com/office/drawing/2014/main" id="{E181B9C4-92CA-4389-B241-0F52DF10FF8F}"/>
-              </a:ext>
-            </a:extLst>
-          </p:cNvPr>
+            <a:endParaRPr lang="en-US" dirty="0"/>
+          </a:p>
+        </p:txBody>
+      </p:sp>
+      <p:sp>
+        <p:nvSpPr>
+          <p:cNvPr id="4" name="Content Placeholder 3"/>
           <p:cNvSpPr>
             <a:spLocks noGrp="1"/>
           </p:cNvSpPr>
@@ -1368,12 +1663,14 @@
         </p:nvSpPr>
         <p:spPr>
           <a:xfrm>
-            <a:off x="6172200" y="1825625"/>
-            <a:ext cx="5181600" cy="4351338"/>
-          </a:xfrm>
-        </p:spPr>
-        <p:txBody>
-          <a:bodyPr/>
+            <a:off x="6188417" y="2228003"/>
+            <a:ext cx="5422392" cy="3633047"/>
+          </a:xfrm>
+        </p:spPr>
+        <p:txBody>
+          <a:bodyPr>
+            <a:normAutofit/>
+          </a:bodyPr>
           <a:lstStyle/>
           <a:p>
             <a:pPr lvl="0"/>
@@ -1409,19 +1706,13 @@
               <a:rPr lang="zh-TW" altLang="en-US"/>
               <a:t>第五層</a:t>
             </a:r>
-            <a:endParaRPr lang="en-GB"/>
-          </a:p>
-        </p:txBody>
-      </p:sp>
-      <p:sp>
-        <p:nvSpPr>
-          <p:cNvPr id="5" name="日期版面配置區 4">
-            <a:extLst>
-              <a:ext uri="{FF2B5EF4-FFF2-40B4-BE49-F238E27FC236}">
-                <a16:creationId xmlns:a16="http://schemas.microsoft.com/office/drawing/2014/main" id="{E6C0FF59-CBFF-4E11-B5BB-A38E5D843D23}"/>
-              </a:ext>
-            </a:extLst>
-          </p:cNvPr>
+            <a:endParaRPr lang="en-US" dirty="0"/>
+          </a:p>
+        </p:txBody>
+      </p:sp>
+      <p:sp>
+        <p:nvSpPr>
+          <p:cNvPr id="5" name="Date Placeholder 4"/>
           <p:cNvSpPr>
             <a:spLocks noGrp="1"/>
           </p:cNvSpPr>
@@ -1444,13 +1735,7 @@
       </p:sp>
       <p:sp>
         <p:nvSpPr>
-          <p:cNvPr id="6" name="頁尾版面配置區 5">
-            <a:extLst>
-              <a:ext uri="{FF2B5EF4-FFF2-40B4-BE49-F238E27FC236}">
-                <a16:creationId xmlns:a16="http://schemas.microsoft.com/office/drawing/2014/main" id="{FE095DFD-7E3E-45DB-92A6-B912ACA7FF48}"/>
-              </a:ext>
-            </a:extLst>
-          </p:cNvPr>
+          <p:cNvPr id="6" name="Footer Placeholder 5"/>
           <p:cNvSpPr>
             <a:spLocks noGrp="1"/>
           </p:cNvSpPr>
@@ -1469,13 +1754,7 @@
       </p:sp>
       <p:sp>
         <p:nvSpPr>
-          <p:cNvPr id="7" name="投影片編號版面配置區 6">
-            <a:extLst>
-              <a:ext uri="{FF2B5EF4-FFF2-40B4-BE49-F238E27FC236}">
-                <a16:creationId xmlns:a16="http://schemas.microsoft.com/office/drawing/2014/main" id="{4EDAACD2-D54D-43E9-89CF-1FCBA07C8D95}"/>
-              </a:ext>
-            </a:extLst>
-          </p:cNvPr>
+          <p:cNvPr id="7" name="Slide Number Placeholder 6"/>
           <p:cNvSpPr>
             <a:spLocks noGrp="1"/>
           </p:cNvSpPr>
@@ -1499,7 +1778,7 @@
     </p:spTree>
     <p:extLst>
       <p:ext uri="{BB962C8B-B14F-4D97-AF65-F5344CB8AC3E}">
-        <p14:creationId xmlns:p14="http://schemas.microsoft.com/office/powerpoint/2010/main" val="4060831361"/>
+        <p14:creationId xmlns:p14="http://schemas.microsoft.com/office/powerpoint/2010/main" val="1140955959"/>
       </p:ext>
     </p:extLst>
   </p:cSld>
@@ -1528,13 +1807,46 @@
       </p:grpSpPr>
       <p:sp>
         <p:nvSpPr>
-          <p:cNvPr id="2" name="標題 1">
-            <a:extLst>
-              <a:ext uri="{FF2B5EF4-FFF2-40B4-BE49-F238E27FC236}">
-                <a16:creationId xmlns:a16="http://schemas.microsoft.com/office/drawing/2014/main" id="{8494A4B2-865D-4711-8861-40A7BC6CC4BA}"/>
-              </a:ext>
-            </a:extLst>
-          </p:cNvPr>
+          <p:cNvPr id="11" name="Rectangle 10"/>
+          <p:cNvSpPr>
+            <a:spLocks noChangeAspect="1"/>
+          </p:cNvSpPr>
+          <p:nvPr/>
+        </p:nvSpPr>
+        <p:spPr>
+          <a:xfrm>
+            <a:off x="445982" y="606554"/>
+            <a:ext cx="11300036" cy="1258827"/>
+          </a:xfrm>
+          <a:prstGeom prst="rect">
+            <a:avLst/>
+          </a:prstGeom>
+          <a:solidFill>
+            <a:schemeClr val="accent1"/>
+          </a:solidFill>
+          <a:ln>
+            <a:noFill/>
+          </a:ln>
+          <a:effectLst/>
+        </p:spPr>
+        <p:style>
+          <a:lnRef idx="1">
+            <a:schemeClr val="accent1"/>
+          </a:lnRef>
+          <a:fillRef idx="3">
+            <a:schemeClr val="accent1"/>
+          </a:fillRef>
+          <a:effectRef idx="2">
+            <a:schemeClr val="accent1"/>
+          </a:effectRef>
+          <a:fontRef idx="minor">
+            <a:schemeClr val="lt1"/>
+          </a:fontRef>
+        </p:style>
+      </p:sp>
+      <p:sp>
+        <p:nvSpPr>
+          <p:cNvPr id="12" name="Title 1"/>
           <p:cNvSpPr>
             <a:spLocks noGrp="1"/>
           </p:cNvSpPr>
@@ -1544,8 +1856,8 @@
         </p:nvSpPr>
         <p:spPr>
           <a:xfrm>
-            <a:off x="839788" y="365125"/>
-            <a:ext cx="10515600" cy="1325563"/>
+            <a:off x="581193" y="729658"/>
+            <a:ext cx="11029616" cy="988332"/>
           </a:xfrm>
         </p:spPr>
         <p:txBody>
@@ -1556,19 +1868,13 @@
               <a:rPr lang="zh-TW" altLang="en-US"/>
               <a:t>按一下以編輯母片標題樣式</a:t>
             </a:r>
-            <a:endParaRPr lang="en-GB"/>
-          </a:p>
-        </p:txBody>
-      </p:sp>
-      <p:sp>
-        <p:nvSpPr>
-          <p:cNvPr id="3" name="文字版面配置區 2">
-            <a:extLst>
-              <a:ext uri="{FF2B5EF4-FFF2-40B4-BE49-F238E27FC236}">
-                <a16:creationId xmlns:a16="http://schemas.microsoft.com/office/drawing/2014/main" id="{E2AE71CE-12F7-4410-81E1-35869836B7FE}"/>
-              </a:ext>
-            </a:extLst>
-          </p:cNvPr>
+            <a:endParaRPr lang="en-US" dirty="0"/>
+          </a:p>
+        </p:txBody>
+      </p:sp>
+      <p:sp>
+        <p:nvSpPr>
+          <p:cNvPr id="3" name="Text Placeholder 2"/>
           <p:cNvSpPr>
             <a:spLocks noGrp="1"/>
           </p:cNvSpPr>
@@ -1578,16 +1884,22 @@
         </p:nvSpPr>
         <p:spPr>
           <a:xfrm>
-            <a:off x="839788" y="1681163"/>
-            <a:ext cx="5157787" cy="823912"/>
-          </a:xfrm>
-        </p:spPr>
-        <p:txBody>
-          <a:bodyPr anchor="b"/>
+            <a:off x="887219" y="2250892"/>
+            <a:ext cx="5087075" cy="536005"/>
+          </a:xfrm>
+        </p:spPr>
+        <p:txBody>
+          <a:bodyPr anchor="b">
+            <a:noAutofit/>
+          </a:bodyPr>
           <a:lstStyle>
             <a:lvl1pPr marL="0" indent="0">
               <a:buNone/>
-              <a:defRPr sz="2400" b="1"/>
+              <a:defRPr sz="2200" b="0">
+                <a:solidFill>
+                  <a:schemeClr val="accent2"/>
+                </a:solidFill>
+              </a:defRPr>
             </a:lvl1pPr>
             <a:lvl2pPr marL="457200" indent="0">
               <a:buNone/>
@@ -1633,13 +1945,7 @@
       </p:sp>
       <p:sp>
         <p:nvSpPr>
-          <p:cNvPr id="4" name="內容版面配置區 3">
-            <a:extLst>
-              <a:ext uri="{FF2B5EF4-FFF2-40B4-BE49-F238E27FC236}">
-                <a16:creationId xmlns:a16="http://schemas.microsoft.com/office/drawing/2014/main" id="{131B5F68-B603-423E-BE7B-18064E77F219}"/>
-              </a:ext>
-            </a:extLst>
-          </p:cNvPr>
+          <p:cNvPr id="4" name="Content Placeholder 3"/>
           <p:cNvSpPr>
             <a:spLocks noGrp="1"/>
           </p:cNvSpPr>
@@ -1649,12 +1955,14 @@
         </p:nvSpPr>
         <p:spPr>
           <a:xfrm>
-            <a:off x="839788" y="2505075"/>
-            <a:ext cx="5157787" cy="3684588"/>
-          </a:xfrm>
-        </p:spPr>
-        <p:txBody>
-          <a:bodyPr/>
+            <a:off x="581194" y="2926052"/>
+            <a:ext cx="5393100" cy="2934999"/>
+          </a:xfrm>
+        </p:spPr>
+        <p:txBody>
+          <a:bodyPr anchor="t">
+            <a:normAutofit/>
+          </a:bodyPr>
           <a:lstStyle/>
           <a:p>
             <a:pPr lvl="0"/>
@@ -1690,19 +1998,13 @@
               <a:rPr lang="zh-TW" altLang="en-US"/>
               <a:t>第五層</a:t>
             </a:r>
-            <a:endParaRPr lang="en-GB"/>
-          </a:p>
-        </p:txBody>
-      </p:sp>
-      <p:sp>
-        <p:nvSpPr>
-          <p:cNvPr id="5" name="文字版面配置區 4">
-            <a:extLst>
-              <a:ext uri="{FF2B5EF4-FFF2-40B4-BE49-F238E27FC236}">
-                <a16:creationId xmlns:a16="http://schemas.microsoft.com/office/drawing/2014/main" id="{2EF4ABF7-2F17-4A71-B954-6F2AE618A7F0}"/>
-              </a:ext>
-            </a:extLst>
-          </p:cNvPr>
+            <a:endParaRPr lang="en-US" dirty="0"/>
+          </a:p>
+        </p:txBody>
+      </p:sp>
+      <p:sp>
+        <p:nvSpPr>
+          <p:cNvPr id="5" name="Text Placeholder 4"/>
           <p:cNvSpPr>
             <a:spLocks noGrp="1"/>
           </p:cNvSpPr>
@@ -1712,16 +2014,22 @@
         </p:nvSpPr>
         <p:spPr>
           <a:xfrm>
-            <a:off x="6172200" y="1681163"/>
-            <a:ext cx="5183188" cy="823912"/>
-          </a:xfrm>
-        </p:spPr>
-        <p:txBody>
-          <a:bodyPr anchor="b"/>
+            <a:off x="6523735" y="2250892"/>
+            <a:ext cx="5087073" cy="553373"/>
+          </a:xfrm>
+        </p:spPr>
+        <p:txBody>
+          <a:bodyPr anchor="b">
+            <a:noAutofit/>
+          </a:bodyPr>
           <a:lstStyle>
             <a:lvl1pPr marL="0" indent="0">
               <a:buNone/>
-              <a:defRPr sz="2400" b="1"/>
+              <a:defRPr sz="2200" b="0">
+                <a:solidFill>
+                  <a:schemeClr val="accent2"/>
+                </a:solidFill>
+              </a:defRPr>
             </a:lvl1pPr>
             <a:lvl2pPr marL="457200" indent="0">
               <a:buNone/>
@@ -1767,13 +2075,7 @@
       </p:sp>
       <p:sp>
         <p:nvSpPr>
-          <p:cNvPr id="6" name="內容版面配置區 5">
-            <a:extLst>
-              <a:ext uri="{FF2B5EF4-FFF2-40B4-BE49-F238E27FC236}">
-                <a16:creationId xmlns:a16="http://schemas.microsoft.com/office/drawing/2014/main" id="{15DD5CCD-3378-44FE-A951-CD49CC287F24}"/>
-              </a:ext>
-            </a:extLst>
-          </p:cNvPr>
+          <p:cNvPr id="6" name="Content Placeholder 5"/>
           <p:cNvSpPr>
             <a:spLocks noGrp="1"/>
           </p:cNvSpPr>
@@ -1783,12 +2085,14 @@
         </p:nvSpPr>
         <p:spPr>
           <a:xfrm>
-            <a:off x="6172200" y="2505075"/>
-            <a:ext cx="5183188" cy="3684588"/>
-          </a:xfrm>
-        </p:spPr>
-        <p:txBody>
-          <a:bodyPr/>
+            <a:off x="6217709" y="2926052"/>
+            <a:ext cx="5393100" cy="2934999"/>
+          </a:xfrm>
+        </p:spPr>
+        <p:txBody>
+          <a:bodyPr anchor="t">
+            <a:normAutofit/>
+          </a:bodyPr>
           <a:lstStyle/>
           <a:p>
             <a:pPr lvl="0"/>
@@ -1824,19 +2128,13 @@
               <a:rPr lang="zh-TW" altLang="en-US"/>
               <a:t>第五層</a:t>
             </a:r>
-            <a:endParaRPr lang="en-GB"/>
-          </a:p>
-        </p:txBody>
-      </p:sp>
-      <p:sp>
-        <p:nvSpPr>
-          <p:cNvPr id="7" name="日期版面配置區 6">
-            <a:extLst>
-              <a:ext uri="{FF2B5EF4-FFF2-40B4-BE49-F238E27FC236}">
-                <a16:creationId xmlns:a16="http://schemas.microsoft.com/office/drawing/2014/main" id="{3B1BBDF2-6D56-4BF6-81B6-ED0211C67CCE}"/>
-              </a:ext>
-            </a:extLst>
-          </p:cNvPr>
+            <a:endParaRPr lang="en-US" dirty="0"/>
+          </a:p>
+        </p:txBody>
+      </p:sp>
+      <p:sp>
+        <p:nvSpPr>
+          <p:cNvPr id="7" name="Date Placeholder 6"/>
           <p:cNvSpPr>
             <a:spLocks noGrp="1"/>
           </p:cNvSpPr>
@@ -1859,13 +2157,7 @@
       </p:sp>
       <p:sp>
         <p:nvSpPr>
-          <p:cNvPr id="8" name="頁尾版面配置區 7">
-            <a:extLst>
-              <a:ext uri="{FF2B5EF4-FFF2-40B4-BE49-F238E27FC236}">
-                <a16:creationId xmlns:a16="http://schemas.microsoft.com/office/drawing/2014/main" id="{30CF1333-560A-45E2-8CD5-D37BEF525D48}"/>
-              </a:ext>
-            </a:extLst>
-          </p:cNvPr>
+          <p:cNvPr id="8" name="Footer Placeholder 7"/>
           <p:cNvSpPr>
             <a:spLocks noGrp="1"/>
           </p:cNvSpPr>
@@ -1884,13 +2176,7 @@
       </p:sp>
       <p:sp>
         <p:nvSpPr>
-          <p:cNvPr id="9" name="投影片編號版面配置區 8">
-            <a:extLst>
-              <a:ext uri="{FF2B5EF4-FFF2-40B4-BE49-F238E27FC236}">
-                <a16:creationId xmlns:a16="http://schemas.microsoft.com/office/drawing/2014/main" id="{E68AF8AB-90C4-415A-B681-AC4370A11C88}"/>
-              </a:ext>
-            </a:extLst>
-          </p:cNvPr>
+          <p:cNvPr id="9" name="Slide Number Placeholder 8"/>
           <p:cNvSpPr>
             <a:spLocks noGrp="1"/>
           </p:cNvSpPr>
@@ -1914,7 +2200,7 @@
     </p:spTree>
     <p:extLst>
       <p:ext uri="{BB962C8B-B14F-4D97-AF65-F5344CB8AC3E}">
-        <p14:creationId xmlns:p14="http://schemas.microsoft.com/office/powerpoint/2010/main" val="1942802355"/>
+        <p14:creationId xmlns:p14="http://schemas.microsoft.com/office/powerpoint/2010/main" val="3842398816"/>
       </p:ext>
     </p:extLst>
   </p:cSld>
@@ -1943,13 +2229,46 @@
       </p:grpSpPr>
       <p:sp>
         <p:nvSpPr>
-          <p:cNvPr id="2" name="標題 1">
-            <a:extLst>
-              <a:ext uri="{FF2B5EF4-FFF2-40B4-BE49-F238E27FC236}">
-                <a16:creationId xmlns:a16="http://schemas.microsoft.com/office/drawing/2014/main" id="{2EE9C77D-E08B-495E-B595-7B7423C3209C}"/>
-              </a:ext>
-            </a:extLst>
-          </p:cNvPr>
+          <p:cNvPr id="7" name="Rectangle 6"/>
+          <p:cNvSpPr>
+            <a:spLocks noChangeAspect="1"/>
+          </p:cNvSpPr>
+          <p:nvPr/>
+        </p:nvSpPr>
+        <p:spPr>
+          <a:xfrm>
+            <a:off x="440683" y="606554"/>
+            <a:ext cx="11300036" cy="1258827"/>
+          </a:xfrm>
+          <a:prstGeom prst="rect">
+            <a:avLst/>
+          </a:prstGeom>
+          <a:solidFill>
+            <a:schemeClr val="accent1"/>
+          </a:solidFill>
+          <a:ln>
+            <a:noFill/>
+          </a:ln>
+          <a:effectLst/>
+        </p:spPr>
+        <p:style>
+          <a:lnRef idx="1">
+            <a:schemeClr val="accent1"/>
+          </a:lnRef>
+          <a:fillRef idx="3">
+            <a:schemeClr val="accent1"/>
+          </a:fillRef>
+          <a:effectRef idx="2">
+            <a:schemeClr val="accent1"/>
+          </a:effectRef>
+          <a:fontRef idx="minor">
+            <a:schemeClr val="lt1"/>
+          </a:fontRef>
+        </p:style>
+      </p:sp>
+      <p:sp>
+        <p:nvSpPr>
+          <p:cNvPr id="8" name="Title 1"/>
           <p:cNvSpPr>
             <a:spLocks noGrp="1"/>
           </p:cNvSpPr>
@@ -1957,7 +2276,12 @@
             <p:ph type="title"/>
           </p:nvPr>
         </p:nvSpPr>
-        <p:spPr/>
+        <p:spPr>
+          <a:xfrm>
+            <a:off x="575894" y="729658"/>
+            <a:ext cx="11029616" cy="988332"/>
+          </a:xfrm>
+        </p:spPr>
         <p:txBody>
           <a:bodyPr/>
           <a:lstStyle/>
@@ -1966,19 +2290,13 @@
               <a:rPr lang="zh-TW" altLang="en-US"/>
               <a:t>按一下以編輯母片標題樣式</a:t>
             </a:r>
-            <a:endParaRPr lang="en-GB"/>
-          </a:p>
-        </p:txBody>
-      </p:sp>
-      <p:sp>
-        <p:nvSpPr>
-          <p:cNvPr id="3" name="日期版面配置區 2">
-            <a:extLst>
-              <a:ext uri="{FF2B5EF4-FFF2-40B4-BE49-F238E27FC236}">
-                <a16:creationId xmlns:a16="http://schemas.microsoft.com/office/drawing/2014/main" id="{75453D5E-9CF4-4571-A923-79BAB8AEF7C9}"/>
-              </a:ext>
-            </a:extLst>
-          </p:cNvPr>
+            <a:endParaRPr lang="en-US" dirty="0"/>
+          </a:p>
+        </p:txBody>
+      </p:sp>
+      <p:sp>
+        <p:nvSpPr>
+          <p:cNvPr id="3" name="Date Placeholder 2"/>
           <p:cNvSpPr>
             <a:spLocks noGrp="1"/>
           </p:cNvSpPr>
@@ -2001,13 +2319,7 @@
       </p:sp>
       <p:sp>
         <p:nvSpPr>
-          <p:cNvPr id="4" name="頁尾版面配置區 3">
-            <a:extLst>
-              <a:ext uri="{FF2B5EF4-FFF2-40B4-BE49-F238E27FC236}">
-                <a16:creationId xmlns:a16="http://schemas.microsoft.com/office/drawing/2014/main" id="{8549F607-723E-4F48-BC5D-E2B9777086D3}"/>
-              </a:ext>
-            </a:extLst>
-          </p:cNvPr>
+          <p:cNvPr id="4" name="Footer Placeholder 3"/>
           <p:cNvSpPr>
             <a:spLocks noGrp="1"/>
           </p:cNvSpPr>
@@ -2026,13 +2338,7 @@
       </p:sp>
       <p:sp>
         <p:nvSpPr>
-          <p:cNvPr id="5" name="投影片編號版面配置區 4">
-            <a:extLst>
-              <a:ext uri="{FF2B5EF4-FFF2-40B4-BE49-F238E27FC236}">
-                <a16:creationId xmlns:a16="http://schemas.microsoft.com/office/drawing/2014/main" id="{13685768-9083-42A2-90AF-933D0094D142}"/>
-              </a:ext>
-            </a:extLst>
-          </p:cNvPr>
+          <p:cNvPr id="5" name="Slide Number Placeholder 4"/>
           <p:cNvSpPr>
             <a:spLocks noGrp="1"/>
           </p:cNvSpPr>
@@ -2056,7 +2362,7 @@
     </p:spTree>
     <p:extLst>
       <p:ext uri="{BB962C8B-B14F-4D97-AF65-F5344CB8AC3E}">
-        <p14:creationId xmlns:p14="http://schemas.microsoft.com/office/powerpoint/2010/main" val="4247049558"/>
+        <p14:creationId xmlns:p14="http://schemas.microsoft.com/office/powerpoint/2010/main" val="923113485"/>
       </p:ext>
     </p:extLst>
   </p:cSld>
@@ -2085,13 +2391,7 @@
       </p:grpSpPr>
       <p:sp>
         <p:nvSpPr>
-          <p:cNvPr id="2" name="日期版面配置區 1">
-            <a:extLst>
-              <a:ext uri="{FF2B5EF4-FFF2-40B4-BE49-F238E27FC236}">
-                <a16:creationId xmlns:a16="http://schemas.microsoft.com/office/drawing/2014/main" id="{3F9FED74-F3E3-4916-95EE-0A7E7CFC9DC4}"/>
-              </a:ext>
-            </a:extLst>
-          </p:cNvPr>
+          <p:cNvPr id="2" name="Date Placeholder 1"/>
           <p:cNvSpPr>
             <a:spLocks noGrp="1"/>
           </p:cNvSpPr>
@@ -2114,13 +2414,7 @@
       </p:sp>
       <p:sp>
         <p:nvSpPr>
-          <p:cNvPr id="3" name="頁尾版面配置區 2">
-            <a:extLst>
-              <a:ext uri="{FF2B5EF4-FFF2-40B4-BE49-F238E27FC236}">
-                <a16:creationId xmlns:a16="http://schemas.microsoft.com/office/drawing/2014/main" id="{1A4D078F-D587-4FF5-B398-CE3120470736}"/>
-              </a:ext>
-            </a:extLst>
-          </p:cNvPr>
+          <p:cNvPr id="3" name="Footer Placeholder 2"/>
           <p:cNvSpPr>
             <a:spLocks noGrp="1"/>
           </p:cNvSpPr>
@@ -2139,13 +2433,7 @@
       </p:sp>
       <p:sp>
         <p:nvSpPr>
-          <p:cNvPr id="4" name="投影片編號版面配置區 3">
-            <a:extLst>
-              <a:ext uri="{FF2B5EF4-FFF2-40B4-BE49-F238E27FC236}">
-                <a16:creationId xmlns:a16="http://schemas.microsoft.com/office/drawing/2014/main" id="{901A8E8B-F27E-4B14-859F-235B3D4AB53B}"/>
-              </a:ext>
-            </a:extLst>
-          </p:cNvPr>
+          <p:cNvPr id="4" name="Slide Number Placeholder 3"/>
           <p:cNvSpPr>
             <a:spLocks noGrp="1"/>
           </p:cNvSpPr>
@@ -2169,7 +2457,7 @@
     </p:spTree>
     <p:extLst>
       <p:ext uri="{BB962C8B-B14F-4D97-AF65-F5344CB8AC3E}">
-        <p14:creationId xmlns:p14="http://schemas.microsoft.com/office/powerpoint/2010/main" val="194116468"/>
+        <p14:creationId xmlns:p14="http://schemas.microsoft.com/office/powerpoint/2010/main" val="2554115289"/>
       </p:ext>
     </p:extLst>
   </p:cSld>
@@ -2198,13 +2486,46 @@
       </p:grpSpPr>
       <p:sp>
         <p:nvSpPr>
-          <p:cNvPr id="2" name="標題 1">
-            <a:extLst>
-              <a:ext uri="{FF2B5EF4-FFF2-40B4-BE49-F238E27FC236}">
-                <a16:creationId xmlns:a16="http://schemas.microsoft.com/office/drawing/2014/main" id="{F6F04277-51C8-4FD1-B9F9-DC125AB8CBA5}"/>
-              </a:ext>
-            </a:extLst>
-          </p:cNvPr>
+          <p:cNvPr id="9" name="Rectangle 8"/>
+          <p:cNvSpPr>
+            <a:spLocks noChangeAspect="1"/>
+          </p:cNvSpPr>
+          <p:nvPr/>
+        </p:nvSpPr>
+        <p:spPr>
+          <a:xfrm>
+            <a:off x="447817" y="5141973"/>
+            <a:ext cx="11298200" cy="1274702"/>
+          </a:xfrm>
+          <a:prstGeom prst="rect">
+            <a:avLst/>
+          </a:prstGeom>
+          <a:solidFill>
+            <a:schemeClr val="accent1"/>
+          </a:solidFill>
+          <a:ln>
+            <a:noFill/>
+          </a:ln>
+          <a:effectLst/>
+        </p:spPr>
+        <p:style>
+          <a:lnRef idx="1">
+            <a:schemeClr val="accent1"/>
+          </a:lnRef>
+          <a:fillRef idx="3">
+            <a:schemeClr val="accent1"/>
+          </a:fillRef>
+          <a:effectRef idx="2">
+            <a:schemeClr val="accent1"/>
+          </a:effectRef>
+          <a:fontRef idx="minor">
+            <a:schemeClr val="lt1"/>
+          </a:fontRef>
+        </p:style>
+      </p:sp>
+      <p:sp>
+        <p:nvSpPr>
+          <p:cNvPr id="2" name="Title 1"/>
           <p:cNvSpPr>
             <a:spLocks noGrp="1"/>
           </p:cNvSpPr>
@@ -2214,208 +2535,252 @@
         </p:nvSpPr>
         <p:spPr>
           <a:xfrm>
-            <a:off x="839788" y="457200"/>
-            <a:ext cx="3932237" cy="1600200"/>
-          </a:xfrm>
-        </p:spPr>
-        <p:txBody>
-          <a:bodyPr anchor="b"/>
+            <a:off x="581192" y="5262296"/>
+            <a:ext cx="4909445" cy="689514"/>
+          </a:xfrm>
+        </p:spPr>
+        <p:txBody>
+          <a:bodyPr anchor="ctr"/>
+          <a:lstStyle>
+            <a:lvl1pPr algn="l">
+              <a:defRPr sz="2000" b="0">
+                <a:solidFill>
+                  <a:schemeClr val="accent1">
+                    <a:lumMod val="75000"/>
+                    <a:lumOff val="25000"/>
+                  </a:schemeClr>
+                </a:solidFill>
+              </a:defRPr>
+            </a:lvl1pPr>
+          </a:lstStyle>
+          <a:p>
+            <a:r>
+              <a:rPr lang="zh-TW" altLang="en-US"/>
+              <a:t>按一下以編輯母片標題樣式</a:t>
+            </a:r>
+            <a:endParaRPr lang="en-US" dirty="0"/>
+          </a:p>
+        </p:txBody>
+      </p:sp>
+      <p:sp>
+        <p:nvSpPr>
+          <p:cNvPr id="3" name="Content Placeholder 2"/>
+          <p:cNvSpPr>
+            <a:spLocks noGrp="1"/>
+          </p:cNvSpPr>
+          <p:nvPr>
+            <p:ph idx="1"/>
+          </p:nvPr>
+        </p:nvSpPr>
+        <p:spPr>
+          <a:xfrm>
+            <a:off x="447816" y="601200"/>
+            <a:ext cx="11292840" cy="4204800"/>
+          </a:xfrm>
+        </p:spPr>
+        <p:txBody>
+          <a:bodyPr anchor="ctr">
+            <a:normAutofit/>
+          </a:bodyPr>
           <a:lstStyle>
             <a:lvl1pPr>
-              <a:defRPr sz="3200"/>
+              <a:defRPr sz="2000">
+                <a:solidFill>
+                  <a:schemeClr val="tx2"/>
+                </a:solidFill>
+              </a:defRPr>
             </a:lvl1pPr>
+            <a:lvl2pPr>
+              <a:defRPr sz="1800">
+                <a:solidFill>
+                  <a:schemeClr val="tx2"/>
+                </a:solidFill>
+              </a:defRPr>
+            </a:lvl2pPr>
+            <a:lvl3pPr>
+              <a:defRPr sz="1600">
+                <a:solidFill>
+                  <a:schemeClr val="tx2"/>
+                </a:solidFill>
+              </a:defRPr>
+            </a:lvl3pPr>
+            <a:lvl4pPr>
+              <a:defRPr sz="1400">
+                <a:solidFill>
+                  <a:schemeClr val="tx2"/>
+                </a:solidFill>
+              </a:defRPr>
+            </a:lvl4pPr>
+            <a:lvl5pPr>
+              <a:defRPr sz="1400">
+                <a:solidFill>
+                  <a:schemeClr val="tx2"/>
+                </a:solidFill>
+              </a:defRPr>
+            </a:lvl5pPr>
+            <a:lvl6pPr>
+              <a:defRPr sz="1400">
+                <a:solidFill>
+                  <a:schemeClr val="tx2"/>
+                </a:solidFill>
+              </a:defRPr>
+            </a:lvl6pPr>
+            <a:lvl7pPr>
+              <a:defRPr sz="1400">
+                <a:solidFill>
+                  <a:schemeClr val="tx2"/>
+                </a:solidFill>
+              </a:defRPr>
+            </a:lvl7pPr>
+            <a:lvl8pPr>
+              <a:defRPr sz="1400">
+                <a:solidFill>
+                  <a:schemeClr val="tx2"/>
+                </a:solidFill>
+              </a:defRPr>
+            </a:lvl8pPr>
+            <a:lvl9pPr>
+              <a:defRPr sz="1400">
+                <a:solidFill>
+                  <a:schemeClr val="tx2"/>
+                </a:solidFill>
+              </a:defRPr>
+            </a:lvl9pPr>
           </a:lstStyle>
           <a:p>
-            <a:r>
-              <a:rPr lang="zh-TW" altLang="en-US"/>
-              <a:t>按一下以編輯母片標題樣式</a:t>
-            </a:r>
-            <a:endParaRPr lang="en-GB"/>
-          </a:p>
-        </p:txBody>
-      </p:sp>
-      <p:sp>
-        <p:nvSpPr>
-          <p:cNvPr id="3" name="內容版面配置區 2">
-            <a:extLst>
-              <a:ext uri="{FF2B5EF4-FFF2-40B4-BE49-F238E27FC236}">
-                <a16:creationId xmlns:a16="http://schemas.microsoft.com/office/drawing/2014/main" id="{66F74354-9AD2-4DCC-8108-FE60A7C2461D}"/>
-              </a:ext>
-            </a:extLst>
-          </p:cNvPr>
-          <p:cNvSpPr>
-            <a:spLocks noGrp="1"/>
-          </p:cNvSpPr>
-          <p:nvPr>
-            <p:ph idx="1"/>
-          </p:nvPr>
-        </p:nvSpPr>
-        <p:spPr>
-          <a:xfrm>
-            <a:off x="5183188" y="987425"/>
-            <a:ext cx="6172200" cy="4873625"/>
-          </a:xfrm>
-        </p:spPr>
+            <a:pPr lvl="0"/>
+            <a:r>
+              <a:rPr lang="zh-TW" altLang="en-US"/>
+              <a:t>編輯母片文字樣式</a:t>
+            </a:r>
+          </a:p>
+          <a:p>
+            <a:pPr lvl="1"/>
+            <a:r>
+              <a:rPr lang="zh-TW" altLang="en-US"/>
+              <a:t>第二層</a:t>
+            </a:r>
+          </a:p>
+          <a:p>
+            <a:pPr lvl="2"/>
+            <a:r>
+              <a:rPr lang="zh-TW" altLang="en-US"/>
+              <a:t>第三層</a:t>
+            </a:r>
+          </a:p>
+          <a:p>
+            <a:pPr lvl="3"/>
+            <a:r>
+              <a:rPr lang="zh-TW" altLang="en-US"/>
+              <a:t>第四層</a:t>
+            </a:r>
+          </a:p>
+          <a:p>
+            <a:pPr lvl="4"/>
+            <a:r>
+              <a:rPr lang="zh-TW" altLang="en-US"/>
+              <a:t>第五層</a:t>
+            </a:r>
+            <a:endParaRPr lang="en-US" dirty="0"/>
+          </a:p>
+        </p:txBody>
+      </p:sp>
+      <p:sp>
+        <p:nvSpPr>
+          <p:cNvPr id="4" name="Text Placeholder 3"/>
+          <p:cNvSpPr>
+            <a:spLocks noGrp="1"/>
+          </p:cNvSpPr>
+          <p:nvPr>
+            <p:ph type="body" sz="half" idx="2"/>
+          </p:nvPr>
+        </p:nvSpPr>
+        <p:spPr>
+          <a:xfrm>
+            <a:off x="5740823" y="5262296"/>
+            <a:ext cx="5869987" cy="689515"/>
+          </a:xfrm>
+        </p:spPr>
+        <p:txBody>
+          <a:bodyPr anchor="ctr">
+            <a:normAutofit/>
+          </a:bodyPr>
+          <a:lstStyle>
+            <a:lvl1pPr marL="0" indent="0" algn="r">
+              <a:buNone/>
+              <a:defRPr sz="1100">
+                <a:solidFill>
+                  <a:schemeClr val="bg1"/>
+                </a:solidFill>
+              </a:defRPr>
+            </a:lvl1pPr>
+            <a:lvl2pPr marL="457200" indent="0">
+              <a:buNone/>
+              <a:defRPr sz="1100"/>
+            </a:lvl2pPr>
+            <a:lvl3pPr marL="914400" indent="0">
+              <a:buNone/>
+              <a:defRPr sz="1000"/>
+            </a:lvl3pPr>
+            <a:lvl4pPr marL="1371600" indent="0">
+              <a:buNone/>
+              <a:defRPr sz="900"/>
+            </a:lvl4pPr>
+            <a:lvl5pPr marL="1828800" indent="0">
+              <a:buNone/>
+              <a:defRPr sz="900"/>
+            </a:lvl5pPr>
+            <a:lvl6pPr marL="2286000" indent="0">
+              <a:buNone/>
+              <a:defRPr sz="900"/>
+            </a:lvl6pPr>
+            <a:lvl7pPr marL="2743200" indent="0">
+              <a:buNone/>
+              <a:defRPr sz="900"/>
+            </a:lvl7pPr>
+            <a:lvl8pPr marL="3200400" indent="0">
+              <a:buNone/>
+              <a:defRPr sz="900"/>
+            </a:lvl8pPr>
+            <a:lvl9pPr marL="3657600" indent="0">
+              <a:buNone/>
+              <a:defRPr sz="900"/>
+            </a:lvl9pPr>
+          </a:lstStyle>
+          <a:p>
+            <a:pPr lvl="0"/>
+            <a:r>
+              <a:rPr lang="zh-TW" altLang="en-US"/>
+              <a:t>編輯母片文字樣式</a:t>
+            </a:r>
+          </a:p>
+        </p:txBody>
+      </p:sp>
+      <p:sp>
+        <p:nvSpPr>
+          <p:cNvPr id="5" name="Date Placeholder 4"/>
+          <p:cNvSpPr>
+            <a:spLocks noGrp="1"/>
+          </p:cNvSpPr>
+          <p:nvPr>
+            <p:ph type="dt" sz="half" idx="10"/>
+          </p:nvPr>
+        </p:nvSpPr>
+        <p:spPr/>
         <p:txBody>
           <a:bodyPr/>
           <a:lstStyle>
             <a:lvl1pPr>
-              <a:defRPr sz="3200"/>
+              <a:defRPr>
+                <a:solidFill>
+                  <a:schemeClr val="accent1">
+                    <a:lumMod val="75000"/>
+                    <a:lumOff val="25000"/>
+                  </a:schemeClr>
+                </a:solidFill>
+              </a:defRPr>
             </a:lvl1pPr>
-            <a:lvl2pPr>
-              <a:defRPr sz="2800"/>
-            </a:lvl2pPr>
-            <a:lvl3pPr>
-              <a:defRPr sz="2400"/>
-            </a:lvl3pPr>
-            <a:lvl4pPr>
-              <a:defRPr sz="2000"/>
-            </a:lvl4pPr>
-            <a:lvl5pPr>
-              <a:defRPr sz="2000"/>
-            </a:lvl5pPr>
-            <a:lvl6pPr>
-              <a:defRPr sz="2000"/>
-            </a:lvl6pPr>
-            <a:lvl7pPr>
-              <a:defRPr sz="2000"/>
-            </a:lvl7pPr>
-            <a:lvl8pPr>
-              <a:defRPr sz="2000"/>
-            </a:lvl8pPr>
-            <a:lvl9pPr>
-              <a:defRPr sz="2000"/>
-            </a:lvl9pPr>
           </a:lstStyle>
-          <a:p>
-            <a:pPr lvl="0"/>
-            <a:r>
-              <a:rPr lang="zh-TW" altLang="en-US"/>
-              <a:t>編輯母片文字樣式</a:t>
-            </a:r>
-          </a:p>
-          <a:p>
-            <a:pPr lvl="1"/>
-            <a:r>
-              <a:rPr lang="zh-TW" altLang="en-US"/>
-              <a:t>第二層</a:t>
-            </a:r>
-          </a:p>
-          <a:p>
-            <a:pPr lvl="2"/>
-            <a:r>
-              <a:rPr lang="zh-TW" altLang="en-US"/>
-              <a:t>第三層</a:t>
-            </a:r>
-          </a:p>
-          <a:p>
-            <a:pPr lvl="3"/>
-            <a:r>
-              <a:rPr lang="zh-TW" altLang="en-US"/>
-              <a:t>第四層</a:t>
-            </a:r>
-          </a:p>
-          <a:p>
-            <a:pPr lvl="4"/>
-            <a:r>
-              <a:rPr lang="zh-TW" altLang="en-US"/>
-              <a:t>第五層</a:t>
-            </a:r>
-            <a:endParaRPr lang="en-GB"/>
-          </a:p>
-        </p:txBody>
-      </p:sp>
-      <p:sp>
-        <p:nvSpPr>
-          <p:cNvPr id="4" name="文字版面配置區 3">
-            <a:extLst>
-              <a:ext uri="{FF2B5EF4-FFF2-40B4-BE49-F238E27FC236}">
-                <a16:creationId xmlns:a16="http://schemas.microsoft.com/office/drawing/2014/main" id="{FFE37464-5E93-463C-86D7-193B39A8D8C8}"/>
-              </a:ext>
-            </a:extLst>
-          </p:cNvPr>
-          <p:cNvSpPr>
-            <a:spLocks noGrp="1"/>
-          </p:cNvSpPr>
-          <p:nvPr>
-            <p:ph type="body" sz="half" idx="2"/>
-          </p:nvPr>
-        </p:nvSpPr>
-        <p:spPr>
-          <a:xfrm>
-            <a:off x="839788" y="2057400"/>
-            <a:ext cx="3932237" cy="3811588"/>
-          </a:xfrm>
-        </p:spPr>
-        <p:txBody>
-          <a:bodyPr/>
-          <a:lstStyle>
-            <a:lvl1pPr marL="0" indent="0">
-              <a:buNone/>
-              <a:defRPr sz="1600"/>
-            </a:lvl1pPr>
-            <a:lvl2pPr marL="457200" indent="0">
-              <a:buNone/>
-              <a:defRPr sz="1400"/>
-            </a:lvl2pPr>
-            <a:lvl3pPr marL="914400" indent="0">
-              <a:buNone/>
-              <a:defRPr sz="1200"/>
-            </a:lvl3pPr>
-            <a:lvl4pPr marL="1371600" indent="0">
-              <a:buNone/>
-              <a:defRPr sz="1000"/>
-            </a:lvl4pPr>
-            <a:lvl5pPr marL="1828800" indent="0">
-              <a:buNone/>
-              <a:defRPr sz="1000"/>
-            </a:lvl5pPr>
-            <a:lvl6pPr marL="2286000" indent="0">
-              <a:buNone/>
-              <a:defRPr sz="1000"/>
-            </a:lvl6pPr>
-            <a:lvl7pPr marL="2743200" indent="0">
-              <a:buNone/>
-              <a:defRPr sz="1000"/>
-            </a:lvl7pPr>
-            <a:lvl8pPr marL="3200400" indent="0">
-              <a:buNone/>
-              <a:defRPr sz="1000"/>
-            </a:lvl8pPr>
-            <a:lvl9pPr marL="3657600" indent="0">
-              <a:buNone/>
-              <a:defRPr sz="1000"/>
-            </a:lvl9pPr>
-          </a:lstStyle>
-          <a:p>
-            <a:pPr lvl="0"/>
-            <a:r>
-              <a:rPr lang="zh-TW" altLang="en-US"/>
-              <a:t>編輯母片文字樣式</a:t>
-            </a:r>
-          </a:p>
-        </p:txBody>
-      </p:sp>
-      <p:sp>
-        <p:nvSpPr>
-          <p:cNvPr id="5" name="日期版面配置區 4">
-            <a:extLst>
-              <a:ext uri="{FF2B5EF4-FFF2-40B4-BE49-F238E27FC236}">
-                <a16:creationId xmlns:a16="http://schemas.microsoft.com/office/drawing/2014/main" id="{E00D64A6-11F8-489B-9BD9-2BC11B66DD7D}"/>
-              </a:ext>
-            </a:extLst>
-          </p:cNvPr>
-          <p:cNvSpPr>
-            <a:spLocks noGrp="1"/>
-          </p:cNvSpPr>
-          <p:nvPr>
-            <p:ph type="dt" sz="half" idx="10"/>
-          </p:nvPr>
-        </p:nvSpPr>
-        <p:spPr/>
-        <p:txBody>
-          <a:bodyPr/>
-          <a:lstStyle/>
           <a:p>
             <a:fld id="{3C9028CF-F6FB-415A-88F7-79616E04837E}" type="datetimeFigureOut">
               <a:rPr lang="en-GB" smtClean="0"/>
@@ -2427,13 +2792,7 @@
       </p:sp>
       <p:sp>
         <p:nvSpPr>
-          <p:cNvPr id="6" name="頁尾版面配置區 5">
-            <a:extLst>
-              <a:ext uri="{FF2B5EF4-FFF2-40B4-BE49-F238E27FC236}">
-                <a16:creationId xmlns:a16="http://schemas.microsoft.com/office/drawing/2014/main" id="{1BCF3031-2DF7-451F-A723-8F6C17BCD199}"/>
-              </a:ext>
-            </a:extLst>
-          </p:cNvPr>
+          <p:cNvPr id="6" name="Footer Placeholder 5"/>
           <p:cNvSpPr>
             <a:spLocks noGrp="1"/>
           </p:cNvSpPr>
@@ -2444,7 +2803,18 @@
         <p:spPr/>
         <p:txBody>
           <a:bodyPr/>
-          <a:lstStyle/>
+          <a:lstStyle>
+            <a:lvl1pPr>
+              <a:defRPr>
+                <a:solidFill>
+                  <a:schemeClr val="accent1">
+                    <a:lumMod val="75000"/>
+                    <a:lumOff val="25000"/>
+                  </a:schemeClr>
+                </a:solidFill>
+              </a:defRPr>
+            </a:lvl1pPr>
+          </a:lstStyle>
           <a:p>
             <a:endParaRPr lang="en-GB"/>
           </a:p>
@@ -2452,13 +2822,7 @@
       </p:sp>
       <p:sp>
         <p:nvSpPr>
-          <p:cNvPr id="7" name="投影片編號版面配置區 6">
-            <a:extLst>
-              <a:ext uri="{FF2B5EF4-FFF2-40B4-BE49-F238E27FC236}">
-                <a16:creationId xmlns:a16="http://schemas.microsoft.com/office/drawing/2014/main" id="{EBC0F6A3-B746-491F-9B0F-44BC18E784DB}"/>
-              </a:ext>
-            </a:extLst>
-          </p:cNvPr>
+          <p:cNvPr id="7" name="Slide Number Placeholder 6"/>
           <p:cNvSpPr>
             <a:spLocks noGrp="1"/>
           </p:cNvSpPr>
@@ -2469,7 +2833,18 @@
         <p:spPr/>
         <p:txBody>
           <a:bodyPr/>
-          <a:lstStyle/>
+          <a:lstStyle>
+            <a:lvl1pPr>
+              <a:defRPr>
+                <a:solidFill>
+                  <a:schemeClr val="accent1">
+                    <a:lumMod val="75000"/>
+                    <a:lumOff val="25000"/>
+                  </a:schemeClr>
+                </a:solidFill>
+              </a:defRPr>
+            </a:lvl1pPr>
+          </a:lstStyle>
           <a:p>
             <a:fld id="{A56E6EC2-C5CC-477E-9056-05388D6EF15E}" type="slidenum">
               <a:rPr lang="en-GB" smtClean="0"/>
@@ -2482,7 +2857,7 @@
     </p:spTree>
     <p:extLst>
       <p:ext uri="{BB962C8B-B14F-4D97-AF65-F5344CB8AC3E}">
-        <p14:creationId xmlns:p14="http://schemas.microsoft.com/office/powerpoint/2010/main" val="360474291"/>
+        <p14:creationId xmlns:p14="http://schemas.microsoft.com/office/powerpoint/2010/main" val="1696174484"/>
       </p:ext>
     </p:extLst>
   </p:cSld>
@@ -2511,13 +2886,7 @@
       </p:grpSpPr>
       <p:sp>
         <p:nvSpPr>
-          <p:cNvPr id="2" name="標題 1">
-            <a:extLst>
-              <a:ext uri="{FF2B5EF4-FFF2-40B4-BE49-F238E27FC236}">
-                <a16:creationId xmlns:a16="http://schemas.microsoft.com/office/drawing/2014/main" id="{95A73EA2-D8E9-427C-A8B4-F7074DFE2698}"/>
-              </a:ext>
-            </a:extLst>
-          </p:cNvPr>
+          <p:cNvPr id="2" name="Title 1"/>
           <p:cNvSpPr>
             <a:spLocks noGrp="1"/>
           </p:cNvSpPr>
@@ -2527,15 +2896,21 @@
         </p:nvSpPr>
         <p:spPr>
           <a:xfrm>
-            <a:off x="839788" y="457200"/>
-            <a:ext cx="3932237" cy="1600200"/>
-          </a:xfrm>
-        </p:spPr>
-        <p:txBody>
-          <a:bodyPr anchor="b"/>
+            <a:off x="581193" y="4693389"/>
+            <a:ext cx="11029616" cy="566738"/>
+          </a:xfrm>
+        </p:spPr>
+        <p:txBody>
+          <a:bodyPr anchor="b">
+            <a:normAutofit/>
+          </a:bodyPr>
           <a:lstStyle>
-            <a:lvl1pPr>
-              <a:defRPr sz="3200"/>
+            <a:lvl1pPr algn="l">
+              <a:defRPr sz="2400" b="0">
+                <a:solidFill>
+                  <a:schemeClr val="accent1"/>
+                </a:solidFill>
+              </a:defRPr>
             </a:lvl1pPr>
           </a:lstStyle>
           <a:p>
@@ -2543,21 +2918,15 @@
               <a:rPr lang="zh-TW" altLang="en-US"/>
               <a:t>按一下以編輯母片標題樣式</a:t>
             </a:r>
-            <a:endParaRPr lang="en-GB"/>
-          </a:p>
-        </p:txBody>
-      </p:sp>
-      <p:sp>
-        <p:nvSpPr>
-          <p:cNvPr id="3" name="圖片版面配置區 2">
-            <a:extLst>
-              <a:ext uri="{FF2B5EF4-FFF2-40B4-BE49-F238E27FC236}">
-                <a16:creationId xmlns:a16="http://schemas.microsoft.com/office/drawing/2014/main" id="{AFEC8582-43CF-4F1F-8290-82D8EBAACDF2}"/>
-              </a:ext>
-            </a:extLst>
-          </p:cNvPr>
-          <p:cNvSpPr>
-            <a:spLocks noGrp="1"/>
+            <a:endParaRPr lang="en-US" dirty="0"/>
+          </a:p>
+        </p:txBody>
+      </p:sp>
+      <p:sp>
+        <p:nvSpPr>
+          <p:cNvPr id="3" name="Picture Placeholder 2"/>
+          <p:cNvSpPr>
+            <a:spLocks noGrp="1" noChangeAspect="1"/>
           </p:cNvSpPr>
           <p:nvPr>
             <p:ph type="pic" idx="1"/>
@@ -2565,118 +2934,120 @@
         </p:nvSpPr>
         <p:spPr>
           <a:xfrm>
-            <a:off x="5183188" y="987425"/>
-            <a:ext cx="6172200" cy="4873625"/>
-          </a:xfrm>
-        </p:spPr>
-        <p:txBody>
-          <a:bodyPr/>
+            <a:off x="447817" y="599725"/>
+            <a:ext cx="11290859" cy="3557252"/>
+          </a:xfrm>
+        </p:spPr>
+        <p:txBody>
+          <a:bodyPr anchor="t">
+            <a:normAutofit/>
+          </a:bodyPr>
           <a:lstStyle>
-            <a:lvl1pPr marL="0" indent="0">
-              <a:buNone/>
-              <a:defRPr sz="3200"/>
-            </a:lvl1pPr>
-            <a:lvl2pPr marL="457200" indent="0">
-              <a:buNone/>
-              <a:defRPr sz="2800"/>
-            </a:lvl2pPr>
-            <a:lvl3pPr marL="914400" indent="0">
-              <a:buNone/>
-              <a:defRPr sz="2400"/>
-            </a:lvl3pPr>
-            <a:lvl4pPr marL="1371600" indent="0">
-              <a:buNone/>
-              <a:defRPr sz="2000"/>
-            </a:lvl4pPr>
-            <a:lvl5pPr marL="1828800" indent="0">
-              <a:buNone/>
-              <a:defRPr sz="2000"/>
-            </a:lvl5pPr>
-            <a:lvl6pPr marL="2286000" indent="0">
-              <a:buNone/>
-              <a:defRPr sz="2000"/>
-            </a:lvl6pPr>
-            <a:lvl7pPr marL="2743200" indent="0">
-              <a:buNone/>
-              <a:defRPr sz="2000"/>
-            </a:lvl7pPr>
-            <a:lvl8pPr marL="3200400" indent="0">
-              <a:buNone/>
-              <a:defRPr sz="2000"/>
-            </a:lvl8pPr>
-            <a:lvl9pPr marL="3657600" indent="0">
-              <a:buNone/>
-              <a:defRPr sz="2000"/>
-            </a:lvl9pPr>
-          </a:lstStyle>
-          <a:p>
-            <a:endParaRPr lang="en-GB"/>
-          </a:p>
-        </p:txBody>
-      </p:sp>
-      <p:sp>
-        <p:nvSpPr>
-          <p:cNvPr id="4" name="文字版面配置區 3">
-            <a:extLst>
-              <a:ext uri="{FF2B5EF4-FFF2-40B4-BE49-F238E27FC236}">
-                <a16:creationId xmlns:a16="http://schemas.microsoft.com/office/drawing/2014/main" id="{9DC92DD4-CBF6-4F3A-B4C0-503A0E2C2577}"/>
-              </a:ext>
-            </a:extLst>
-          </p:cNvPr>
-          <p:cNvSpPr>
-            <a:spLocks noGrp="1"/>
-          </p:cNvSpPr>
-          <p:nvPr>
-            <p:ph type="body" sz="half" idx="2"/>
-          </p:nvPr>
-        </p:nvSpPr>
-        <p:spPr>
-          <a:xfrm>
-            <a:off x="839788" y="2057400"/>
-            <a:ext cx="3932237" cy="3811588"/>
-          </a:xfrm>
-        </p:spPr>
-        <p:txBody>
-          <a:bodyPr/>
-          <a:lstStyle>
-            <a:lvl1pPr marL="0" indent="0">
+            <a:lvl1pPr marL="0" indent="0" algn="ctr">
               <a:buNone/>
               <a:defRPr sz="1600"/>
             </a:lvl1pPr>
             <a:lvl2pPr marL="457200" indent="0">
               <a:buNone/>
-              <a:defRPr sz="1400"/>
+              <a:defRPr sz="1600"/>
             </a:lvl2pPr>
             <a:lvl3pPr marL="914400" indent="0">
               <a:buNone/>
-              <a:defRPr sz="1200"/>
+              <a:defRPr sz="1600"/>
             </a:lvl3pPr>
             <a:lvl4pPr marL="1371600" indent="0">
               <a:buNone/>
-              <a:defRPr sz="1000"/>
+              <a:defRPr sz="1600"/>
             </a:lvl4pPr>
             <a:lvl5pPr marL="1828800" indent="0">
               <a:buNone/>
-              <a:defRPr sz="1000"/>
+              <a:defRPr sz="1600"/>
             </a:lvl5pPr>
             <a:lvl6pPr marL="2286000" indent="0">
               <a:buNone/>
-              <a:defRPr sz="1000"/>
+              <a:defRPr sz="1600"/>
             </a:lvl6pPr>
             <a:lvl7pPr marL="2743200" indent="0">
               <a:buNone/>
-              <a:defRPr sz="1000"/>
+              <a:defRPr sz="1600"/>
             </a:lvl7pPr>
             <a:lvl8pPr marL="3200400" indent="0">
               <a:buNone/>
-              <a:defRPr sz="1000"/>
+              <a:defRPr sz="1600"/>
             </a:lvl8pPr>
             <a:lvl9pPr marL="3657600" indent="0">
               <a:buNone/>
-              <a:defRPr sz="1000"/>
+              <a:defRPr sz="1600"/>
             </a:lvl9pPr>
           </a:lstStyle>
           <a:p>
+            <a:r>
+              <a:rPr lang="zh-TW" altLang="en-US"/>
+              <a:t>按一下圖示以新增圖片</a:t>
+            </a:r>
+            <a:endParaRPr lang="en-US" dirty="0"/>
+          </a:p>
+        </p:txBody>
+      </p:sp>
+      <p:sp>
+        <p:nvSpPr>
+          <p:cNvPr id="4" name="Text Placeholder 3"/>
+          <p:cNvSpPr>
+            <a:spLocks noGrp="1"/>
+          </p:cNvSpPr>
+          <p:nvPr>
+            <p:ph type="body" sz="half" idx="2"/>
+          </p:nvPr>
+        </p:nvSpPr>
+        <p:spPr>
+          <a:xfrm>
+            <a:off x="581192" y="5260127"/>
+            <a:ext cx="11029617" cy="598671"/>
+          </a:xfrm>
+        </p:spPr>
+        <p:txBody>
+          <a:bodyPr>
+            <a:normAutofit/>
+          </a:bodyPr>
+          <a:lstStyle>
+            <a:lvl1pPr marL="0" indent="0">
+              <a:buNone/>
+              <a:defRPr sz="1200"/>
+            </a:lvl1pPr>
+            <a:lvl2pPr marL="457200" indent="0">
+              <a:buNone/>
+              <a:defRPr sz="1200"/>
+            </a:lvl2pPr>
+            <a:lvl3pPr marL="914400" indent="0">
+              <a:buNone/>
+              <a:defRPr sz="1000"/>
+            </a:lvl3pPr>
+            <a:lvl4pPr marL="1371600" indent="0">
+              <a:buNone/>
+              <a:defRPr sz="900"/>
+            </a:lvl4pPr>
+            <a:lvl5pPr marL="1828800" indent="0">
+              <a:buNone/>
+              <a:defRPr sz="900"/>
+            </a:lvl5pPr>
+            <a:lvl6pPr marL="2286000" indent="0">
+              <a:buNone/>
+              <a:defRPr sz="900"/>
+            </a:lvl6pPr>
+            <a:lvl7pPr marL="2743200" indent="0">
+              <a:buNone/>
+              <a:defRPr sz="900"/>
+            </a:lvl7pPr>
+            <a:lvl8pPr marL="3200400" indent="0">
+              <a:buNone/>
+              <a:defRPr sz="900"/>
+            </a:lvl8pPr>
+            <a:lvl9pPr marL="3657600" indent="0">
+              <a:buNone/>
+              <a:defRPr sz="900"/>
+            </a:lvl9pPr>
+          </a:lstStyle>
+          <a:p>
             <a:pPr lvl="0"/>
             <a:r>
               <a:rPr lang="zh-TW" altLang="en-US"/>
@@ -2687,13 +3058,7 @@
       </p:sp>
       <p:sp>
         <p:nvSpPr>
-          <p:cNvPr id="5" name="日期版面配置區 4">
-            <a:extLst>
-              <a:ext uri="{FF2B5EF4-FFF2-40B4-BE49-F238E27FC236}">
-                <a16:creationId xmlns:a16="http://schemas.microsoft.com/office/drawing/2014/main" id="{F42300B8-69B1-45AB-A99D-9D24200962D6}"/>
-              </a:ext>
-            </a:extLst>
-          </p:cNvPr>
+          <p:cNvPr id="5" name="Date Placeholder 4"/>
           <p:cNvSpPr>
             <a:spLocks noGrp="1"/>
           </p:cNvSpPr>
@@ -2716,13 +3081,7 @@
       </p:sp>
       <p:sp>
         <p:nvSpPr>
-          <p:cNvPr id="6" name="頁尾版面配置區 5">
-            <a:extLst>
-              <a:ext uri="{FF2B5EF4-FFF2-40B4-BE49-F238E27FC236}">
-                <a16:creationId xmlns:a16="http://schemas.microsoft.com/office/drawing/2014/main" id="{DE6C8B37-2CAF-4E63-B429-C065707E8A4F}"/>
-              </a:ext>
-            </a:extLst>
-          </p:cNvPr>
+          <p:cNvPr id="6" name="Footer Placeholder 5"/>
           <p:cNvSpPr>
             <a:spLocks noGrp="1"/>
           </p:cNvSpPr>
@@ -2741,13 +3100,7 @@
       </p:sp>
       <p:sp>
         <p:nvSpPr>
-          <p:cNvPr id="7" name="投影片編號版面配置區 6">
-            <a:extLst>
-              <a:ext uri="{FF2B5EF4-FFF2-40B4-BE49-F238E27FC236}">
-                <a16:creationId xmlns:a16="http://schemas.microsoft.com/office/drawing/2014/main" id="{1F47A0E4-72AD-47C0-A488-217053F64939}"/>
-              </a:ext>
-            </a:extLst>
-          </p:cNvPr>
+          <p:cNvPr id="7" name="Slide Number Placeholder 6"/>
           <p:cNvSpPr>
             <a:spLocks noGrp="1"/>
           </p:cNvSpPr>
@@ -2771,7 +3124,7 @@
     </p:spTree>
     <p:extLst>
       <p:ext uri="{BB962C8B-B14F-4D97-AF65-F5344CB8AC3E}">
-        <p14:creationId xmlns:p14="http://schemas.microsoft.com/office/powerpoint/2010/main" val="2526285835"/>
+        <p14:creationId xmlns:p14="http://schemas.microsoft.com/office/powerpoint/2010/main" val="154045950"/>
       </p:ext>
     </p:extLst>
   </p:cSld>
@@ -2805,13 +3158,7 @@
       </p:grpSpPr>
       <p:sp>
         <p:nvSpPr>
-          <p:cNvPr id="2" name="標題版面配置區 1">
-            <a:extLst>
-              <a:ext uri="{FF2B5EF4-FFF2-40B4-BE49-F238E27FC236}">
-                <a16:creationId xmlns:a16="http://schemas.microsoft.com/office/drawing/2014/main" id="{51D86F7D-A6F5-4A45-A7BD-9276C4AD397E}"/>
-              </a:ext>
-            </a:extLst>
-          </p:cNvPr>
+          <p:cNvPr id="2" name="Title Placeholder 1"/>
           <p:cNvSpPr>
             <a:spLocks noGrp="1"/>
           </p:cNvSpPr>
@@ -2821,8 +3168,41 @@
         </p:nvSpPr>
         <p:spPr>
           <a:xfrm>
-            <a:off x="838200" y="365125"/>
-            <a:ext cx="10515600" cy="1325563"/>
+            <a:off x="581192" y="705124"/>
+            <a:ext cx="11029616" cy="1189554"/>
+          </a:xfrm>
+          <a:prstGeom prst="rect">
+            <a:avLst/>
+          </a:prstGeom>
+        </p:spPr>
+        <p:txBody>
+          <a:bodyPr vert="horz" lIns="91440" tIns="45720" rIns="91440" bIns="45720" rtlCol="0" anchor="b">
+            <a:normAutofit/>
+          </a:bodyPr>
+          <a:lstStyle/>
+          <a:p>
+            <a:r>
+              <a:rPr lang="zh-TW" altLang="en-US"/>
+              <a:t>按一下以編輯母片標題樣式</a:t>
+            </a:r>
+            <a:endParaRPr lang="en-US" dirty="0"/>
+          </a:p>
+        </p:txBody>
+      </p:sp>
+      <p:sp>
+        <p:nvSpPr>
+          <p:cNvPr id="3" name="Text Placeholder 2"/>
+          <p:cNvSpPr>
+            <a:spLocks noGrp="1"/>
+          </p:cNvSpPr>
+          <p:nvPr>
+            <p:ph type="body" idx="1"/>
+          </p:nvPr>
+        </p:nvSpPr>
+        <p:spPr>
+          <a:xfrm>
+            <a:off x="581192" y="2336003"/>
+            <a:ext cx="11029616" cy="3522794"/>
           </a:xfrm>
           <a:prstGeom prst="rect">
             <a:avLst/>
@@ -2834,116 +3214,69 @@
           </a:bodyPr>
           <a:lstStyle/>
           <a:p>
-            <a:r>
-              <a:rPr lang="zh-TW" altLang="en-US"/>
-              <a:t>按一下以編輯母片標題樣式</a:t>
-            </a:r>
-            <a:endParaRPr lang="en-GB"/>
-          </a:p>
-        </p:txBody>
-      </p:sp>
-      <p:sp>
-        <p:nvSpPr>
-          <p:cNvPr id="3" name="文字版面配置區 2">
-            <a:extLst>
-              <a:ext uri="{FF2B5EF4-FFF2-40B4-BE49-F238E27FC236}">
-                <a16:creationId xmlns:a16="http://schemas.microsoft.com/office/drawing/2014/main" id="{AE25C36A-A479-4D4D-97D8-4DBAE9A3D2D7}"/>
-              </a:ext>
-            </a:extLst>
-          </p:cNvPr>
-          <p:cNvSpPr>
-            <a:spLocks noGrp="1"/>
-          </p:cNvSpPr>
-          <p:nvPr>
-            <p:ph type="body" idx="1"/>
-          </p:nvPr>
-        </p:nvSpPr>
-        <p:spPr>
-          <a:xfrm>
-            <a:off x="838200" y="1825625"/>
-            <a:ext cx="10515600" cy="4351338"/>
+            <a:pPr lvl="0"/>
+            <a:r>
+              <a:rPr lang="zh-TW" altLang="en-US"/>
+              <a:t>編輯母片文字樣式</a:t>
+            </a:r>
+          </a:p>
+          <a:p>
+            <a:pPr lvl="1"/>
+            <a:r>
+              <a:rPr lang="zh-TW" altLang="en-US"/>
+              <a:t>第二層</a:t>
+            </a:r>
+          </a:p>
+          <a:p>
+            <a:pPr lvl="2"/>
+            <a:r>
+              <a:rPr lang="zh-TW" altLang="en-US"/>
+              <a:t>第三層</a:t>
+            </a:r>
+          </a:p>
+          <a:p>
+            <a:pPr lvl="3"/>
+            <a:r>
+              <a:rPr lang="zh-TW" altLang="en-US"/>
+              <a:t>第四層</a:t>
+            </a:r>
+          </a:p>
+          <a:p>
+            <a:pPr lvl="4"/>
+            <a:r>
+              <a:rPr lang="zh-TW" altLang="en-US"/>
+              <a:t>第五層</a:t>
+            </a:r>
+            <a:endParaRPr lang="en-US" dirty="0"/>
+          </a:p>
+        </p:txBody>
+      </p:sp>
+      <p:sp>
+        <p:nvSpPr>
+          <p:cNvPr id="4" name="Date Placeholder 3"/>
+          <p:cNvSpPr>
+            <a:spLocks noGrp="1"/>
+          </p:cNvSpPr>
+          <p:nvPr>
+            <p:ph type="dt" sz="half" idx="2"/>
+          </p:nvPr>
+        </p:nvSpPr>
+        <p:spPr>
+          <a:xfrm>
+            <a:off x="7605951" y="5956137"/>
+            <a:ext cx="2844799" cy="365125"/>
           </a:xfrm>
           <a:prstGeom prst="rect">
             <a:avLst/>
           </a:prstGeom>
         </p:spPr>
         <p:txBody>
-          <a:bodyPr vert="horz" lIns="91440" tIns="45720" rIns="91440" bIns="45720" rtlCol="0">
-            <a:normAutofit/>
-          </a:bodyPr>
-          <a:lstStyle/>
-          <a:p>
-            <a:pPr lvl="0"/>
-            <a:r>
-              <a:rPr lang="zh-TW" altLang="en-US"/>
-              <a:t>編輯母片文字樣式</a:t>
-            </a:r>
-          </a:p>
-          <a:p>
-            <a:pPr lvl="1"/>
-            <a:r>
-              <a:rPr lang="zh-TW" altLang="en-US"/>
-              <a:t>第二層</a:t>
-            </a:r>
-          </a:p>
-          <a:p>
-            <a:pPr lvl="2"/>
-            <a:r>
-              <a:rPr lang="zh-TW" altLang="en-US"/>
-              <a:t>第三層</a:t>
-            </a:r>
-          </a:p>
-          <a:p>
-            <a:pPr lvl="3"/>
-            <a:r>
-              <a:rPr lang="zh-TW" altLang="en-US"/>
-              <a:t>第四層</a:t>
-            </a:r>
-          </a:p>
-          <a:p>
-            <a:pPr lvl="4"/>
-            <a:r>
-              <a:rPr lang="zh-TW" altLang="en-US"/>
-              <a:t>第五層</a:t>
-            </a:r>
-            <a:endParaRPr lang="en-GB"/>
-          </a:p>
-        </p:txBody>
-      </p:sp>
-      <p:sp>
-        <p:nvSpPr>
-          <p:cNvPr id="4" name="日期版面配置區 3">
-            <a:extLst>
-              <a:ext uri="{FF2B5EF4-FFF2-40B4-BE49-F238E27FC236}">
-                <a16:creationId xmlns:a16="http://schemas.microsoft.com/office/drawing/2014/main" id="{863B96F5-059D-4E98-AA9C-D17EC47580D0}"/>
-              </a:ext>
-            </a:extLst>
-          </p:cNvPr>
-          <p:cNvSpPr>
-            <a:spLocks noGrp="1"/>
-          </p:cNvSpPr>
-          <p:nvPr>
-            <p:ph type="dt" sz="half" idx="2"/>
-          </p:nvPr>
-        </p:nvSpPr>
-        <p:spPr>
-          <a:xfrm>
-            <a:off x="838200" y="6356350"/>
-            <a:ext cx="2743200" cy="365125"/>
-          </a:xfrm>
-          <a:prstGeom prst="rect">
-            <a:avLst/>
-          </a:prstGeom>
-        </p:spPr>
-        <p:txBody>
           <a:bodyPr vert="horz" lIns="91440" tIns="45720" rIns="91440" bIns="45720" rtlCol="0" anchor="ctr"/>
           <a:lstStyle>
-            <a:lvl1pPr algn="l">
-              <a:defRPr sz="1200">
+            <a:lvl1pPr algn="r">
+              <a:defRPr sz="900">
                 <a:solidFill>
-                  <a:schemeClr val="tx1">
-                    <a:tint val="75000"/>
-                  </a:schemeClr>
+                  <a:schemeClr val="accent2"/>
                 </a:solidFill>
               </a:defRPr>
             </a:lvl1pPr>
@@ -2959,13 +3292,7 @@
       </p:sp>
       <p:sp>
         <p:nvSpPr>
-          <p:cNvPr id="5" name="頁尾版面配置區 4">
-            <a:extLst>
-              <a:ext uri="{FF2B5EF4-FFF2-40B4-BE49-F238E27FC236}">
-                <a16:creationId xmlns:a16="http://schemas.microsoft.com/office/drawing/2014/main" id="{3A59AB61-C900-4360-A91B-BBDBE41DBC99}"/>
-              </a:ext>
-            </a:extLst>
-          </p:cNvPr>
+          <p:cNvPr id="5" name="Footer Placeholder 4"/>
           <p:cNvSpPr>
             <a:spLocks noGrp="1"/>
           </p:cNvSpPr>
@@ -2975,8 +3302,8 @@
         </p:nvSpPr>
         <p:spPr>
           <a:xfrm>
-            <a:off x="4038600" y="6356350"/>
-            <a:ext cx="4114800" cy="365125"/>
+            <a:off x="581192" y="5951811"/>
+            <a:ext cx="6917210" cy="365125"/>
           </a:xfrm>
           <a:prstGeom prst="rect">
             <a:avLst/>
@@ -2985,12 +3312,10 @@
         <p:txBody>
           <a:bodyPr vert="horz" lIns="91440" tIns="45720" rIns="91440" bIns="45720" rtlCol="0" anchor="ctr"/>
           <a:lstStyle>
-            <a:lvl1pPr algn="ctr">
-              <a:defRPr sz="1200">
+            <a:lvl1pPr algn="l">
+              <a:defRPr sz="900" cap="all">
                 <a:solidFill>
-                  <a:schemeClr val="tx1">
-                    <a:tint val="75000"/>
-                  </a:schemeClr>
+                  <a:schemeClr val="accent2"/>
                 </a:solidFill>
               </a:defRPr>
             </a:lvl1pPr>
@@ -3002,13 +3327,7 @@
       </p:sp>
       <p:sp>
         <p:nvSpPr>
-          <p:cNvPr id="6" name="投影片編號版面配置區 5">
-            <a:extLst>
-              <a:ext uri="{FF2B5EF4-FFF2-40B4-BE49-F238E27FC236}">
-                <a16:creationId xmlns:a16="http://schemas.microsoft.com/office/drawing/2014/main" id="{2D3E9234-3982-45A1-AFDA-B6D609DE4B37}"/>
-              </a:ext>
-            </a:extLst>
-          </p:cNvPr>
+          <p:cNvPr id="6" name="Slide Number Placeholder 5"/>
           <p:cNvSpPr>
             <a:spLocks noGrp="1"/>
           </p:cNvSpPr>
@@ -3018,8 +3337,8 @@
         </p:nvSpPr>
         <p:spPr>
           <a:xfrm>
-            <a:off x="8610600" y="6356350"/>
-            <a:ext cx="2743200" cy="365125"/>
+            <a:off x="10558300" y="5956137"/>
+            <a:ext cx="1052510" cy="365125"/>
           </a:xfrm>
           <a:prstGeom prst="rect">
             <a:avLst/>
@@ -3029,11 +3348,9 @@
           <a:bodyPr vert="horz" lIns="91440" tIns="45720" rIns="91440" bIns="45720" rtlCol="0" anchor="ctr"/>
           <a:lstStyle>
             <a:lvl1pPr algn="r">
-              <a:defRPr sz="1200">
+              <a:defRPr sz="900">
                 <a:solidFill>
-                  <a:schemeClr val="tx1">
-                    <a:tint val="75000"/>
-                  </a:schemeClr>
+                  <a:schemeClr val="accent2"/>
                 </a:solidFill>
               </a:defRPr>
             </a:lvl1pPr>
@@ -3047,204 +3364,404 @@
           </a:p>
         </p:txBody>
       </p:sp>
+      <p:sp>
+        <p:nvSpPr>
+          <p:cNvPr id="9" name="Rectangle 8"/>
+          <p:cNvSpPr/>
+          <p:nvPr/>
+        </p:nvSpPr>
+        <p:spPr>
+          <a:xfrm>
+            <a:off x="446534" y="457200"/>
+            <a:ext cx="3703320" cy="94997"/>
+          </a:xfrm>
+          <a:prstGeom prst="rect">
+            <a:avLst/>
+          </a:prstGeom>
+          <a:solidFill>
+            <a:schemeClr val="accent1"/>
+          </a:solidFill>
+          <a:ln>
+            <a:noFill/>
+          </a:ln>
+          <a:effectLst/>
+        </p:spPr>
+        <p:style>
+          <a:lnRef idx="1">
+            <a:schemeClr val="accent1"/>
+          </a:lnRef>
+          <a:fillRef idx="3">
+            <a:schemeClr val="accent1"/>
+          </a:fillRef>
+          <a:effectRef idx="2">
+            <a:schemeClr val="accent1"/>
+          </a:effectRef>
+          <a:fontRef idx="minor">
+            <a:schemeClr val="lt1"/>
+          </a:fontRef>
+        </p:style>
+      </p:sp>
+      <p:sp>
+        <p:nvSpPr>
+          <p:cNvPr id="10" name="Rectangle 9"/>
+          <p:cNvSpPr/>
+          <p:nvPr/>
+        </p:nvSpPr>
+        <p:spPr>
+          <a:xfrm>
+            <a:off x="8042147" y="453643"/>
+            <a:ext cx="3703320" cy="98554"/>
+          </a:xfrm>
+          <a:prstGeom prst="rect">
+            <a:avLst/>
+          </a:prstGeom>
+          <a:solidFill>
+            <a:schemeClr val="accent4"/>
+          </a:solidFill>
+          <a:ln>
+            <a:noFill/>
+          </a:ln>
+          <a:effectLst/>
+        </p:spPr>
+        <p:style>
+          <a:lnRef idx="1">
+            <a:schemeClr val="accent1"/>
+          </a:lnRef>
+          <a:fillRef idx="3">
+            <a:schemeClr val="accent1"/>
+          </a:fillRef>
+          <a:effectRef idx="2">
+            <a:schemeClr val="accent1"/>
+          </a:effectRef>
+          <a:fontRef idx="minor">
+            <a:schemeClr val="lt1"/>
+          </a:fontRef>
+        </p:style>
+      </p:sp>
+      <p:sp>
+        <p:nvSpPr>
+          <p:cNvPr id="11" name="Rectangle 10"/>
+          <p:cNvSpPr/>
+          <p:nvPr/>
+        </p:nvSpPr>
+        <p:spPr>
+          <a:xfrm>
+            <a:off x="4241830" y="457200"/>
+            <a:ext cx="3703320" cy="91440"/>
+          </a:xfrm>
+          <a:prstGeom prst="rect">
+            <a:avLst/>
+          </a:prstGeom>
+          <a:solidFill>
+            <a:schemeClr val="accent2"/>
+          </a:solidFill>
+          <a:ln>
+            <a:noFill/>
+          </a:ln>
+          <a:effectLst/>
+        </p:spPr>
+        <p:style>
+          <a:lnRef idx="1">
+            <a:schemeClr val="accent1"/>
+          </a:lnRef>
+          <a:fillRef idx="3">
+            <a:schemeClr val="accent1"/>
+          </a:fillRef>
+          <a:effectRef idx="2">
+            <a:schemeClr val="accent1"/>
+          </a:effectRef>
+          <a:fontRef idx="minor">
+            <a:schemeClr val="lt1"/>
+          </a:fontRef>
+        </p:style>
+      </p:sp>
     </p:spTree>
     <p:extLst>
       <p:ext uri="{BB962C8B-B14F-4D97-AF65-F5344CB8AC3E}">
-        <p14:creationId xmlns:p14="http://schemas.microsoft.com/office/powerpoint/2010/main" val="2780811166"/>
+        <p14:creationId xmlns:p14="http://schemas.microsoft.com/office/powerpoint/2010/main" val="2031666972"/>
       </p:ext>
     </p:extLst>
   </p:cSld>
   <p:clrMap bg1="lt1" tx1="dk1" bg2="lt2" tx2="dk2" accent1="accent1" accent2="accent2" accent3="accent3" accent4="accent4" accent5="accent5" accent6="accent6" hlink="hlink" folHlink="folHlink"/>
   <p:sldLayoutIdLst>
-    <p:sldLayoutId id="2147483649" r:id="rId1"/>
-    <p:sldLayoutId id="2147483650" r:id="rId2"/>
-    <p:sldLayoutId id="2147483651" r:id="rId3"/>
-    <p:sldLayoutId id="2147483652" r:id="rId4"/>
-    <p:sldLayoutId id="2147483653" r:id="rId5"/>
-    <p:sldLayoutId id="2147483654" r:id="rId6"/>
-    <p:sldLayoutId id="2147483655" r:id="rId7"/>
-    <p:sldLayoutId id="2147483656" r:id="rId8"/>
-    <p:sldLayoutId id="2147483657" r:id="rId9"/>
-    <p:sldLayoutId id="2147483658" r:id="rId10"/>
-    <p:sldLayoutId id="2147483659" r:id="rId11"/>
+    <p:sldLayoutId id="2147483733" r:id="rId1"/>
+    <p:sldLayoutId id="2147483734" r:id="rId2"/>
+    <p:sldLayoutId id="2147483735" r:id="rId3"/>
+    <p:sldLayoutId id="2147483736" r:id="rId4"/>
+    <p:sldLayoutId id="2147483737" r:id="rId5"/>
+    <p:sldLayoutId id="2147483738" r:id="rId6"/>
+    <p:sldLayoutId id="2147483739" r:id="rId7"/>
+    <p:sldLayoutId id="2147483740" r:id="rId8"/>
+    <p:sldLayoutId id="2147483741" r:id="rId9"/>
+    <p:sldLayoutId id="2147483742" r:id="rId10"/>
+    <p:sldLayoutId id="2147483743" r:id="rId11"/>
   </p:sldLayoutIdLst>
   <p:txStyles>
     <p:titleStyle>
-      <a:lvl1pPr algn="l" defTabSz="914400" rtl="0" eaLnBrk="1" latinLnBrk="0" hangingPunct="1">
-        <a:lnSpc>
-          <a:spcPct val="90000"/>
-        </a:lnSpc>
+      <a:lvl1pPr algn="l" defTabSz="457200" rtl="0" eaLnBrk="1" latinLnBrk="0" hangingPunct="1">
         <a:spcBef>
           <a:spcPct val="0"/>
         </a:spcBef>
         <a:buNone/>
-        <a:defRPr sz="4400" kern="1200">
+        <a:defRPr sz="2800" b="0" kern="1200" cap="all">
           <a:solidFill>
-            <a:schemeClr val="tx1"/>
+            <a:schemeClr val="bg1"/>
           </a:solidFill>
           <a:latin typeface="+mj-lt"/>
           <a:ea typeface="+mj-ea"/>
           <a:cs typeface="+mj-cs"/>
         </a:defRPr>
       </a:lvl1pPr>
+      <a:lvl2pPr eaLnBrk="1" hangingPunct="1">
+        <a:defRPr>
+          <a:solidFill>
+            <a:schemeClr val="tx2"/>
+          </a:solidFill>
+        </a:defRPr>
+      </a:lvl2pPr>
+      <a:lvl3pPr eaLnBrk="1" hangingPunct="1">
+        <a:defRPr>
+          <a:solidFill>
+            <a:schemeClr val="tx2"/>
+          </a:solidFill>
+        </a:defRPr>
+      </a:lvl3pPr>
+      <a:lvl4pPr eaLnBrk="1" hangingPunct="1">
+        <a:defRPr>
+          <a:solidFill>
+            <a:schemeClr val="tx2"/>
+          </a:solidFill>
+        </a:defRPr>
+      </a:lvl4pPr>
+      <a:lvl5pPr eaLnBrk="1" hangingPunct="1">
+        <a:defRPr>
+          <a:solidFill>
+            <a:schemeClr val="tx2"/>
+          </a:solidFill>
+        </a:defRPr>
+      </a:lvl5pPr>
+      <a:lvl6pPr eaLnBrk="1" hangingPunct="1">
+        <a:defRPr>
+          <a:solidFill>
+            <a:schemeClr val="tx2"/>
+          </a:solidFill>
+        </a:defRPr>
+      </a:lvl6pPr>
+      <a:lvl7pPr eaLnBrk="1" hangingPunct="1">
+        <a:defRPr>
+          <a:solidFill>
+            <a:schemeClr val="tx2"/>
+          </a:solidFill>
+        </a:defRPr>
+      </a:lvl7pPr>
+      <a:lvl8pPr eaLnBrk="1" hangingPunct="1">
+        <a:defRPr>
+          <a:solidFill>
+            <a:schemeClr val="tx2"/>
+          </a:solidFill>
+        </a:defRPr>
+      </a:lvl8pPr>
+      <a:lvl9pPr eaLnBrk="1" hangingPunct="1">
+        <a:defRPr>
+          <a:solidFill>
+            <a:schemeClr val="tx2"/>
+          </a:solidFill>
+        </a:defRPr>
+      </a:lvl9pPr>
     </p:titleStyle>
     <p:bodyStyle>
-      <a:lvl1pPr marL="228600" indent="-228600" algn="l" defTabSz="914400" rtl="0" eaLnBrk="1" latinLnBrk="0" hangingPunct="1">
-        <a:lnSpc>
-          <a:spcPct val="90000"/>
-        </a:lnSpc>
+      <a:lvl1pPr marL="306000" indent="-306000" algn="l" defTabSz="457200" rtl="0" eaLnBrk="1" latinLnBrk="0" hangingPunct="1">
         <a:spcBef>
-          <a:spcPts val="1000"/>
+          <a:spcPct val="20000"/>
         </a:spcBef>
-        <a:buFont typeface="Arial" panose="020B0604020202020204" pitchFamily="34" charset="0"/>
-        <a:buChar char="•"/>
-        <a:defRPr sz="2800" kern="1200">
+        <a:spcAft>
+          <a:spcPts val="600"/>
+        </a:spcAft>
+        <a:buClr>
+          <a:schemeClr val="accent2"/>
+        </a:buClr>
+        <a:buSzPct val="92000"/>
+        <a:buFont typeface="Wingdings 2" panose="05020102010507070707" pitchFamily="18" charset="2"/>
+        <a:buChar char=""/>
+        <a:defRPr sz="1800" kern="1200">
           <a:solidFill>
-            <a:schemeClr val="tx1"/>
+            <a:schemeClr val="tx2"/>
           </a:solidFill>
           <a:latin typeface="+mn-lt"/>
           <a:ea typeface="+mn-ea"/>
           <a:cs typeface="+mn-cs"/>
         </a:defRPr>
       </a:lvl1pPr>
-      <a:lvl2pPr marL="685800" indent="-228600" algn="l" defTabSz="914400" rtl="0" eaLnBrk="1" latinLnBrk="0" hangingPunct="1">
-        <a:lnSpc>
-          <a:spcPct val="90000"/>
-        </a:lnSpc>
+      <a:lvl2pPr marL="630000" indent="-306000" algn="l" defTabSz="457200" rtl="0" eaLnBrk="1" latinLnBrk="0" hangingPunct="1">
         <a:spcBef>
-          <a:spcPts val="500"/>
+          <a:spcPct val="20000"/>
         </a:spcBef>
-        <a:buFont typeface="Arial" panose="020B0604020202020204" pitchFamily="34" charset="0"/>
-        <a:buChar char="•"/>
-        <a:defRPr sz="2400" kern="1200">
+        <a:spcAft>
+          <a:spcPts val="600"/>
+        </a:spcAft>
+        <a:buClr>
+          <a:schemeClr val="accent2"/>
+        </a:buClr>
+        <a:buSzPct val="92000"/>
+        <a:buFont typeface="Wingdings 2" panose="05020102010507070707" pitchFamily="18" charset="2"/>
+        <a:buChar char=""/>
+        <a:defRPr sz="1600" kern="1200">
           <a:solidFill>
-            <a:schemeClr val="tx1"/>
+            <a:schemeClr val="tx2"/>
           </a:solidFill>
           <a:latin typeface="+mn-lt"/>
           <a:ea typeface="+mn-ea"/>
           <a:cs typeface="+mn-cs"/>
         </a:defRPr>
       </a:lvl2pPr>
-      <a:lvl3pPr marL="1143000" indent="-228600" algn="l" defTabSz="914400" rtl="0" eaLnBrk="1" latinLnBrk="0" hangingPunct="1">
-        <a:lnSpc>
-          <a:spcPct val="90000"/>
-        </a:lnSpc>
+      <a:lvl3pPr marL="900000" indent="-270000" algn="l" defTabSz="457200" rtl="0" eaLnBrk="1" latinLnBrk="0" hangingPunct="1">
         <a:spcBef>
-          <a:spcPts val="500"/>
+          <a:spcPct val="20000"/>
         </a:spcBef>
-        <a:buFont typeface="Arial" panose="020B0604020202020204" pitchFamily="34" charset="0"/>
-        <a:buChar char="•"/>
-        <a:defRPr sz="2000" kern="1200">
+        <a:spcAft>
+          <a:spcPts val="600"/>
+        </a:spcAft>
+        <a:buClr>
+          <a:schemeClr val="accent2"/>
+        </a:buClr>
+        <a:buSzPct val="92000"/>
+        <a:buFont typeface="Wingdings 2" panose="05020102010507070707" pitchFamily="18" charset="2"/>
+        <a:buChar char=""/>
+        <a:defRPr sz="1400" kern="1200">
           <a:solidFill>
-            <a:schemeClr val="tx1"/>
+            <a:schemeClr val="tx2"/>
           </a:solidFill>
           <a:latin typeface="+mn-lt"/>
           <a:ea typeface="+mn-ea"/>
           <a:cs typeface="+mn-cs"/>
         </a:defRPr>
       </a:lvl3pPr>
-      <a:lvl4pPr marL="1600200" indent="-228600" algn="l" defTabSz="914400" rtl="0" eaLnBrk="1" latinLnBrk="0" hangingPunct="1">
-        <a:lnSpc>
-          <a:spcPct val="90000"/>
-        </a:lnSpc>
+      <a:lvl4pPr marL="1242000" indent="-234000" algn="l" defTabSz="457200" rtl="0" eaLnBrk="1" latinLnBrk="0" hangingPunct="1">
         <a:spcBef>
-          <a:spcPts val="500"/>
+          <a:spcPct val="20000"/>
         </a:spcBef>
-        <a:buFont typeface="Arial" panose="020B0604020202020204" pitchFamily="34" charset="0"/>
-        <a:buChar char="•"/>
-        <a:defRPr sz="1800" kern="1200">
+        <a:spcAft>
+          <a:spcPts val="600"/>
+        </a:spcAft>
+        <a:buClr>
+          <a:schemeClr val="accent2"/>
+        </a:buClr>
+        <a:buSzPct val="92000"/>
+        <a:buFont typeface="Wingdings 2" panose="05020102010507070707" pitchFamily="18" charset="2"/>
+        <a:buChar char=""/>
+        <a:defRPr sz="1200" kern="1200">
           <a:solidFill>
-            <a:schemeClr val="tx1"/>
+            <a:schemeClr val="tx2"/>
           </a:solidFill>
           <a:latin typeface="+mn-lt"/>
           <a:ea typeface="+mn-ea"/>
           <a:cs typeface="+mn-cs"/>
         </a:defRPr>
       </a:lvl4pPr>
-      <a:lvl5pPr marL="2057400" indent="-228600" algn="l" defTabSz="914400" rtl="0" eaLnBrk="1" latinLnBrk="0" hangingPunct="1">
-        <a:lnSpc>
-          <a:spcPct val="90000"/>
-        </a:lnSpc>
+      <a:lvl5pPr marL="1602000" indent="-234000" algn="l" defTabSz="457200" rtl="0" eaLnBrk="1" latinLnBrk="0" hangingPunct="1">
         <a:spcBef>
-          <a:spcPts val="500"/>
+          <a:spcPct val="20000"/>
         </a:spcBef>
-        <a:buFont typeface="Arial" panose="020B0604020202020204" pitchFamily="34" charset="0"/>
-        <a:buChar char="•"/>
-        <a:defRPr sz="1800" kern="1200">
+        <a:spcAft>
+          <a:spcPts val="600"/>
+        </a:spcAft>
+        <a:buClr>
+          <a:schemeClr val="accent2"/>
+        </a:buClr>
+        <a:buSzPct val="92000"/>
+        <a:buFont typeface="Wingdings 2" panose="05020102010507070707" pitchFamily="18" charset="2"/>
+        <a:buChar char=""/>
+        <a:defRPr sz="1200" kern="1200">
           <a:solidFill>
-            <a:schemeClr val="tx1"/>
+            <a:schemeClr val="tx2"/>
           </a:solidFill>
           <a:latin typeface="+mn-lt"/>
           <a:ea typeface="+mn-ea"/>
           <a:cs typeface="+mn-cs"/>
         </a:defRPr>
       </a:lvl5pPr>
-      <a:lvl6pPr marL="2514600" indent="-228600" algn="l" defTabSz="914400" rtl="0" eaLnBrk="1" latinLnBrk="0" hangingPunct="1">
-        <a:lnSpc>
-          <a:spcPct val="90000"/>
-        </a:lnSpc>
+      <a:lvl6pPr marL="1900000" indent="-228600" algn="l" defTabSz="457200" rtl="0" eaLnBrk="1" latinLnBrk="0" hangingPunct="1">
         <a:spcBef>
-          <a:spcPts val="500"/>
+          <a:spcPct val="20000"/>
         </a:spcBef>
-        <a:buFont typeface="Arial" panose="020B0604020202020204" pitchFamily="34" charset="0"/>
-        <a:buChar char="•"/>
-        <a:defRPr sz="1800" kern="1200">
+        <a:spcAft>
+          <a:spcPts val="600"/>
+        </a:spcAft>
+        <a:buClr>
+          <a:schemeClr val="accent2"/>
+        </a:buClr>
+        <a:buSzPct val="92000"/>
+        <a:buFont typeface="Wingdings 2" panose="05020102010507070707" pitchFamily="18" charset="2"/>
+        <a:buChar char=""/>
+        <a:defRPr sz="1200" kern="1200">
           <a:solidFill>
-            <a:schemeClr val="tx1"/>
+            <a:schemeClr val="tx2"/>
           </a:solidFill>
           <a:latin typeface="+mn-lt"/>
           <a:ea typeface="+mn-ea"/>
           <a:cs typeface="+mn-cs"/>
         </a:defRPr>
       </a:lvl6pPr>
-      <a:lvl7pPr marL="2971800" indent="-228600" algn="l" defTabSz="914400" rtl="0" eaLnBrk="1" latinLnBrk="0" hangingPunct="1">
-        <a:lnSpc>
-          <a:spcPct val="90000"/>
-        </a:lnSpc>
+      <a:lvl7pPr marL="2200000" indent="-228600" algn="l" defTabSz="457200" rtl="0" eaLnBrk="1" latinLnBrk="0" hangingPunct="1">
         <a:spcBef>
-          <a:spcPts val="500"/>
+          <a:spcPct val="20000"/>
         </a:spcBef>
-        <a:buFont typeface="Arial" panose="020B0604020202020204" pitchFamily="34" charset="0"/>
-        <a:buChar char="•"/>
-        <a:defRPr sz="1800" kern="1200">
+        <a:spcAft>
+          <a:spcPts val="600"/>
+        </a:spcAft>
+        <a:buClr>
+          <a:schemeClr val="accent2"/>
+        </a:buClr>
+        <a:buSzPct val="92000"/>
+        <a:buFont typeface="Wingdings 2" panose="05020102010507070707" pitchFamily="18" charset="2"/>
+        <a:buChar char=""/>
+        <a:defRPr sz="1200" kern="1200">
           <a:solidFill>
-            <a:schemeClr val="tx1"/>
+            <a:schemeClr val="tx2"/>
           </a:solidFill>
           <a:latin typeface="+mn-lt"/>
           <a:ea typeface="+mn-ea"/>
           <a:cs typeface="+mn-cs"/>
         </a:defRPr>
       </a:lvl7pPr>
-      <a:lvl8pPr marL="3429000" indent="-228600" algn="l" defTabSz="914400" rtl="0" eaLnBrk="1" latinLnBrk="0" hangingPunct="1">
-        <a:lnSpc>
-          <a:spcPct val="90000"/>
-        </a:lnSpc>
+      <a:lvl8pPr marL="2500000" indent="-228600" algn="l" defTabSz="457200" rtl="0" eaLnBrk="1" latinLnBrk="0" hangingPunct="1">
         <a:spcBef>
-          <a:spcPts val="500"/>
+          <a:spcPct val="20000"/>
         </a:spcBef>
-        <a:buFont typeface="Arial" panose="020B0604020202020204" pitchFamily="34" charset="0"/>
-        <a:buChar char="•"/>
-        <a:defRPr sz="1800" kern="1200">
+        <a:spcAft>
+          <a:spcPts val="600"/>
+        </a:spcAft>
+        <a:buClr>
+          <a:schemeClr val="accent2"/>
+        </a:buClr>
+        <a:buSzPct val="92000"/>
+        <a:buFont typeface="Wingdings 2" panose="05020102010507070707" pitchFamily="18" charset="2"/>
+        <a:buChar char=""/>
+        <a:defRPr sz="1200" kern="1200">
           <a:solidFill>
-            <a:schemeClr val="tx1"/>
+            <a:schemeClr val="tx2"/>
           </a:solidFill>
           <a:latin typeface="+mn-lt"/>
           <a:ea typeface="+mn-ea"/>
           <a:cs typeface="+mn-cs"/>
         </a:defRPr>
       </a:lvl8pPr>
-      <a:lvl9pPr marL="3886200" indent="-228600" algn="l" defTabSz="914400" rtl="0" eaLnBrk="1" latinLnBrk="0" hangingPunct="1">
-        <a:lnSpc>
-          <a:spcPct val="90000"/>
-        </a:lnSpc>
+      <a:lvl9pPr marL="2800000" indent="-228600" algn="l" defTabSz="457200" rtl="0" eaLnBrk="1" latinLnBrk="0" hangingPunct="1">
         <a:spcBef>
-          <a:spcPts val="500"/>
+          <a:spcPct val="20000"/>
         </a:spcBef>
-        <a:buFont typeface="Arial" panose="020B0604020202020204" pitchFamily="34" charset="0"/>
-        <a:buChar char="•"/>
-        <a:defRPr sz="1800" kern="1200">
+        <a:spcAft>
+          <a:spcPts val="600"/>
+        </a:spcAft>
+        <a:buClr>
+          <a:schemeClr val="accent2"/>
+        </a:buClr>
+        <a:buSzPct val="92000"/>
+        <a:buFont typeface="Wingdings 2" panose="05020102010507070707" pitchFamily="18" charset="2"/>
+        <a:buChar char=""/>
+        <a:defRPr sz="1200" kern="1200">
           <a:solidFill>
-            <a:schemeClr val="tx1"/>
+            <a:schemeClr val="tx2"/>
           </a:solidFill>
           <a:latin typeface="+mn-lt"/>
           <a:ea typeface="+mn-ea"/>
@@ -3256,7 +3773,7 @@
       <a:defPPr>
         <a:defRPr lang="en-US"/>
       </a:defPPr>
-      <a:lvl1pPr marL="0" algn="l" defTabSz="914400" rtl="0" eaLnBrk="1" latinLnBrk="0" hangingPunct="1">
+      <a:lvl1pPr marL="0" algn="l" defTabSz="457200" rtl="0" eaLnBrk="1" latinLnBrk="0" hangingPunct="1">
         <a:defRPr sz="1800" kern="1200">
           <a:solidFill>
             <a:schemeClr val="tx1"/>
@@ -3266,7 +3783,7 @@
           <a:cs typeface="+mn-cs"/>
         </a:defRPr>
       </a:lvl1pPr>
-      <a:lvl2pPr marL="457200" algn="l" defTabSz="914400" rtl="0" eaLnBrk="1" latinLnBrk="0" hangingPunct="1">
+      <a:lvl2pPr marL="457200" algn="l" defTabSz="457200" rtl="0" eaLnBrk="1" latinLnBrk="0" hangingPunct="1">
         <a:defRPr sz="1800" kern="1200">
           <a:solidFill>
             <a:schemeClr val="tx1"/>
@@ -3276,7 +3793,7 @@
           <a:cs typeface="+mn-cs"/>
         </a:defRPr>
       </a:lvl2pPr>
-      <a:lvl3pPr marL="914400" algn="l" defTabSz="914400" rtl="0" eaLnBrk="1" latinLnBrk="0" hangingPunct="1">
+      <a:lvl3pPr marL="914400" algn="l" defTabSz="457200" rtl="0" eaLnBrk="1" latinLnBrk="0" hangingPunct="1">
         <a:defRPr sz="1800" kern="1200">
           <a:solidFill>
             <a:schemeClr val="tx1"/>
@@ -3286,7 +3803,7 @@
           <a:cs typeface="+mn-cs"/>
         </a:defRPr>
       </a:lvl3pPr>
-      <a:lvl4pPr marL="1371600" algn="l" defTabSz="914400" rtl="0" eaLnBrk="1" latinLnBrk="0" hangingPunct="1">
+      <a:lvl4pPr marL="1371600" algn="l" defTabSz="457200" rtl="0" eaLnBrk="1" latinLnBrk="0" hangingPunct="1">
         <a:defRPr sz="1800" kern="1200">
           <a:solidFill>
             <a:schemeClr val="tx1"/>
@@ -3296,7 +3813,7 @@
           <a:cs typeface="+mn-cs"/>
         </a:defRPr>
       </a:lvl4pPr>
-      <a:lvl5pPr marL="1828800" algn="l" defTabSz="914400" rtl="0" eaLnBrk="1" latinLnBrk="0" hangingPunct="1">
+      <a:lvl5pPr marL="1828800" algn="l" defTabSz="457200" rtl="0" eaLnBrk="1" latinLnBrk="0" hangingPunct="1">
         <a:defRPr sz="1800" kern="1200">
           <a:solidFill>
             <a:schemeClr val="tx1"/>
@@ -3306,7 +3823,7 @@
           <a:cs typeface="+mn-cs"/>
         </a:defRPr>
       </a:lvl5pPr>
-      <a:lvl6pPr marL="2286000" algn="l" defTabSz="914400" rtl="0" eaLnBrk="1" latinLnBrk="0" hangingPunct="1">
+      <a:lvl6pPr marL="2286000" algn="l" defTabSz="457200" rtl="0" eaLnBrk="1" latinLnBrk="0" hangingPunct="1">
         <a:defRPr sz="1800" kern="1200">
           <a:solidFill>
             <a:schemeClr val="tx1"/>
@@ -3316,7 +3833,7 @@
           <a:cs typeface="+mn-cs"/>
         </a:defRPr>
       </a:lvl6pPr>
-      <a:lvl7pPr marL="2743200" algn="l" defTabSz="914400" rtl="0" eaLnBrk="1" latinLnBrk="0" hangingPunct="1">
+      <a:lvl7pPr marL="2743200" algn="l" defTabSz="457200" rtl="0" eaLnBrk="1" latinLnBrk="0" hangingPunct="1">
         <a:defRPr sz="1800" kern="1200">
           <a:solidFill>
             <a:schemeClr val="tx1"/>
@@ -3326,7 +3843,7 @@
           <a:cs typeface="+mn-cs"/>
         </a:defRPr>
       </a:lvl7pPr>
-      <a:lvl8pPr marL="3200400" algn="l" defTabSz="914400" rtl="0" eaLnBrk="1" latinLnBrk="0" hangingPunct="1">
+      <a:lvl8pPr marL="3200400" algn="l" defTabSz="457200" rtl="0" eaLnBrk="1" latinLnBrk="0" hangingPunct="1">
         <a:defRPr sz="1800" kern="1200">
           <a:solidFill>
             <a:schemeClr val="tx1"/>
@@ -3336,7 +3853,7 @@
           <a:cs typeface="+mn-cs"/>
         </a:defRPr>
       </a:lvl8pPr>
-      <a:lvl9pPr marL="3657600" algn="l" defTabSz="914400" rtl="0" eaLnBrk="1" latinLnBrk="0" hangingPunct="1">
+      <a:lvl9pPr marL="3657600" algn="l" defTabSz="457200" rtl="0" eaLnBrk="1" latinLnBrk="0" hangingPunct="1">
         <a:defRPr sz="1800" kern="1200">
           <a:solidFill>
             <a:schemeClr val="tx1"/>
@@ -3387,7 +3904,7 @@
         <p:spPr/>
         <p:txBody>
           <a:bodyPr>
-            <a:normAutofit fontScale="90000"/>
+            <a:normAutofit/>
           </a:bodyPr>
           <a:lstStyle/>
           <a:p>
@@ -3421,47 +3938,257 @@
             <p:ph type="subTitle" idx="1"/>
           </p:nvPr>
         </p:nvSpPr>
-        <p:spPr/>
-        <p:txBody>
-          <a:bodyPr/>
+        <p:spPr>
+          <a:xfrm>
+            <a:off x="581194" y="3258924"/>
+            <a:ext cx="10993546" cy="590321"/>
+          </a:xfrm>
+        </p:spPr>
+        <p:txBody>
+          <a:bodyPr>
+            <a:noAutofit/>
+          </a:bodyPr>
           <a:lstStyle/>
           <a:p>
             <a:r>
-              <a:rPr lang="en-US" altLang="zh-TW" dirty="0"/>
+              <a:rPr lang="en-US" altLang="zh-TW" sz="1800" dirty="0"/>
               <a:t>Jerry Lin</a:t>
             </a:r>
           </a:p>
           <a:p>
             <a:r>
-              <a:rPr lang="en-US" dirty="0"/>
-              <a:t>Ego Shen</a:t>
-            </a:r>
-          </a:p>
-          <a:p>
-            <a:r>
-              <a:rPr lang="en-US" dirty="0" err="1"/>
+              <a:rPr lang="en-US" sz="1800" dirty="0"/>
+              <a:t>YI Shen</a:t>
+            </a:r>
+          </a:p>
+          <a:p>
+            <a:r>
+              <a:rPr lang="en-US" sz="1800" dirty="0" err="1"/>
               <a:t>Hsin</a:t>
             </a:r>
             <a:r>
-              <a:rPr lang="en-US" dirty="0"/>
+              <a:rPr lang="en-US" sz="1800" dirty="0"/>
               <a:t> </a:t>
             </a:r>
             <a:r>
-              <a:rPr lang="en-US" dirty="0" err="1"/>
+              <a:rPr lang="en-US" sz="1800" dirty="0" err="1"/>
               <a:t>Chieh</a:t>
             </a:r>
             <a:r>
-              <a:rPr lang="en-US" dirty="0"/>
+              <a:rPr lang="en-US" sz="1800" dirty="0"/>
               <a:t> Tsai</a:t>
             </a:r>
-            <a:endParaRPr lang="en-GB" dirty="0"/>
-          </a:p>
-        </p:txBody>
-      </p:sp>
+            <a:endParaRPr lang="en-GB" sz="1800" dirty="0"/>
+          </a:p>
+        </p:txBody>
+      </p:sp>
+      <p:pic>
+        <p:nvPicPr>
+          <p:cNvPr id="5" name="圖片 4">
+            <a:extLst>
+              <a:ext uri="{FF2B5EF4-FFF2-40B4-BE49-F238E27FC236}">
+                <a16:creationId xmlns:a16="http://schemas.microsoft.com/office/drawing/2014/main" id="{6CDD0081-AF26-468A-9288-86C7F2E7BC32}"/>
+              </a:ext>
+            </a:extLst>
+          </p:cNvPr>
+          <p:cNvPicPr>
+            <a:picLocks noChangeAspect="1"/>
+          </p:cNvPicPr>
+          <p:nvPr/>
+        </p:nvPicPr>
+        <p:blipFill rotWithShape="1">
+          <a:blip r:embed="rId2">
+            <a:extLst>
+              <a:ext uri="{28A0092B-C50C-407E-A947-70E740481C1C}">
+                <a14:useLocalDpi xmlns:a14="http://schemas.microsoft.com/office/drawing/2010/main" val="0"/>
+              </a:ext>
+            </a:extLst>
+          </a:blip>
+          <a:srcRect l="8306" t="2939" r="8752" b="23712"/>
+          <a:stretch/>
+        </p:blipFill>
+        <p:spPr>
+          <a:xfrm>
+            <a:off x="5939162" y="3258924"/>
+            <a:ext cx="5486400" cy="2604778"/>
+          </a:xfrm>
+          <a:prstGeom prst="rect">
+            <a:avLst/>
+          </a:prstGeom>
+        </p:spPr>
+      </p:pic>
     </p:spTree>
     <p:extLst>
       <p:ext uri="{BB962C8B-B14F-4D97-AF65-F5344CB8AC3E}">
         <p14:creationId xmlns:p14="http://schemas.microsoft.com/office/powerpoint/2010/main" val="4094161241"/>
+      </p:ext>
+    </p:extLst>
+  </p:cSld>
+  <p:clrMapOvr>
+    <a:masterClrMapping/>
+  </p:clrMapOvr>
+</p:sld>
+</file>
+
+<file path=ppt/slides/slide10.xml><?xml version="1.0" encoding="utf-8"?>
+<p:sld xmlns:a="http://schemas.openxmlformats.org/drawingml/2006/main" xmlns:r="http://schemas.openxmlformats.org/officeDocument/2006/relationships" xmlns:p="http://schemas.openxmlformats.org/presentationml/2006/main">
+  <p:cSld>
+    <p:spTree>
+      <p:nvGrpSpPr>
+        <p:cNvPr id="1" name=""/>
+        <p:cNvGrpSpPr/>
+        <p:nvPr/>
+      </p:nvGrpSpPr>
+      <p:grpSpPr>
+        <a:xfrm>
+          <a:off x="0" y="0"/>
+          <a:ext cx="0" cy="0"/>
+          <a:chOff x="0" y="0"/>
+          <a:chExt cx="0" cy="0"/>
+        </a:xfrm>
+      </p:grpSpPr>
+      <p:sp>
+        <p:nvSpPr>
+          <p:cNvPr id="2" name="標題 1">
+            <a:extLst>
+              <a:ext uri="{FF2B5EF4-FFF2-40B4-BE49-F238E27FC236}">
+                <a16:creationId xmlns:a16="http://schemas.microsoft.com/office/drawing/2014/main" id="{231445B5-B914-4E9D-9656-DE9380A1A6BB}"/>
+              </a:ext>
+            </a:extLst>
+          </p:cNvPr>
+          <p:cNvSpPr>
+            <a:spLocks noGrp="1"/>
+          </p:cNvSpPr>
+          <p:nvPr>
+            <p:ph type="title"/>
+          </p:nvPr>
+        </p:nvSpPr>
+        <p:spPr/>
+        <p:txBody>
+          <a:bodyPr/>
+          <a:lstStyle/>
+          <a:p>
+            <a:r>
+              <a:rPr lang="en-GB" dirty="0"/>
+              <a:t>Demonstration</a:t>
+            </a:r>
+          </a:p>
+        </p:txBody>
+      </p:sp>
+      <p:pic>
+        <p:nvPicPr>
+          <p:cNvPr id="5" name="內容版面配置區 4">
+            <a:extLst>
+              <a:ext uri="{FF2B5EF4-FFF2-40B4-BE49-F238E27FC236}">
+                <a16:creationId xmlns:a16="http://schemas.microsoft.com/office/drawing/2014/main" id="{2CDF4C5E-5F5A-4831-BD67-74CC0FC810BB}"/>
+              </a:ext>
+            </a:extLst>
+          </p:cNvPr>
+          <p:cNvPicPr>
+            <a:picLocks noGrp="1" noChangeAspect="1"/>
+          </p:cNvPicPr>
+          <p:nvPr>
+            <p:ph idx="1"/>
+          </p:nvPr>
+        </p:nvPicPr>
+        <p:blipFill rotWithShape="1">
+          <a:blip r:embed="rId2">
+            <a:extLst>
+              <a:ext uri="{28A0092B-C50C-407E-A947-70E740481C1C}">
+                <a14:useLocalDpi xmlns:a14="http://schemas.microsoft.com/office/drawing/2010/main" val="0"/>
+              </a:ext>
+            </a:extLst>
+          </a:blip>
+          <a:srcRect l="7674" t="6875" r="5097" b="6756"/>
+          <a:stretch/>
+        </p:blipFill>
+        <p:spPr>
+          <a:xfrm>
+            <a:off x="581192" y="1841464"/>
+            <a:ext cx="5478294" cy="4068181"/>
+          </a:xfrm>
+        </p:spPr>
+      </p:pic>
+      <p:pic>
+        <p:nvPicPr>
+          <p:cNvPr id="9" name="圖片 8">
+            <a:extLst>
+              <a:ext uri="{FF2B5EF4-FFF2-40B4-BE49-F238E27FC236}">
+                <a16:creationId xmlns:a16="http://schemas.microsoft.com/office/drawing/2014/main" id="{D9FE6277-E9C6-4ABC-959D-E280BEC550DF}"/>
+              </a:ext>
+            </a:extLst>
+          </p:cNvPr>
+          <p:cNvPicPr>
+            <a:picLocks noChangeAspect="1"/>
+          </p:cNvPicPr>
+          <p:nvPr/>
+        </p:nvPicPr>
+        <p:blipFill rotWithShape="1">
+          <a:blip r:embed="rId3">
+            <a:extLst>
+              <a:ext uri="{28A0092B-C50C-407E-A947-70E740481C1C}">
+                <a14:useLocalDpi xmlns:a14="http://schemas.microsoft.com/office/drawing/2010/main" val="0"/>
+              </a:ext>
+            </a:extLst>
+          </a:blip>
+          <a:srcRect l="6870" t="7958" r="7090" b="8179"/>
+          <a:stretch/>
+        </p:blipFill>
+        <p:spPr>
+          <a:xfrm>
+            <a:off x="6132513" y="1873188"/>
+            <a:ext cx="5478295" cy="4004734"/>
+          </a:xfrm>
+          <a:prstGeom prst="rect">
+            <a:avLst/>
+          </a:prstGeom>
+        </p:spPr>
+      </p:pic>
+      <p:sp>
+        <p:nvSpPr>
+          <p:cNvPr id="10" name="文字方塊 9">
+            <a:extLst>
+              <a:ext uri="{FF2B5EF4-FFF2-40B4-BE49-F238E27FC236}">
+                <a16:creationId xmlns:a16="http://schemas.microsoft.com/office/drawing/2014/main" id="{6D79E7D9-BDAC-45D7-AFFA-1329BC009EA8}"/>
+              </a:ext>
+            </a:extLst>
+          </p:cNvPr>
+          <p:cNvSpPr txBox="1"/>
+          <p:nvPr/>
+        </p:nvSpPr>
+        <p:spPr>
+          <a:xfrm>
+            <a:off x="683580" y="5909645"/>
+            <a:ext cx="11029616" cy="646331"/>
+          </a:xfrm>
+          <a:prstGeom prst="rect">
+            <a:avLst/>
+          </a:prstGeom>
+          <a:noFill/>
+        </p:spPr>
+        <p:txBody>
+          <a:bodyPr wrap="square" rtlCol="0">
+            <a:spAutoFit/>
+          </a:bodyPr>
+          <a:lstStyle/>
+          <a:p>
+            <a:r>
+              <a:rPr lang="en-GB" dirty="0"/>
+              <a:t>Part3: New features</a:t>
+            </a:r>
+          </a:p>
+          <a:p>
+            <a:r>
+              <a:rPr lang="en-GB" dirty="0"/>
+              <a:t>The released month of new feature is good but released hour in the afternoon need to adjusted to a later time. </a:t>
+            </a:r>
+          </a:p>
+        </p:txBody>
+      </p:sp>
+    </p:spTree>
+    <p:extLst>
+      <p:ext uri="{BB962C8B-B14F-4D97-AF65-F5344CB8AC3E}">
+        <p14:creationId xmlns:p14="http://schemas.microsoft.com/office/powerpoint/2010/main" val="3423128406"/>
       </p:ext>
     </p:extLst>
   </p:cSld>
@@ -3768,7 +4495,7 @@
         </p:blipFill>
         <p:spPr>
           <a:xfrm>
-            <a:off x="-35511" y="1825625"/>
+            <a:off x="-35511" y="1807869"/>
             <a:ext cx="12263022" cy="6858000"/>
           </a:xfrm>
           <a:prstGeom prst="rect">
@@ -3899,81 +4626,6 @@
   <p:clrMapOvr>
     <a:masterClrMapping/>
   </p:clrMapOvr>
-  <p:timing>
-    <p:tnLst>
-      <p:par>
-        <p:cTn id="1" dur="indefinite" restart="never" nodeType="tmRoot">
-          <p:childTnLst>
-            <p:seq concurrent="1" nextAc="seek">
-              <p:cTn id="2" dur="indefinite" nodeType="mainSeq">
-                <p:childTnLst>
-                  <p:par>
-                    <p:cTn id="3" fill="hold">
-                      <p:stCondLst>
-                        <p:cond delay="indefinite"/>
-                      </p:stCondLst>
-                      <p:childTnLst>
-                        <p:par>
-                          <p:cTn id="4" fill="hold">
-                            <p:stCondLst>
-                              <p:cond delay="0"/>
-                            </p:stCondLst>
-                            <p:childTnLst>
-                              <p:par>
-                                <p:cTn id="5" presetID="1" presetClass="entr" presetSubtype="0" fill="hold" nodeType="clickEffect">
-                                  <p:stCondLst>
-                                    <p:cond delay="0"/>
-                                  </p:stCondLst>
-                                  <p:childTnLst>
-                                    <p:set>
-                                      <p:cBhvr>
-                                        <p:cTn id="6" dur="1" fill="hold">
-                                          <p:stCondLst>
-                                            <p:cond delay="0"/>
-                                          </p:stCondLst>
-                                        </p:cTn>
-                                        <p:tgtEl>
-                                          <p:spTgt spid="4"/>
-                                        </p:tgtEl>
-                                        <p:attrNameLst>
-                                          <p:attrName>style.visibility</p:attrName>
-                                        </p:attrNameLst>
-                                      </p:cBhvr>
-                                      <p:to>
-                                        <p:strVal val="visible"/>
-                                      </p:to>
-                                    </p:set>
-                                  </p:childTnLst>
-                                </p:cTn>
-                              </p:par>
-                            </p:childTnLst>
-                          </p:cTn>
-                        </p:par>
-                      </p:childTnLst>
-                    </p:cTn>
-                  </p:par>
-                </p:childTnLst>
-              </p:cTn>
-              <p:prevCondLst>
-                <p:cond evt="onPrev" delay="0">
-                  <p:tgtEl>
-                    <p:sldTgt/>
-                  </p:tgtEl>
-                </p:cond>
-              </p:prevCondLst>
-              <p:nextCondLst>
-                <p:cond evt="onNext" delay="0">
-                  <p:tgtEl>
-                    <p:sldTgt/>
-                  </p:tgtEl>
-                </p:cond>
-              </p:nextCondLst>
-            </p:seq>
-          </p:childTnLst>
-        </p:cTn>
-      </p:par>
-    </p:tnLst>
-  </p:timing>
 </p:sld>
 </file>
 
@@ -4012,7 +4664,9 @@
         </p:nvSpPr>
         <p:spPr/>
         <p:txBody>
-          <a:bodyPr/>
+          <a:bodyPr>
+            <a:normAutofit/>
+          </a:bodyPr>
           <a:lstStyle/>
           <a:p>
             <a:r>
@@ -4041,7 +4695,7 @@
         <p:spPr/>
         <p:txBody>
           <a:bodyPr>
-            <a:normAutofit lnSpcReduction="10000"/>
+            <a:normAutofit/>
           </a:bodyPr>
           <a:lstStyle/>
           <a:p>
@@ -4194,10 +4848,51 @@
           <a:bodyPr/>
           <a:lstStyle/>
           <a:p>
+            <a:r>
+              <a:rPr lang="en-GB" dirty="0"/>
+              <a:t>Developer Guide</a:t>
+            </a:r>
+          </a:p>
+          <a:p>
+            <a:r>
+              <a:rPr lang="en-GB" dirty="0"/>
+              <a:t>Our main Findings</a:t>
+            </a:r>
+          </a:p>
+          <a:p>
             <a:endParaRPr lang="en-GB" dirty="0"/>
           </a:p>
         </p:txBody>
       </p:sp>
+      <p:pic>
+        <p:nvPicPr>
+          <p:cNvPr id="4" name="圖片 3">
+            <a:extLst>
+              <a:ext uri="{FF2B5EF4-FFF2-40B4-BE49-F238E27FC236}">
+                <a16:creationId xmlns:a16="http://schemas.microsoft.com/office/drawing/2014/main" id="{AAC38FE6-03D4-4484-ACA2-DE9AD3FFC312}"/>
+              </a:ext>
+            </a:extLst>
+          </p:cNvPr>
+          <p:cNvPicPr>
+            <a:picLocks noChangeAspect="1"/>
+          </p:cNvPicPr>
+          <p:nvPr/>
+        </p:nvPicPr>
+        <p:blipFill rotWithShape="1">
+          <a:blip r:embed="rId2"/>
+          <a:srcRect l="39792" t="15437" r="40811" b="36562"/>
+          <a:stretch/>
+        </p:blipFill>
+        <p:spPr>
+          <a:xfrm>
+            <a:off x="9245884" y="2566876"/>
+            <a:ext cx="2364923" cy="3291923"/>
+          </a:xfrm>
+          <a:prstGeom prst="rect">
+            <a:avLst/>
+          </a:prstGeom>
+        </p:spPr>
+      </p:pic>
     </p:spTree>
     <p:extLst>
       <p:ext uri="{BB962C8B-B14F-4D97-AF65-F5344CB8AC3E}">
@@ -4211,10 +4906,415 @@
 </p:sld>
 </file>
 
+<file path=ppt/slides/slide8.xml><?xml version="1.0" encoding="utf-8"?>
+<p:sld xmlns:a="http://schemas.openxmlformats.org/drawingml/2006/main" xmlns:r="http://schemas.openxmlformats.org/officeDocument/2006/relationships" xmlns:p="http://schemas.openxmlformats.org/presentationml/2006/main">
+  <p:cSld>
+    <p:spTree>
+      <p:nvGrpSpPr>
+        <p:cNvPr id="1" name=""/>
+        <p:cNvGrpSpPr/>
+        <p:nvPr/>
+      </p:nvGrpSpPr>
+      <p:grpSpPr>
+        <a:xfrm>
+          <a:off x="0" y="0"/>
+          <a:ext cx="0" cy="0"/>
+          <a:chOff x="0" y="0"/>
+          <a:chExt cx="0" cy="0"/>
+        </a:xfrm>
+      </p:grpSpPr>
+      <p:sp>
+        <p:nvSpPr>
+          <p:cNvPr id="2" name="標題 1">
+            <a:extLst>
+              <a:ext uri="{FF2B5EF4-FFF2-40B4-BE49-F238E27FC236}">
+                <a16:creationId xmlns:a16="http://schemas.microsoft.com/office/drawing/2014/main" id="{6989BD54-0B77-4E82-8469-95E82990E835}"/>
+              </a:ext>
+            </a:extLst>
+          </p:cNvPr>
+          <p:cNvSpPr>
+            <a:spLocks noGrp="1"/>
+          </p:cNvSpPr>
+          <p:nvPr>
+            <p:ph type="title"/>
+          </p:nvPr>
+        </p:nvSpPr>
+        <p:spPr/>
+        <p:txBody>
+          <a:bodyPr/>
+          <a:lstStyle/>
+          <a:p>
+            <a:r>
+              <a:rPr lang="en-GB" dirty="0"/>
+              <a:t>Demonstration</a:t>
+            </a:r>
+          </a:p>
+        </p:txBody>
+      </p:sp>
+      <p:sp>
+        <p:nvSpPr>
+          <p:cNvPr id="3" name="內容版面配置區 2">
+            <a:extLst>
+              <a:ext uri="{FF2B5EF4-FFF2-40B4-BE49-F238E27FC236}">
+                <a16:creationId xmlns:a16="http://schemas.microsoft.com/office/drawing/2014/main" id="{897404A2-FC6F-45E0-8710-C6B53512EDA0}"/>
+              </a:ext>
+            </a:extLst>
+          </p:cNvPr>
+          <p:cNvSpPr>
+            <a:spLocks noGrp="1"/>
+          </p:cNvSpPr>
+          <p:nvPr>
+            <p:ph idx="1"/>
+          </p:nvPr>
+        </p:nvSpPr>
+        <p:spPr>
+          <a:xfrm>
+            <a:off x="581192" y="2180497"/>
+            <a:ext cx="11029615" cy="1477104"/>
+          </a:xfrm>
+        </p:spPr>
+        <p:txBody>
+          <a:bodyPr>
+            <a:normAutofit/>
+          </a:bodyPr>
+          <a:lstStyle/>
+          <a:p>
+            <a:r>
+              <a:rPr lang="en-GB" dirty="0"/>
+              <a:t>Part1: Who is the main participants</a:t>
+            </a:r>
+          </a:p>
+          <a:p>
+            <a:pPr lvl="1"/>
+            <a:r>
+              <a:rPr lang="en-GB" dirty="0"/>
+              <a:t>There are more female participants than male.</a:t>
+            </a:r>
+          </a:p>
+          <a:p>
+            <a:pPr lvl="1"/>
+            <a:r>
+              <a:rPr lang="en-GB" dirty="0"/>
+              <a:t>Participants aged 30-34 occupies the largest number of all participants</a:t>
+            </a:r>
+          </a:p>
+          <a:p>
+            <a:pPr marL="0" indent="0">
+              <a:buNone/>
+            </a:pPr>
+            <a:endParaRPr lang="en-GB" dirty="0"/>
+          </a:p>
+        </p:txBody>
+      </p:sp>
+      <p:pic>
+        <p:nvPicPr>
+          <p:cNvPr id="4" name="圖片 3">
+            <a:extLst>
+              <a:ext uri="{FF2B5EF4-FFF2-40B4-BE49-F238E27FC236}">
+                <a16:creationId xmlns:a16="http://schemas.microsoft.com/office/drawing/2014/main" id="{F064CF7E-89F9-47EC-9DCA-3D1BD6BE7EC7}"/>
+              </a:ext>
+            </a:extLst>
+          </p:cNvPr>
+          <p:cNvPicPr>
+            <a:picLocks noChangeAspect="1"/>
+          </p:cNvPicPr>
+          <p:nvPr/>
+        </p:nvPicPr>
+        <p:blipFill>
+          <a:blip r:embed="rId2">
+            <a:extLst>
+              <a:ext uri="{28A0092B-C50C-407E-A947-70E740481C1C}">
+                <a14:useLocalDpi xmlns:a14="http://schemas.microsoft.com/office/drawing/2010/main" val="0"/>
+              </a:ext>
+            </a:extLst>
+          </a:blip>
+          <a:stretch>
+            <a:fillRect/>
+          </a:stretch>
+        </p:blipFill>
+        <p:spPr>
+          <a:xfrm>
+            <a:off x="817949" y="4318643"/>
+            <a:ext cx="2838101" cy="2011470"/>
+          </a:xfrm>
+          <a:prstGeom prst="rect">
+            <a:avLst/>
+          </a:prstGeom>
+        </p:spPr>
+      </p:pic>
+      <p:pic>
+        <p:nvPicPr>
+          <p:cNvPr id="5" name="圖片 4">
+            <a:extLst>
+              <a:ext uri="{FF2B5EF4-FFF2-40B4-BE49-F238E27FC236}">
+                <a16:creationId xmlns:a16="http://schemas.microsoft.com/office/drawing/2014/main" id="{F873916C-9B39-4DAD-8218-8986A392D044}"/>
+              </a:ext>
+            </a:extLst>
+          </p:cNvPr>
+          <p:cNvPicPr>
+            <a:picLocks noChangeAspect="1"/>
+          </p:cNvPicPr>
+          <p:nvPr/>
+        </p:nvPicPr>
+        <p:blipFill>
+          <a:blip r:embed="rId3">
+            <a:extLst>
+              <a:ext uri="{28A0092B-C50C-407E-A947-70E740481C1C}">
+                <a14:useLocalDpi xmlns:a14="http://schemas.microsoft.com/office/drawing/2010/main" val="0"/>
+              </a:ext>
+            </a:extLst>
+          </a:blip>
+          <a:stretch>
+            <a:fillRect/>
+          </a:stretch>
+        </p:blipFill>
+        <p:spPr>
+          <a:xfrm>
+            <a:off x="1662533" y="3429000"/>
+            <a:ext cx="1017318" cy="894421"/>
+          </a:xfrm>
+          <a:prstGeom prst="rect">
+            <a:avLst/>
+          </a:prstGeom>
+        </p:spPr>
+      </p:pic>
+      <p:pic>
+        <p:nvPicPr>
+          <p:cNvPr id="6" name="圖片 5">
+            <a:extLst>
+              <a:ext uri="{FF2B5EF4-FFF2-40B4-BE49-F238E27FC236}">
+                <a16:creationId xmlns:a16="http://schemas.microsoft.com/office/drawing/2014/main" id="{C8EF0A47-CBB4-4BF3-9A17-AA050A03F7D5}"/>
+              </a:ext>
+            </a:extLst>
+          </p:cNvPr>
+          <p:cNvPicPr>
+            <a:picLocks noChangeAspect="1"/>
+          </p:cNvPicPr>
+          <p:nvPr/>
+        </p:nvPicPr>
+        <p:blipFill rotWithShape="1">
+          <a:blip r:embed="rId4">
+            <a:extLst>
+              <a:ext uri="{28A0092B-C50C-407E-A947-70E740481C1C}">
+                <a14:useLocalDpi xmlns:a14="http://schemas.microsoft.com/office/drawing/2010/main" val="0"/>
+              </a:ext>
+            </a:extLst>
+          </a:blip>
+          <a:srcRect l="8493" t="7535" r="7811"/>
+          <a:stretch/>
+        </p:blipFill>
+        <p:spPr>
+          <a:xfrm>
+            <a:off x="3524435" y="3526295"/>
+            <a:ext cx="8300621" cy="3056763"/>
+          </a:xfrm>
+          <a:prstGeom prst="rect">
+            <a:avLst/>
+          </a:prstGeom>
+        </p:spPr>
+      </p:pic>
+    </p:spTree>
+    <p:extLst>
+      <p:ext uri="{BB962C8B-B14F-4D97-AF65-F5344CB8AC3E}">
+        <p14:creationId xmlns:p14="http://schemas.microsoft.com/office/powerpoint/2010/main" val="637704487"/>
+      </p:ext>
+    </p:extLst>
+  </p:cSld>
+  <p:clrMapOvr>
+    <a:masterClrMapping/>
+  </p:clrMapOvr>
+</p:sld>
+</file>
+
+<file path=ppt/slides/slide9.xml><?xml version="1.0" encoding="utf-8"?>
+<p:sld xmlns:a="http://schemas.openxmlformats.org/drawingml/2006/main" xmlns:r="http://schemas.openxmlformats.org/officeDocument/2006/relationships" xmlns:p="http://schemas.openxmlformats.org/presentationml/2006/main">
+  <p:cSld>
+    <p:spTree>
+      <p:nvGrpSpPr>
+        <p:cNvPr id="1" name=""/>
+        <p:cNvGrpSpPr/>
+        <p:nvPr/>
+      </p:nvGrpSpPr>
+      <p:grpSpPr>
+        <a:xfrm>
+          <a:off x="0" y="0"/>
+          <a:ext cx="0" cy="0"/>
+          <a:chOff x="0" y="0"/>
+          <a:chExt cx="0" cy="0"/>
+        </a:xfrm>
+      </p:grpSpPr>
+      <p:sp>
+        <p:nvSpPr>
+          <p:cNvPr id="2" name="標題 1">
+            <a:extLst>
+              <a:ext uri="{FF2B5EF4-FFF2-40B4-BE49-F238E27FC236}">
+                <a16:creationId xmlns:a16="http://schemas.microsoft.com/office/drawing/2014/main" id="{6989BD54-0B77-4E82-8469-95E82990E835}"/>
+              </a:ext>
+            </a:extLst>
+          </p:cNvPr>
+          <p:cNvSpPr>
+            <a:spLocks noGrp="1"/>
+          </p:cNvSpPr>
+          <p:nvPr>
+            <p:ph type="title"/>
+          </p:nvPr>
+        </p:nvSpPr>
+        <p:spPr/>
+        <p:txBody>
+          <a:bodyPr/>
+          <a:lstStyle/>
+          <a:p>
+            <a:r>
+              <a:rPr lang="en-GB" dirty="0"/>
+              <a:t>Demonstration</a:t>
+            </a:r>
+          </a:p>
+        </p:txBody>
+      </p:sp>
+      <p:sp>
+        <p:nvSpPr>
+          <p:cNvPr id="3" name="內容版面配置區 2">
+            <a:extLst>
+              <a:ext uri="{FF2B5EF4-FFF2-40B4-BE49-F238E27FC236}">
+                <a16:creationId xmlns:a16="http://schemas.microsoft.com/office/drawing/2014/main" id="{897404A2-FC6F-45E0-8710-C6B53512EDA0}"/>
+              </a:ext>
+            </a:extLst>
+          </p:cNvPr>
+          <p:cNvSpPr>
+            <a:spLocks noGrp="1"/>
+          </p:cNvSpPr>
+          <p:nvPr>
+            <p:ph idx="1"/>
+          </p:nvPr>
+        </p:nvSpPr>
+        <p:spPr>
+          <a:xfrm>
+            <a:off x="581192" y="2180497"/>
+            <a:ext cx="11029615" cy="1477104"/>
+          </a:xfrm>
+        </p:spPr>
+        <p:txBody>
+          <a:bodyPr>
+            <a:normAutofit fontScale="92500" lnSpcReduction="20000"/>
+          </a:bodyPr>
+          <a:lstStyle/>
+          <a:p>
+            <a:r>
+              <a:rPr lang="en-GB" dirty="0"/>
+              <a:t>Part2: The details of login</a:t>
+            </a:r>
+          </a:p>
+          <a:p>
+            <a:pPr lvl="1"/>
+            <a:r>
+              <a:rPr lang="en-GB" dirty="0"/>
+              <a:t>Most participant log in duration is below 500 second (8 minute 20 second) and there are only very few people logged in over 2000 second (33 minute 20 second).</a:t>
+            </a:r>
+          </a:p>
+          <a:p>
+            <a:pPr lvl="1"/>
+            <a:r>
+              <a:rPr lang="en-GB" dirty="0"/>
+              <a:t>The user largest logged in times 265, the average log in time is around 24, and the smallest log in time is 1.</a:t>
+            </a:r>
+          </a:p>
+          <a:p>
+            <a:pPr lvl="1"/>
+            <a:r>
+              <a:rPr lang="en-GB" dirty="0"/>
+              <a:t>Participants tend to login to system after summer.</a:t>
+            </a:r>
+          </a:p>
+        </p:txBody>
+      </p:sp>
+      <p:pic>
+        <p:nvPicPr>
+          <p:cNvPr id="8" name="圖片 7">
+            <a:extLst>
+              <a:ext uri="{FF2B5EF4-FFF2-40B4-BE49-F238E27FC236}">
+                <a16:creationId xmlns:a16="http://schemas.microsoft.com/office/drawing/2014/main" id="{BA4C5367-9D5A-4610-B138-5946C11A47EE}"/>
+              </a:ext>
+            </a:extLst>
+          </p:cNvPr>
+          <p:cNvPicPr>
+            <a:picLocks noChangeAspect="1"/>
+          </p:cNvPicPr>
+          <p:nvPr/>
+        </p:nvPicPr>
+        <p:blipFill>
+          <a:blip r:embed="rId2">
+            <a:extLst>
+              <a:ext uri="{28A0092B-C50C-407E-A947-70E740481C1C}">
+                <a14:useLocalDpi xmlns:a14="http://schemas.microsoft.com/office/drawing/2010/main" val="0"/>
+              </a:ext>
+            </a:extLst>
+          </a:blip>
+          <a:stretch>
+            <a:fillRect/>
+          </a:stretch>
+        </p:blipFill>
+        <p:spPr>
+          <a:xfrm>
+            <a:off x="462430" y="3657602"/>
+            <a:ext cx="5788846" cy="2844585"/>
+          </a:xfrm>
+          <a:prstGeom prst="rect">
+            <a:avLst/>
+          </a:prstGeom>
+        </p:spPr>
+      </p:pic>
+      <p:pic>
+        <p:nvPicPr>
+          <p:cNvPr id="10" name="圖片 9">
+            <a:extLst>
+              <a:ext uri="{FF2B5EF4-FFF2-40B4-BE49-F238E27FC236}">
+                <a16:creationId xmlns:a16="http://schemas.microsoft.com/office/drawing/2014/main" id="{835A0584-1F1B-47C4-8D84-C9A9DE80ED3B}"/>
+              </a:ext>
+            </a:extLst>
+          </p:cNvPr>
+          <p:cNvPicPr>
+            <a:picLocks noChangeAspect="1"/>
+          </p:cNvPicPr>
+          <p:nvPr/>
+        </p:nvPicPr>
+        <p:blipFill rotWithShape="1">
+          <a:blip r:embed="rId3">
+            <a:extLst>
+              <a:ext uri="{28A0092B-C50C-407E-A947-70E740481C1C}">
+                <a14:useLocalDpi xmlns:a14="http://schemas.microsoft.com/office/drawing/2010/main" val="0"/>
+              </a:ext>
+            </a:extLst>
+          </a:blip>
+          <a:srcRect t="10889" r="6285"/>
+          <a:stretch/>
+        </p:blipFill>
+        <p:spPr>
+          <a:xfrm>
+            <a:off x="6777227" y="3454538"/>
+            <a:ext cx="4833580" cy="3064064"/>
+          </a:xfrm>
+          <a:prstGeom prst="rect">
+            <a:avLst/>
+          </a:prstGeom>
+        </p:spPr>
+      </p:pic>
+    </p:spTree>
+    <p:extLst>
+      <p:ext uri="{BB962C8B-B14F-4D97-AF65-F5344CB8AC3E}">
+        <p14:creationId xmlns:p14="http://schemas.microsoft.com/office/powerpoint/2010/main" val="799989948"/>
+      </p:ext>
+    </p:extLst>
+  </p:cSld>
+  <p:clrMapOvr>
+    <a:masterClrMapping/>
+  </p:clrMapOvr>
+</p:sld>
+</file>
+
 <file path=ppt/theme/theme1.xml><?xml version="1.0" encoding="utf-8"?>
-<a:theme xmlns:a="http://schemas.openxmlformats.org/drawingml/2006/main" name="Office 佈景主題">
+<a:theme xmlns:a="http://schemas.openxmlformats.org/drawingml/2006/main" name="紅利">
   <a:themeElements>
-    <a:clrScheme name="Office">
+    <a:clrScheme name="紅利">
       <a:dk1>
         <a:sysClr val="windowText" lastClr="000000"/>
       </a:dk1>
@@ -4222,98 +5322,48 @@
         <a:sysClr val="window" lastClr="FFFFFF"/>
       </a:lt1>
       <a:dk2>
-        <a:srgbClr val="44546A"/>
+        <a:srgbClr val="3D3D3D"/>
       </a:dk2>
       <a:lt2>
-        <a:srgbClr val="E7E6E6"/>
+        <a:srgbClr val="EBEBEB"/>
       </a:lt2>
       <a:accent1>
-        <a:srgbClr val="4472C4"/>
+        <a:srgbClr val="366658"/>
       </a:accent1>
       <a:accent2>
-        <a:srgbClr val="ED7D31"/>
+        <a:srgbClr val="8CB64A"/>
       </a:accent2>
       <a:accent3>
-        <a:srgbClr val="A5A5A5"/>
+        <a:srgbClr val="88D5A9"/>
       </a:accent3>
       <a:accent4>
-        <a:srgbClr val="FFC000"/>
+        <a:srgbClr val="969FA7"/>
       </a:accent4>
       <a:accent5>
-        <a:srgbClr val="5B9BD5"/>
+        <a:srgbClr val="E8A844"/>
       </a:accent5>
       <a:accent6>
-        <a:srgbClr val="70AD47"/>
+        <a:srgbClr val="A1561F"/>
       </a:accent6>
       <a:hlink>
-        <a:srgbClr val="0563C1"/>
+        <a:srgbClr val="828282"/>
       </a:hlink>
       <a:folHlink>
-        <a:srgbClr val="954F72"/>
+        <a:srgbClr val="A5A5A5"/>
       </a:folHlink>
     </a:clrScheme>
-    <a:fontScheme name="Office">
+    <a:fontScheme name="紅利">
       <a:majorFont>
-        <a:latin typeface="Calibri Light" panose="020F0302020204030204"/>
+        <a:latin typeface="Gill Sans MT" panose="020B0502020104020203"/>
         <a:ea typeface=""/>
         <a:cs typeface=""/>
-        <a:font script="Jpan" typeface="游ゴシック Light"/>
-        <a:font script="Hang" typeface="맑은 고딕"/>
-        <a:font script="Hans" typeface="等线 Light"/>
-        <a:font script="Hant" typeface="新細明體"/>
-        <a:font script="Arab" typeface="Times New Roman"/>
-        <a:font script="Hebr" typeface="Times New Roman"/>
-        <a:font script="Thai" typeface="Angsana New"/>
-        <a:font script="Ethi" typeface="Nyala"/>
-        <a:font script="Beng" typeface="Vrinda"/>
-        <a:font script="Gujr" typeface="Shruti"/>
-        <a:font script="Khmr" typeface="MoolBoran"/>
-        <a:font script="Knda" typeface="Tunga"/>
-        <a:font script="Guru" typeface="Raavi"/>
-        <a:font script="Cans" typeface="Euphemia"/>
-        <a:font script="Cher" typeface="Plantagenet Cherokee"/>
-        <a:font script="Yiii" typeface="Microsoft Yi Baiti"/>
-        <a:font script="Tibt" typeface="Microsoft Himalaya"/>
-        <a:font script="Thaa" typeface="MV Boli"/>
-        <a:font script="Deva" typeface="Mangal"/>
-        <a:font script="Telu" typeface="Gautami"/>
-        <a:font script="Taml" typeface="Latha"/>
-        <a:font script="Syrc" typeface="Estrangelo Edessa"/>
-        <a:font script="Orya" typeface="Kalinga"/>
-        <a:font script="Mlym" typeface="Kartika"/>
-        <a:font script="Laoo" typeface="DokChampa"/>
-        <a:font script="Sinh" typeface="Iskoola Pota"/>
-        <a:font script="Mong" typeface="Mongolian Baiti"/>
-        <a:font script="Viet" typeface="Times New Roman"/>
-        <a:font script="Uigh" typeface="Microsoft Uighur"/>
-        <a:font script="Geor" typeface="Sylfaen"/>
-        <a:font script="Armn" typeface="Arial"/>
-        <a:font script="Bugi" typeface="Leelawadee UI"/>
-        <a:font script="Bopo" typeface="Microsoft JhengHei"/>
-        <a:font script="Java" typeface="Javanese Text"/>
-        <a:font script="Lisu" typeface="Segoe UI"/>
-        <a:font script="Mymr" typeface="Myanmar Text"/>
-        <a:font script="Nkoo" typeface="Ebrima"/>
-        <a:font script="Olck" typeface="Nirmala UI"/>
-        <a:font script="Osma" typeface="Ebrima"/>
-        <a:font script="Phag" typeface="Phagspa"/>
-        <a:font script="Syrn" typeface="Estrangelo Edessa"/>
-        <a:font script="Syrj" typeface="Estrangelo Edessa"/>
-        <a:font script="Syre" typeface="Estrangelo Edessa"/>
-        <a:font script="Sora" typeface="Nirmala UI"/>
-        <a:font script="Tale" typeface="Microsoft Tai Le"/>
-        <a:font script="Talu" typeface="Microsoft New Tai Lue"/>
-        <a:font script="Tfng" typeface="Ebrima"/>
-      </a:majorFont>
-      <a:minorFont>
-        <a:latin typeface="Calibri" panose="020F0502020204030204"/>
-        <a:ea typeface=""/>
-        <a:cs typeface=""/>
-        <a:font script="Jpan" typeface="游ゴシック"/>
-        <a:font script="Hang" typeface="맑은 고딕"/>
-        <a:font script="Hans" typeface="等线"/>
-        <a:font script="Hant" typeface="新細明體"/>
-        <a:font script="Arab" typeface="Arial"/>
+        <a:font script="Grek" typeface="Corbel"/>
+        <a:font script="Cyrl" typeface="Corbel"/>
+        <a:font script="Jpan" typeface="HGｺﾞｼｯｸE"/>
+        <a:font script="Hang" typeface="휴먼매직체"/>
+        <a:font script="Hans" typeface="华文中宋"/>
+        <a:font script="Hant" typeface="微軟正黑體"/>
+        <a:font script="Arab" typeface="Majalla UI"/>
         <a:font script="Hebr" typeface="Arial"/>
         <a:font script="Thai" typeface="Cordia New"/>
         <a:font script="Ethi" typeface="Nyala"/>
@@ -4336,29 +5386,49 @@
         <a:font script="Laoo" typeface="DokChampa"/>
         <a:font script="Sinh" typeface="Iskoola Pota"/>
         <a:font script="Mong" typeface="Mongolian Baiti"/>
-        <a:font script="Viet" typeface="Arial"/>
+        <a:font script="Viet" typeface="Tahoma"/>
         <a:font script="Uigh" typeface="Microsoft Uighur"/>
         <a:font script="Geor" typeface="Sylfaen"/>
-        <a:font script="Armn" typeface="Arial"/>
-        <a:font script="Bugi" typeface="Leelawadee UI"/>
-        <a:font script="Bopo" typeface="Microsoft JhengHei"/>
-        <a:font script="Java" typeface="Javanese Text"/>
-        <a:font script="Lisu" typeface="Segoe UI"/>
-        <a:font script="Mymr" typeface="Myanmar Text"/>
-        <a:font script="Nkoo" typeface="Ebrima"/>
-        <a:font script="Olck" typeface="Nirmala UI"/>
-        <a:font script="Osma" typeface="Ebrima"/>
-        <a:font script="Phag" typeface="Phagspa"/>
-        <a:font script="Syrn" typeface="Estrangelo Edessa"/>
-        <a:font script="Syrj" typeface="Estrangelo Edessa"/>
-        <a:font script="Syre" typeface="Estrangelo Edessa"/>
-        <a:font script="Sora" typeface="Nirmala UI"/>
-        <a:font script="Tale" typeface="Microsoft Tai Le"/>
-        <a:font script="Talu" typeface="Microsoft New Tai Lue"/>
-        <a:font script="Tfng" typeface="Ebrima"/>
+      </a:majorFont>
+      <a:minorFont>
+        <a:latin typeface="Gill Sans MT" panose="020B0502020104020203"/>
+        <a:ea typeface=""/>
+        <a:cs typeface=""/>
+        <a:font script="Grek" typeface="Corbel"/>
+        <a:font script="Cyrl" typeface="Corbel"/>
+        <a:font script="Jpan" typeface="HGｺﾞｼｯｸE"/>
+        <a:font script="Hang" typeface="휴먼매직체"/>
+        <a:font script="Hans" typeface="华文中宋"/>
+        <a:font script="Hant" typeface="微軟正黑體"/>
+        <a:font script="Arab" typeface="Majalla UI"/>
+        <a:font script="Hebr" typeface="Arial"/>
+        <a:font script="Thai" typeface="Cordia New"/>
+        <a:font script="Ethi" typeface="Nyala"/>
+        <a:font script="Beng" typeface="Vrinda"/>
+        <a:font script="Gujr" typeface="Shruti"/>
+        <a:font script="Khmr" typeface="DaunPenh"/>
+        <a:font script="Knda" typeface="Tunga"/>
+        <a:font script="Guru" typeface="Raavi"/>
+        <a:font script="Cans" typeface="Euphemia"/>
+        <a:font script="Cher" typeface="Plantagenet Cherokee"/>
+        <a:font script="Yiii" typeface="Microsoft Yi Baiti"/>
+        <a:font script="Tibt" typeface="Microsoft Himalaya"/>
+        <a:font script="Thaa" typeface="MV Boli"/>
+        <a:font script="Deva" typeface="Mangal"/>
+        <a:font script="Telu" typeface="Gautami"/>
+        <a:font script="Taml" typeface="Latha"/>
+        <a:font script="Syrc" typeface="Estrangelo Edessa"/>
+        <a:font script="Orya" typeface="Kalinga"/>
+        <a:font script="Mlym" typeface="Kartika"/>
+        <a:font script="Laoo" typeface="DokChampa"/>
+        <a:font script="Sinh" typeface="Iskoola Pota"/>
+        <a:font script="Mong" typeface="Mongolian Baiti"/>
+        <a:font script="Viet" typeface="Tahoma"/>
+        <a:font script="Uigh" typeface="Microsoft Uighur"/>
+        <a:font script="Geor" typeface="Sylfaen"/>
       </a:minorFont>
     </a:fontScheme>
-    <a:fmtScheme name="Office">
+    <a:fmtScheme name="紅利">
       <a:fillStyleLst>
         <a:solidFill>
           <a:schemeClr val="phClr"/>
@@ -4367,23 +5437,111 @@
           <a:gsLst>
             <a:gs pos="0">
               <a:schemeClr val="phClr">
-                <a:lumMod val="110000"/>
-                <a:satMod val="105000"/>
-                <a:tint val="67000"/>
-              </a:schemeClr>
-            </a:gs>
-            <a:gs pos="50000">
-              <a:schemeClr val="phClr">
-                <a:lumMod val="105000"/>
-                <a:satMod val="103000"/>
-                <a:tint val="73000"/>
+                <a:tint val="68000"/>
+                <a:alpha val="90000"/>
+                <a:lumMod val="100000"/>
               </a:schemeClr>
             </a:gs>
             <a:gs pos="100000">
               <a:schemeClr val="phClr">
-                <a:lumMod val="105000"/>
-                <a:satMod val="109000"/>
-                <a:tint val="81000"/>
+                <a:tint val="90000"/>
+                <a:lumMod val="95000"/>
+              </a:schemeClr>
+            </a:gs>
+          </a:gsLst>
+          <a:lin ang="5400000" scaled="1"/>
+        </a:gradFill>
+        <a:gradFill rotWithShape="1">
+          <a:gsLst>
+            <a:gs pos="0">
+              <a:schemeClr val="phClr">
+                <a:tint val="98000"/>
+                <a:lumMod val="110000"/>
+              </a:schemeClr>
+            </a:gs>
+            <a:gs pos="84000">
+              <a:schemeClr val="phClr">
+                <a:shade val="90000"/>
+                <a:lumMod val="88000"/>
+              </a:schemeClr>
+            </a:gs>
+          </a:gsLst>
+          <a:lin ang="5400000" scaled="0"/>
+        </a:gradFill>
+      </a:fillStyleLst>
+      <a:lnStyleLst>
+        <a:ln w="12700" cap="rnd" cmpd="sng" algn="ctr">
+          <a:solidFill>
+            <a:schemeClr val="phClr">
+              <a:lumMod val="90000"/>
+            </a:schemeClr>
+          </a:solidFill>
+          <a:prstDash val="solid"/>
+        </a:ln>
+        <a:ln w="22225" cap="rnd" cmpd="sng" algn="ctr">
+          <a:solidFill>
+            <a:schemeClr val="phClr"/>
+          </a:solidFill>
+          <a:prstDash val="solid"/>
+        </a:ln>
+        <a:ln w="25400" cap="rnd" cmpd="sng" algn="ctr">
+          <a:solidFill>
+            <a:schemeClr val="phClr"/>
+          </a:solidFill>
+          <a:prstDash val="solid"/>
+        </a:ln>
+      </a:lnStyleLst>
+      <a:effectStyleLst>
+        <a:effectStyle>
+          <a:effectLst/>
+        </a:effectStyle>
+        <a:effectStyle>
+          <a:effectLst>
+            <a:outerShdw blurRad="38100" dist="25400" dir="5400000" rotWithShape="0">
+              <a:srgbClr val="000000">
+                <a:alpha val="55000"/>
+              </a:srgbClr>
+            </a:outerShdw>
+          </a:effectLst>
+        </a:effectStyle>
+        <a:effectStyle>
+          <a:effectLst>
+            <a:outerShdw blurRad="88900" dist="38100" dir="5040000" rotWithShape="0">
+              <a:srgbClr val="000000">
+                <a:alpha val="60000"/>
+              </a:srgbClr>
+            </a:outerShdw>
+          </a:effectLst>
+          <a:scene3d>
+            <a:camera prst="orthographicFront">
+              <a:rot lat="0" lon="0" rev="0"/>
+            </a:camera>
+            <a:lightRig rig="threePt" dir="tl">
+              <a:rot lat="0" lon="0" rev="1200000"/>
+            </a:lightRig>
+          </a:scene3d>
+          <a:sp3d>
+            <a:bevelT w="38100" h="50800"/>
+          </a:sp3d>
+        </a:effectStyle>
+      </a:effectStyleLst>
+      <a:bgFillStyleLst>
+        <a:solidFill>
+          <a:schemeClr val="phClr"/>
+        </a:solidFill>
+        <a:gradFill rotWithShape="1">
+          <a:gsLst>
+            <a:gs pos="0">
+              <a:schemeClr val="phClr">
+                <a:tint val="90000"/>
+                <a:lumMod val="110000"/>
+              </a:schemeClr>
+            </a:gs>
+            <a:gs pos="88000">
+              <a:schemeClr val="phClr">
+                <a:shade val="94000"/>
+                <a:satMod val="110000"/>
+                <a:lumMod val="88000"/>
               </a:schemeClr>
             </a:gs>
           </a:gsLst>
@@ -4393,105 +5551,21 @@
           <a:gsLst>
             <a:gs pos="0">
               <a:schemeClr val="phClr">
-                <a:satMod val="103000"/>
-                <a:lumMod val="102000"/>
-                <a:tint val="94000"/>
-              </a:schemeClr>
-            </a:gs>
-            <a:gs pos="50000">
-              <a:schemeClr val="phClr">
-                <a:satMod val="110000"/>
-                <a:lumMod val="100000"/>
-                <a:shade val="100000"/>
+                <a:tint val="90000"/>
+                <a:lumMod val="110000"/>
               </a:schemeClr>
             </a:gs>
             <a:gs pos="100000">
               <a:schemeClr val="phClr">
-                <a:lumMod val="99000"/>
-                <a:satMod val="120000"/>
-                <a:shade val="78000"/>
+                <a:shade val="98000"/>
+                <a:satMod val="110000"/>
+                <a:lumMod val="86000"/>
               </a:schemeClr>
             </a:gs>
           </a:gsLst>
-          <a:lin ang="5400000" scaled="0"/>
-        </a:gradFill>
-      </a:fillStyleLst>
-      <a:lnStyleLst>
-        <a:ln w="6350" cap="flat" cmpd="sng" algn="ctr">
-          <a:solidFill>
-            <a:schemeClr val="phClr"/>
-          </a:solidFill>
-          <a:prstDash val="solid"/>
-          <a:miter lim="800000"/>
-        </a:ln>
-        <a:ln w="12700" cap="flat" cmpd="sng" algn="ctr">
-          <a:solidFill>
-            <a:schemeClr val="phClr"/>
-          </a:solidFill>
-          <a:prstDash val="solid"/>
-          <a:miter lim="800000"/>
-        </a:ln>
-        <a:ln w="19050" cap="flat" cmpd="sng" algn="ctr">
-          <a:solidFill>
-            <a:schemeClr val="phClr"/>
-          </a:solidFill>
-          <a:prstDash val="solid"/>
-          <a:miter lim="800000"/>
-        </a:ln>
-      </a:lnStyleLst>
-      <a:effectStyleLst>
-        <a:effectStyle>
-          <a:effectLst/>
-        </a:effectStyle>
-        <a:effectStyle>
-          <a:effectLst/>
-        </a:effectStyle>
-        <a:effectStyle>
-          <a:effectLst>
-            <a:outerShdw blurRad="57150" dist="19050" dir="5400000" algn="ctr" rotWithShape="0">
-              <a:srgbClr val="000000">
-                <a:alpha val="63000"/>
-              </a:srgbClr>
-            </a:outerShdw>
-          </a:effectLst>
-        </a:effectStyle>
-      </a:effectStyleLst>
-      <a:bgFillStyleLst>
-        <a:solidFill>
-          <a:schemeClr val="phClr"/>
-        </a:solidFill>
-        <a:solidFill>
-          <a:schemeClr val="phClr">
-            <a:tint val="95000"/>
-            <a:satMod val="170000"/>
-          </a:schemeClr>
-        </a:solidFill>
-        <a:gradFill rotWithShape="1">
-          <a:gsLst>
-            <a:gs pos="0">
-              <a:schemeClr val="phClr">
-                <a:tint val="93000"/>
-                <a:satMod val="150000"/>
-                <a:shade val="98000"/>
-                <a:lumMod val="102000"/>
-              </a:schemeClr>
-            </a:gs>
-            <a:gs pos="50000">
-              <a:schemeClr val="phClr">
-                <a:tint val="98000"/>
-                <a:satMod val="130000"/>
-                <a:shade val="90000"/>
-                <a:lumMod val="103000"/>
-              </a:schemeClr>
-            </a:gs>
-            <a:gs pos="100000">
-              <a:schemeClr val="phClr">
-                <a:shade val="63000"/>
-                <a:satMod val="120000"/>
-              </a:schemeClr>
-            </a:gs>
-          </a:gsLst>
-          <a:lin ang="5400000" scaled="0"/>
+          <a:path path="circle">
+            <a:fillToRect l="50000" t="50000" r="100000" b="100000"/>
+          </a:path>
         </a:gradFill>
       </a:bgFillStyleLst>
     </a:fmtScheme>
@@ -4500,7 +5574,7 @@
   <a:extraClrSchemeLst/>
   <a:extLst>
     <a:ext uri="{05A4C25C-085E-4340-85A3-A5531E510DB2}">
-      <thm15:themeFamily xmlns:thm15="http://schemas.microsoft.com/office/thememl/2012/main" name="Office Theme" id="{62F939B6-93AF-4DB8-9C6B-D6C7DFDC589F}" vid="{4A3C46E8-61CC-4603-A589-7422A47A8E4A}"/>
+      <thm15:themeFamily xmlns:thm15="http://schemas.microsoft.com/office/thememl/2012/main" name="Dividend" id="{9697A71B-4AB7-4A1A-BD5B-BB2D22835B57}" vid="{4BEC0EAF-CF86-4D49-B83B-56CC62D3CFF1}"/>
     </a:ext>
   </a:extLst>
 </a:theme>

--- a/Data Science for Design.pptx
+++ b/Data Science for Design.pptx
@@ -381,7 +381,7 @@
           <a:p>
             <a:fld id="{3C9028CF-F6FB-415A-88F7-79616E04837E}" type="datetimeFigureOut">
               <a:rPr lang="en-GB" smtClean="0"/>
-              <a:t>2017-11-29</a:t>
+              <a:t>30/11/2017</a:t>
             </a:fld>
             <a:endParaRPr lang="en-GB"/>
           </a:p>
@@ -643,7 +643,7 @@
           <a:p>
             <a:fld id="{3C9028CF-F6FB-415A-88F7-79616E04837E}" type="datetimeFigureOut">
               <a:rPr lang="en-GB" smtClean="0"/>
-              <a:t>2017-11-29</a:t>
+              <a:t>30/11/2017</a:t>
             </a:fld>
             <a:endParaRPr lang="en-GB"/>
           </a:p>
@@ -878,7 +878,7 @@
           <a:p>
             <a:fld id="{3C9028CF-F6FB-415A-88F7-79616E04837E}" type="datetimeFigureOut">
               <a:rPr lang="en-GB" smtClean="0"/>
-              <a:t>2017-11-29</a:t>
+              <a:t>30/11/2017</a:t>
             </a:fld>
             <a:endParaRPr lang="en-GB"/>
           </a:p>
@@ -1118,7 +1118,7 @@
           <a:p>
             <a:fld id="{3C9028CF-F6FB-415A-88F7-79616E04837E}" type="datetimeFigureOut">
               <a:rPr lang="en-GB" smtClean="0"/>
-              <a:t>2017-11-29</a:t>
+              <a:t>30/11/2017</a:t>
             </a:fld>
             <a:endParaRPr lang="en-GB"/>
           </a:p>
@@ -1425,7 +1425,7 @@
           <a:p>
             <a:fld id="{3C9028CF-F6FB-415A-88F7-79616E04837E}" type="datetimeFigureOut">
               <a:rPr lang="en-GB" smtClean="0"/>
-              <a:t>2017-11-29</a:t>
+              <a:t>30/11/2017</a:t>
             </a:fld>
             <a:endParaRPr lang="en-GB"/>
           </a:p>
@@ -1727,7 +1727,7 @@
           <a:p>
             <a:fld id="{3C9028CF-F6FB-415A-88F7-79616E04837E}" type="datetimeFigureOut">
               <a:rPr lang="en-GB" smtClean="0"/>
-              <a:t>2017-11-29</a:t>
+              <a:t>30/11/2017</a:t>
             </a:fld>
             <a:endParaRPr lang="en-GB"/>
           </a:p>
@@ -2149,7 +2149,7 @@
           <a:p>
             <a:fld id="{3C9028CF-F6FB-415A-88F7-79616E04837E}" type="datetimeFigureOut">
               <a:rPr lang="en-GB" smtClean="0"/>
-              <a:t>2017-11-29</a:t>
+              <a:t>30/11/2017</a:t>
             </a:fld>
             <a:endParaRPr lang="en-GB"/>
           </a:p>
@@ -2311,7 +2311,7 @@
           <a:p>
             <a:fld id="{3C9028CF-F6FB-415A-88F7-79616E04837E}" type="datetimeFigureOut">
               <a:rPr lang="en-GB" smtClean="0"/>
-              <a:t>2017-11-29</a:t>
+              <a:t>30/11/2017</a:t>
             </a:fld>
             <a:endParaRPr lang="en-GB"/>
           </a:p>
@@ -2406,7 +2406,7 @@
           <a:p>
             <a:fld id="{3C9028CF-F6FB-415A-88F7-79616E04837E}" type="datetimeFigureOut">
               <a:rPr lang="en-GB" smtClean="0"/>
-              <a:t>2017-11-29</a:t>
+              <a:t>30/11/2017</a:t>
             </a:fld>
             <a:endParaRPr lang="en-GB"/>
           </a:p>
@@ -2784,7 +2784,7 @@
           <a:p>
             <a:fld id="{3C9028CF-F6FB-415A-88F7-79616E04837E}" type="datetimeFigureOut">
               <a:rPr lang="en-GB" smtClean="0"/>
-              <a:t>2017-11-29</a:t>
+              <a:t>30/11/2017</a:t>
             </a:fld>
             <a:endParaRPr lang="en-GB"/>
           </a:p>
@@ -3073,7 +3073,7 @@
           <a:p>
             <a:fld id="{3C9028CF-F6FB-415A-88F7-79616E04837E}" type="datetimeFigureOut">
               <a:rPr lang="en-GB" smtClean="0"/>
-              <a:t>2017-11-29</a:t>
+              <a:t>30/11/2017</a:t>
             </a:fld>
             <a:endParaRPr lang="en-GB"/>
           </a:p>
@@ -3284,7 +3284,7 @@
           <a:p>
             <a:fld id="{3C9028CF-F6FB-415A-88F7-79616E04837E}" type="datetimeFigureOut">
               <a:rPr lang="en-GB" smtClean="0"/>
-              <a:t>2017-11-29</a:t>
+              <a:t>30/11/2017</a:t>
             </a:fld>
             <a:endParaRPr lang="en-GB"/>
           </a:p>
@@ -3890,7 +3890,7 @@
           <p:cNvPr id="2" name="標題 1">
             <a:extLst>
               <a:ext uri="{FF2B5EF4-FFF2-40B4-BE49-F238E27FC236}">
-                <a16:creationId xmlns:a16="http://schemas.microsoft.com/office/drawing/2014/main" id="{120DA2F6-4E21-4108-87F7-17D028A694C1}"/>
+                <a16:creationId xmlns:a16="http://schemas.microsoft.com/office/drawing/2014/main" xmlns="" id="{120DA2F6-4E21-4108-87F7-17D028A694C1}"/>
               </a:ext>
             </a:extLst>
           </p:cNvPr>
@@ -3927,7 +3927,7 @@
           <p:cNvPr id="3" name="副標題 2">
             <a:extLst>
               <a:ext uri="{FF2B5EF4-FFF2-40B4-BE49-F238E27FC236}">
-                <a16:creationId xmlns:a16="http://schemas.microsoft.com/office/drawing/2014/main" id="{B5D3D9D8-55D3-46EF-9149-20884E78DBBC}"/>
+                <a16:creationId xmlns:a16="http://schemas.microsoft.com/office/drawing/2014/main" xmlns="" id="{B5D3D9D8-55D3-46EF-9149-20884E78DBBC}"/>
               </a:ext>
             </a:extLst>
           </p:cNvPr>
@@ -3987,7 +3987,7 @@
           <p:cNvPr id="5" name="圖片 4">
             <a:extLst>
               <a:ext uri="{FF2B5EF4-FFF2-40B4-BE49-F238E27FC236}">
-                <a16:creationId xmlns:a16="http://schemas.microsoft.com/office/drawing/2014/main" id="{6CDD0081-AF26-468A-9288-86C7F2E7BC32}"/>
+                <a16:creationId xmlns:a16="http://schemas.microsoft.com/office/drawing/2014/main" xmlns="" id="{6CDD0081-AF26-468A-9288-86C7F2E7BC32}"/>
               </a:ext>
             </a:extLst>
           </p:cNvPr>
@@ -4052,7 +4052,7 @@
           <p:cNvPr id="2" name="標題 1">
             <a:extLst>
               <a:ext uri="{FF2B5EF4-FFF2-40B4-BE49-F238E27FC236}">
-                <a16:creationId xmlns:a16="http://schemas.microsoft.com/office/drawing/2014/main" id="{231445B5-B914-4E9D-9656-DE9380A1A6BB}"/>
+                <a16:creationId xmlns:a16="http://schemas.microsoft.com/office/drawing/2014/main" xmlns="" id="{231445B5-B914-4E9D-9656-DE9380A1A6BB}"/>
               </a:ext>
             </a:extLst>
           </p:cNvPr>
@@ -4080,7 +4080,7 @@
           <p:cNvPr id="5" name="內容版面配置區 4">
             <a:extLst>
               <a:ext uri="{FF2B5EF4-FFF2-40B4-BE49-F238E27FC236}">
-                <a16:creationId xmlns:a16="http://schemas.microsoft.com/office/drawing/2014/main" id="{2CDF4C5E-5F5A-4831-BD67-74CC0FC810BB}"/>
+                <a16:creationId xmlns:a16="http://schemas.microsoft.com/office/drawing/2014/main" xmlns="" id="{2CDF4C5E-5F5A-4831-BD67-74CC0FC810BB}"/>
               </a:ext>
             </a:extLst>
           </p:cNvPr>
@@ -4114,7 +4114,7 @@
           <p:cNvPr id="9" name="圖片 8">
             <a:extLst>
               <a:ext uri="{FF2B5EF4-FFF2-40B4-BE49-F238E27FC236}">
-                <a16:creationId xmlns:a16="http://schemas.microsoft.com/office/drawing/2014/main" id="{D9FE6277-E9C6-4ABC-959D-E280BEC550DF}"/>
+                <a16:creationId xmlns:a16="http://schemas.microsoft.com/office/drawing/2014/main" xmlns="" id="{D9FE6277-E9C6-4ABC-959D-E280BEC550DF}"/>
               </a:ext>
             </a:extLst>
           </p:cNvPr>
@@ -4146,42 +4146,261 @@
       </p:pic>
       <p:sp>
         <p:nvSpPr>
-          <p:cNvPr id="10" name="文字方塊 9">
+          <p:cNvPr id="6" name="內容版面配置區 2">
             <a:extLst>
               <a:ext uri="{FF2B5EF4-FFF2-40B4-BE49-F238E27FC236}">
-                <a16:creationId xmlns:a16="http://schemas.microsoft.com/office/drawing/2014/main" id="{6D79E7D9-BDAC-45D7-AFFA-1329BC009EA8}"/>
+                <a16:creationId xmlns:a16="http://schemas.microsoft.com/office/drawing/2014/main" xmlns="" id="{897404A2-FC6F-45E0-8710-C6B53512EDA0}"/>
               </a:ext>
             </a:extLst>
           </p:cNvPr>
-          <p:cNvSpPr txBox="1"/>
+          <p:cNvSpPr txBox="1">
+            <a:spLocks/>
+          </p:cNvSpPr>
           <p:nvPr/>
         </p:nvSpPr>
         <p:spPr>
           <a:xfrm>
-            <a:off x="683580" y="5909645"/>
-            <a:ext cx="11029616" cy="646331"/>
+            <a:off x="581192" y="5877922"/>
+            <a:ext cx="11029615" cy="757085"/>
           </a:xfrm>
           <a:prstGeom prst="rect">
             <a:avLst/>
           </a:prstGeom>
-          <a:noFill/>
-        </p:spPr>
-        <p:txBody>
-          <a:bodyPr wrap="square" rtlCol="0">
-            <a:spAutoFit/>
+        </p:spPr>
+        <p:txBody>
+          <a:bodyPr vert="horz" lIns="91440" tIns="45720" rIns="91440" bIns="45720" rtlCol="0" anchor="ctr">
+            <a:normAutofit/>
           </a:bodyPr>
-          <a:lstStyle/>
-          <a:p>
-            <a:r>
-              <a:rPr lang="en-GB" dirty="0"/>
-              <a:t>Part3: New features</a:t>
-            </a:r>
-          </a:p>
-          <a:p>
-            <a:r>
-              <a:rPr lang="en-GB" dirty="0"/>
-              <a:t>The released month of new feature is good but released hour in the afternoon need to adjusted to a later time. </a:t>
-            </a:r>
+          <a:lstStyle>
+            <a:lvl1pPr marL="306000" indent="-306000" algn="l" defTabSz="457200" rtl="0" eaLnBrk="1" latinLnBrk="0" hangingPunct="1">
+              <a:spcBef>
+                <a:spcPct val="20000"/>
+              </a:spcBef>
+              <a:spcAft>
+                <a:spcPts val="600"/>
+              </a:spcAft>
+              <a:buClr>
+                <a:schemeClr val="accent2"/>
+              </a:buClr>
+              <a:buSzPct val="92000"/>
+              <a:buFont typeface="Wingdings 2" panose="05020102010507070707" pitchFamily="18" charset="2"/>
+              <a:buChar char=""/>
+              <a:defRPr sz="1800" kern="1200">
+                <a:solidFill>
+                  <a:schemeClr val="tx2"/>
+                </a:solidFill>
+                <a:latin typeface="+mn-lt"/>
+                <a:ea typeface="+mn-ea"/>
+                <a:cs typeface="+mn-cs"/>
+              </a:defRPr>
+            </a:lvl1pPr>
+            <a:lvl2pPr marL="630000" indent="-306000" algn="l" defTabSz="457200" rtl="0" eaLnBrk="1" latinLnBrk="0" hangingPunct="1">
+              <a:spcBef>
+                <a:spcPct val="20000"/>
+              </a:spcBef>
+              <a:spcAft>
+                <a:spcPts val="600"/>
+              </a:spcAft>
+              <a:buClr>
+                <a:schemeClr val="accent2"/>
+              </a:buClr>
+              <a:buSzPct val="92000"/>
+              <a:buFont typeface="Wingdings 2" panose="05020102010507070707" pitchFamily="18" charset="2"/>
+              <a:buChar char=""/>
+              <a:defRPr sz="1600" kern="1200">
+                <a:solidFill>
+                  <a:schemeClr val="tx2"/>
+                </a:solidFill>
+                <a:latin typeface="+mn-lt"/>
+                <a:ea typeface="+mn-ea"/>
+                <a:cs typeface="+mn-cs"/>
+              </a:defRPr>
+            </a:lvl2pPr>
+            <a:lvl3pPr marL="900000" indent="-270000" algn="l" defTabSz="457200" rtl="0" eaLnBrk="1" latinLnBrk="0" hangingPunct="1">
+              <a:spcBef>
+                <a:spcPct val="20000"/>
+              </a:spcBef>
+              <a:spcAft>
+                <a:spcPts val="600"/>
+              </a:spcAft>
+              <a:buClr>
+                <a:schemeClr val="accent2"/>
+              </a:buClr>
+              <a:buSzPct val="92000"/>
+              <a:buFont typeface="Wingdings 2" panose="05020102010507070707" pitchFamily="18" charset="2"/>
+              <a:buChar char=""/>
+              <a:defRPr sz="1400" kern="1200">
+                <a:solidFill>
+                  <a:schemeClr val="tx2"/>
+                </a:solidFill>
+                <a:latin typeface="+mn-lt"/>
+                <a:ea typeface="+mn-ea"/>
+                <a:cs typeface="+mn-cs"/>
+              </a:defRPr>
+            </a:lvl3pPr>
+            <a:lvl4pPr marL="1242000" indent="-234000" algn="l" defTabSz="457200" rtl="0" eaLnBrk="1" latinLnBrk="0" hangingPunct="1">
+              <a:spcBef>
+                <a:spcPct val="20000"/>
+              </a:spcBef>
+              <a:spcAft>
+                <a:spcPts val="600"/>
+              </a:spcAft>
+              <a:buClr>
+                <a:schemeClr val="accent2"/>
+              </a:buClr>
+              <a:buSzPct val="92000"/>
+              <a:buFont typeface="Wingdings 2" panose="05020102010507070707" pitchFamily="18" charset="2"/>
+              <a:buChar char=""/>
+              <a:defRPr sz="1200" kern="1200">
+                <a:solidFill>
+                  <a:schemeClr val="tx2"/>
+                </a:solidFill>
+                <a:latin typeface="+mn-lt"/>
+                <a:ea typeface="+mn-ea"/>
+                <a:cs typeface="+mn-cs"/>
+              </a:defRPr>
+            </a:lvl4pPr>
+            <a:lvl5pPr marL="1602000" indent="-234000" algn="l" defTabSz="457200" rtl="0" eaLnBrk="1" latinLnBrk="0" hangingPunct="1">
+              <a:spcBef>
+                <a:spcPct val="20000"/>
+              </a:spcBef>
+              <a:spcAft>
+                <a:spcPts val="600"/>
+              </a:spcAft>
+              <a:buClr>
+                <a:schemeClr val="accent2"/>
+              </a:buClr>
+              <a:buSzPct val="92000"/>
+              <a:buFont typeface="Wingdings 2" panose="05020102010507070707" pitchFamily="18" charset="2"/>
+              <a:buChar char=""/>
+              <a:defRPr sz="1200" kern="1200">
+                <a:solidFill>
+                  <a:schemeClr val="tx2"/>
+                </a:solidFill>
+                <a:latin typeface="+mn-lt"/>
+                <a:ea typeface="+mn-ea"/>
+                <a:cs typeface="+mn-cs"/>
+              </a:defRPr>
+            </a:lvl5pPr>
+            <a:lvl6pPr marL="1900000" indent="-228600" algn="l" defTabSz="457200" rtl="0" eaLnBrk="1" latinLnBrk="0" hangingPunct="1">
+              <a:spcBef>
+                <a:spcPct val="20000"/>
+              </a:spcBef>
+              <a:spcAft>
+                <a:spcPts val="600"/>
+              </a:spcAft>
+              <a:buClr>
+                <a:schemeClr val="accent2"/>
+              </a:buClr>
+              <a:buSzPct val="92000"/>
+              <a:buFont typeface="Wingdings 2" panose="05020102010507070707" pitchFamily="18" charset="2"/>
+              <a:buChar char=""/>
+              <a:defRPr sz="1200" kern="1200">
+                <a:solidFill>
+                  <a:schemeClr val="tx2"/>
+                </a:solidFill>
+                <a:latin typeface="+mn-lt"/>
+                <a:ea typeface="+mn-ea"/>
+                <a:cs typeface="+mn-cs"/>
+              </a:defRPr>
+            </a:lvl6pPr>
+            <a:lvl7pPr marL="2200000" indent="-228600" algn="l" defTabSz="457200" rtl="0" eaLnBrk="1" latinLnBrk="0" hangingPunct="1">
+              <a:spcBef>
+                <a:spcPct val="20000"/>
+              </a:spcBef>
+              <a:spcAft>
+                <a:spcPts val="600"/>
+              </a:spcAft>
+              <a:buClr>
+                <a:schemeClr val="accent2"/>
+              </a:buClr>
+              <a:buSzPct val="92000"/>
+              <a:buFont typeface="Wingdings 2" panose="05020102010507070707" pitchFamily="18" charset="2"/>
+              <a:buChar char=""/>
+              <a:defRPr sz="1200" kern="1200">
+                <a:solidFill>
+                  <a:schemeClr val="tx2"/>
+                </a:solidFill>
+                <a:latin typeface="+mn-lt"/>
+                <a:ea typeface="+mn-ea"/>
+                <a:cs typeface="+mn-cs"/>
+              </a:defRPr>
+            </a:lvl7pPr>
+            <a:lvl8pPr marL="2500000" indent="-228600" algn="l" defTabSz="457200" rtl="0" eaLnBrk="1" latinLnBrk="0" hangingPunct="1">
+              <a:spcBef>
+                <a:spcPct val="20000"/>
+              </a:spcBef>
+              <a:spcAft>
+                <a:spcPts val="600"/>
+              </a:spcAft>
+              <a:buClr>
+                <a:schemeClr val="accent2"/>
+              </a:buClr>
+              <a:buSzPct val="92000"/>
+              <a:buFont typeface="Wingdings 2" panose="05020102010507070707" pitchFamily="18" charset="2"/>
+              <a:buChar char=""/>
+              <a:defRPr sz="1200" kern="1200">
+                <a:solidFill>
+                  <a:schemeClr val="tx2"/>
+                </a:solidFill>
+                <a:latin typeface="+mn-lt"/>
+                <a:ea typeface="+mn-ea"/>
+                <a:cs typeface="+mn-cs"/>
+              </a:defRPr>
+            </a:lvl8pPr>
+            <a:lvl9pPr marL="2800000" indent="-228600" algn="l" defTabSz="457200" rtl="0" eaLnBrk="1" latinLnBrk="0" hangingPunct="1">
+              <a:spcBef>
+                <a:spcPct val="20000"/>
+              </a:spcBef>
+              <a:spcAft>
+                <a:spcPts val="600"/>
+              </a:spcAft>
+              <a:buClr>
+                <a:schemeClr val="accent2"/>
+              </a:buClr>
+              <a:buSzPct val="92000"/>
+              <a:buFont typeface="Wingdings 2" panose="05020102010507070707" pitchFamily="18" charset="2"/>
+              <a:buChar char=""/>
+              <a:defRPr sz="1200" kern="1200">
+                <a:solidFill>
+                  <a:schemeClr val="tx2"/>
+                </a:solidFill>
+                <a:latin typeface="+mn-lt"/>
+                <a:ea typeface="+mn-ea"/>
+                <a:cs typeface="+mn-cs"/>
+              </a:defRPr>
+            </a:lvl9pPr>
+          </a:lstStyle>
+          <a:p>
+            <a:r>
+              <a:rPr lang="en-GB" altLang="zh-CN" dirty="0" smtClean="0"/>
+              <a:t>Part3</a:t>
+            </a:r>
+            <a:r>
+              <a:rPr lang="en-GB" altLang="zh-CN" dirty="0"/>
+              <a:t>: </a:t>
+            </a:r>
+            <a:r>
+              <a:rPr lang="en-GB" altLang="zh-CN" dirty="0" smtClean="0"/>
+              <a:t>Relationship between New features and Login Time</a:t>
+            </a:r>
+            <a:endParaRPr lang="en-GB" altLang="zh-CN" dirty="0"/>
+          </a:p>
+          <a:p>
+            <a:pPr lvl="1"/>
+            <a:r>
+              <a:rPr lang="en-GB" altLang="zh-CN" dirty="0" smtClean="0"/>
+              <a:t>The </a:t>
+            </a:r>
+            <a:r>
+              <a:rPr lang="en-GB" altLang="zh-CN" dirty="0"/>
+              <a:t>released </a:t>
+            </a:r>
+            <a:r>
+              <a:rPr lang="en-GB" altLang="zh-CN" dirty="0" smtClean="0"/>
+              <a:t>time of new feature could be adjusted according  to participants’ login time. </a:t>
+            </a:r>
+            <a:endParaRPr lang="en-GB" altLang="zh-CN" dirty="0"/>
           </a:p>
         </p:txBody>
       </p:sp>
@@ -4195,6 +4414,13 @@
   <p:clrMapOvr>
     <a:masterClrMapping/>
   </p:clrMapOvr>
+  <p:timing>
+    <p:tnLst>
+      <p:par>
+        <p:cTn id="1" dur="indefinite" restart="never" nodeType="tmRoot"/>
+      </p:par>
+    </p:tnLst>
+  </p:timing>
 </p:sld>
 </file>
 
@@ -4220,7 +4446,7 @@
           <p:cNvPr id="2" name="標題 1">
             <a:extLst>
               <a:ext uri="{FF2B5EF4-FFF2-40B4-BE49-F238E27FC236}">
-                <a16:creationId xmlns:a16="http://schemas.microsoft.com/office/drawing/2014/main" id="{5B6620C4-C244-450B-A244-E4ED40FB65D7}"/>
+                <a16:creationId xmlns:a16="http://schemas.microsoft.com/office/drawing/2014/main" xmlns="" id="{5B6620C4-C244-450B-A244-E4ED40FB65D7}"/>
               </a:ext>
             </a:extLst>
           </p:cNvPr>
@@ -4248,7 +4474,7 @@
           <p:cNvPr id="3" name="內容版面配置區 2">
             <a:extLst>
               <a:ext uri="{FF2B5EF4-FFF2-40B4-BE49-F238E27FC236}">
-                <a16:creationId xmlns:a16="http://schemas.microsoft.com/office/drawing/2014/main" id="{3B9256CF-94B6-4EE7-8DD5-B342C65AC0ED}"/>
+                <a16:creationId xmlns:a16="http://schemas.microsoft.com/office/drawing/2014/main" xmlns="" id="{3B9256CF-94B6-4EE7-8DD5-B342C65AC0ED}"/>
               </a:ext>
             </a:extLst>
           </p:cNvPr>
@@ -4324,7 +4550,7 @@
           <p:cNvPr id="2" name="標題 1">
             <a:extLst>
               <a:ext uri="{FF2B5EF4-FFF2-40B4-BE49-F238E27FC236}">
-                <a16:creationId xmlns:a16="http://schemas.microsoft.com/office/drawing/2014/main" id="{D485F62F-ADF6-4FE9-8AD1-96E9FDEAE7AC}"/>
+                <a16:creationId xmlns:a16="http://schemas.microsoft.com/office/drawing/2014/main" xmlns="" id="{D485F62F-ADF6-4FE9-8AD1-96E9FDEAE7AC}"/>
               </a:ext>
             </a:extLst>
           </p:cNvPr>
@@ -4352,7 +4578,7 @@
           <p:cNvPr id="3" name="內容版面配置區 2">
             <a:extLst>
               <a:ext uri="{FF2B5EF4-FFF2-40B4-BE49-F238E27FC236}">
-                <a16:creationId xmlns:a16="http://schemas.microsoft.com/office/drawing/2014/main" id="{0A9DFD72-002C-40AD-A2B4-4C180A0BBC98}"/>
+                <a16:creationId xmlns:a16="http://schemas.microsoft.com/office/drawing/2014/main" xmlns="" id="{0A9DFD72-002C-40AD-A2B4-4C180A0BBC98}"/>
               </a:ext>
             </a:extLst>
           </p:cNvPr>
@@ -4425,7 +4651,7 @@
           <p:cNvPr id="2" name="標題 1">
             <a:extLst>
               <a:ext uri="{FF2B5EF4-FFF2-40B4-BE49-F238E27FC236}">
-                <a16:creationId xmlns:a16="http://schemas.microsoft.com/office/drawing/2014/main" id="{57A38D6B-4A73-4851-B559-6750610F23A9}"/>
+                <a16:creationId xmlns:a16="http://schemas.microsoft.com/office/drawing/2014/main" xmlns="" id="{57A38D6B-4A73-4851-B559-6750610F23A9}"/>
               </a:ext>
             </a:extLst>
           </p:cNvPr>
@@ -4453,7 +4679,7 @@
           <p:cNvPr id="3" name="內容版面配置區 2">
             <a:extLst>
               <a:ext uri="{FF2B5EF4-FFF2-40B4-BE49-F238E27FC236}">
-                <a16:creationId xmlns:a16="http://schemas.microsoft.com/office/drawing/2014/main" id="{034B727C-4334-43BF-86A6-D41ED58C4C81}"/>
+                <a16:creationId xmlns:a16="http://schemas.microsoft.com/office/drawing/2014/main" xmlns="" id="{034B727C-4334-43BF-86A6-D41ED58C4C81}"/>
               </a:ext>
             </a:extLst>
           </p:cNvPr>
@@ -4478,7 +4704,7 @@
           <p:cNvPr id="4" name="圖片 3">
             <a:extLst>
               <a:ext uri="{FF2B5EF4-FFF2-40B4-BE49-F238E27FC236}">
-                <a16:creationId xmlns:a16="http://schemas.microsoft.com/office/drawing/2014/main" id="{11363BFA-B08D-4348-BDE0-5BE75E09F47A}"/>
+                <a16:creationId xmlns:a16="http://schemas.microsoft.com/office/drawing/2014/main" xmlns="" id="{11363BFA-B08D-4348-BDE0-5BE75E09F47A}"/>
               </a:ext>
             </a:extLst>
           </p:cNvPr>
@@ -4538,7 +4764,7 @@
           <p:cNvPr id="2" name="標題 1">
             <a:extLst>
               <a:ext uri="{FF2B5EF4-FFF2-40B4-BE49-F238E27FC236}">
-                <a16:creationId xmlns:a16="http://schemas.microsoft.com/office/drawing/2014/main" id="{ED042D28-B829-4016-A2B5-D8370E329CD4}"/>
+                <a16:creationId xmlns:a16="http://schemas.microsoft.com/office/drawing/2014/main" xmlns="" id="{ED042D28-B829-4016-A2B5-D8370E329CD4}"/>
               </a:ext>
             </a:extLst>
           </p:cNvPr>
@@ -4566,7 +4792,7 @@
           <p:cNvPr id="3" name="內容版面配置區 2">
             <a:extLst>
               <a:ext uri="{FF2B5EF4-FFF2-40B4-BE49-F238E27FC236}">
-                <a16:creationId xmlns:a16="http://schemas.microsoft.com/office/drawing/2014/main" id="{2B8A1D51-797C-4F3F-83C7-5AAEEDF803A3}"/>
+                <a16:creationId xmlns:a16="http://schemas.microsoft.com/office/drawing/2014/main" xmlns="" id="{2B8A1D51-797C-4F3F-83C7-5AAEEDF803A3}"/>
               </a:ext>
             </a:extLst>
           </p:cNvPr>
@@ -4591,7 +4817,7 @@
           <p:cNvPr id="4" name="圖片 3">
             <a:extLst>
               <a:ext uri="{FF2B5EF4-FFF2-40B4-BE49-F238E27FC236}">
-                <a16:creationId xmlns:a16="http://schemas.microsoft.com/office/drawing/2014/main" id="{2B1A5FB2-E1B3-4FE5-9287-7715BFD1F1B6}"/>
+                <a16:creationId xmlns:a16="http://schemas.microsoft.com/office/drawing/2014/main" xmlns="" id="{2B1A5FB2-E1B3-4FE5-9287-7715BFD1F1B6}"/>
               </a:ext>
             </a:extLst>
           </p:cNvPr>
@@ -4651,7 +4877,7 @@
           <p:cNvPr id="2" name="標題 1">
             <a:extLst>
               <a:ext uri="{FF2B5EF4-FFF2-40B4-BE49-F238E27FC236}">
-                <a16:creationId xmlns:a16="http://schemas.microsoft.com/office/drawing/2014/main" id="{329144AF-F53D-48C6-ABC2-B2AA4671AF96}"/>
+                <a16:creationId xmlns:a16="http://schemas.microsoft.com/office/drawing/2014/main" xmlns="" id="{329144AF-F53D-48C6-ABC2-B2AA4671AF96}"/>
               </a:ext>
             </a:extLst>
           </p:cNvPr>
@@ -4681,7 +4907,7 @@
           <p:cNvPr id="3" name="內容版面配置區 2">
             <a:extLst>
               <a:ext uri="{FF2B5EF4-FFF2-40B4-BE49-F238E27FC236}">
-                <a16:creationId xmlns:a16="http://schemas.microsoft.com/office/drawing/2014/main" id="{3AE56DCC-F111-483E-8B4B-2226A5FCA9BA}"/>
+                <a16:creationId xmlns:a16="http://schemas.microsoft.com/office/drawing/2014/main" xmlns="" id="{3AE56DCC-F111-483E-8B4B-2226A5FCA9BA}"/>
               </a:ext>
             </a:extLst>
           </p:cNvPr>
@@ -4804,7 +5030,7 @@
           <p:cNvPr id="2" name="標題 1">
             <a:extLst>
               <a:ext uri="{FF2B5EF4-FFF2-40B4-BE49-F238E27FC236}">
-                <a16:creationId xmlns:a16="http://schemas.microsoft.com/office/drawing/2014/main" id="{5A488BC8-A6AF-4A34-9A6B-9EC9B9E8F1AC}"/>
+                <a16:creationId xmlns:a16="http://schemas.microsoft.com/office/drawing/2014/main" xmlns="" id="{5A488BC8-A6AF-4A34-9A6B-9EC9B9E8F1AC}"/>
               </a:ext>
             </a:extLst>
           </p:cNvPr>
@@ -4832,7 +5058,7 @@
           <p:cNvPr id="3" name="內容版面配置區 2">
             <a:extLst>
               <a:ext uri="{FF2B5EF4-FFF2-40B4-BE49-F238E27FC236}">
-                <a16:creationId xmlns:a16="http://schemas.microsoft.com/office/drawing/2014/main" id="{CA7088AF-6D6C-4315-B56C-6E7D20914FAA}"/>
+                <a16:creationId xmlns:a16="http://schemas.microsoft.com/office/drawing/2014/main" xmlns="" id="{CA7088AF-6D6C-4315-B56C-6E7D20914FAA}"/>
               </a:ext>
             </a:extLst>
           </p:cNvPr>
@@ -4869,7 +5095,7 @@
           <p:cNvPr id="4" name="圖片 3">
             <a:extLst>
               <a:ext uri="{FF2B5EF4-FFF2-40B4-BE49-F238E27FC236}">
-                <a16:creationId xmlns:a16="http://schemas.microsoft.com/office/drawing/2014/main" id="{AAC38FE6-03D4-4484-ACA2-DE9AD3FFC312}"/>
+                <a16:creationId xmlns:a16="http://schemas.microsoft.com/office/drawing/2014/main" xmlns="" id="{AAC38FE6-03D4-4484-ACA2-DE9AD3FFC312}"/>
               </a:ext>
             </a:extLst>
           </p:cNvPr>
@@ -4928,7 +5154,7 @@
           <p:cNvPr id="2" name="標題 1">
             <a:extLst>
               <a:ext uri="{FF2B5EF4-FFF2-40B4-BE49-F238E27FC236}">
-                <a16:creationId xmlns:a16="http://schemas.microsoft.com/office/drawing/2014/main" id="{6989BD54-0B77-4E82-8469-95E82990E835}"/>
+                <a16:creationId xmlns:a16="http://schemas.microsoft.com/office/drawing/2014/main" xmlns="" id="{6989BD54-0B77-4E82-8469-95E82990E835}"/>
               </a:ext>
             </a:extLst>
           </p:cNvPr>
@@ -4956,7 +5182,7 @@
           <p:cNvPr id="3" name="內容版面配置區 2">
             <a:extLst>
               <a:ext uri="{FF2B5EF4-FFF2-40B4-BE49-F238E27FC236}">
-                <a16:creationId xmlns:a16="http://schemas.microsoft.com/office/drawing/2014/main" id="{897404A2-FC6F-45E0-8710-C6B53512EDA0}"/>
+                <a16:creationId xmlns:a16="http://schemas.microsoft.com/office/drawing/2014/main" xmlns="" id="{897404A2-FC6F-45E0-8710-C6B53512EDA0}"/>
               </a:ext>
             </a:extLst>
           </p:cNvPr>
@@ -4995,7 +5221,15 @@
             <a:pPr lvl="1"/>
             <a:r>
               <a:rPr lang="en-GB" dirty="0"/>
-              <a:t>Participants aged 30-34 occupies the largest number of all participants</a:t>
+              <a:t>Participants aged 30-34 </a:t>
+            </a:r>
+            <a:r>
+              <a:rPr lang="en-GB" dirty="0" smtClean="0"/>
+              <a:t>occupy </a:t>
+            </a:r>
+            <a:r>
+              <a:rPr lang="en-GB" dirty="0"/>
+              <a:t>the largest number of all participants</a:t>
             </a:r>
           </a:p>
           <a:p>
@@ -5011,7 +5245,7 @@
           <p:cNvPr id="4" name="圖片 3">
             <a:extLst>
               <a:ext uri="{FF2B5EF4-FFF2-40B4-BE49-F238E27FC236}">
-                <a16:creationId xmlns:a16="http://schemas.microsoft.com/office/drawing/2014/main" id="{F064CF7E-89F9-47EC-9DCA-3D1BD6BE7EC7}"/>
+                <a16:creationId xmlns:a16="http://schemas.microsoft.com/office/drawing/2014/main" xmlns="" id="{F064CF7E-89F9-47EC-9DCA-3D1BD6BE7EC7}"/>
               </a:ext>
             </a:extLst>
           </p:cNvPr>
@@ -5047,7 +5281,7 @@
           <p:cNvPr id="5" name="圖片 4">
             <a:extLst>
               <a:ext uri="{FF2B5EF4-FFF2-40B4-BE49-F238E27FC236}">
-                <a16:creationId xmlns:a16="http://schemas.microsoft.com/office/drawing/2014/main" id="{F873916C-9B39-4DAD-8218-8986A392D044}"/>
+                <a16:creationId xmlns:a16="http://schemas.microsoft.com/office/drawing/2014/main" xmlns="" id="{F873916C-9B39-4DAD-8218-8986A392D044}"/>
               </a:ext>
             </a:extLst>
           </p:cNvPr>
@@ -5057,7 +5291,7 @@
           <p:nvPr/>
         </p:nvPicPr>
         <p:blipFill>
-          <a:blip r:embed="rId3">
+          <a:blip r:embed="rId3" cstate="print">
             <a:extLst>
               <a:ext uri="{28A0092B-C50C-407E-A947-70E740481C1C}">
                 <a14:useLocalDpi xmlns:a14="http://schemas.microsoft.com/office/drawing/2010/main" val="0"/>
@@ -5083,7 +5317,7 @@
           <p:cNvPr id="6" name="圖片 5">
             <a:extLst>
               <a:ext uri="{FF2B5EF4-FFF2-40B4-BE49-F238E27FC236}">
-                <a16:creationId xmlns:a16="http://schemas.microsoft.com/office/drawing/2014/main" id="{C8EF0A47-CBB4-4BF3-9A17-AA050A03F7D5}"/>
+                <a16:creationId xmlns:a16="http://schemas.microsoft.com/office/drawing/2014/main" xmlns="" id="{C8EF0A47-CBB4-4BF3-9A17-AA050A03F7D5}"/>
               </a:ext>
             </a:extLst>
           </p:cNvPr>
@@ -5123,6 +5357,13 @@
   <p:clrMapOvr>
     <a:masterClrMapping/>
   </p:clrMapOvr>
+  <p:timing>
+    <p:tnLst>
+      <p:par>
+        <p:cTn id="1" dur="indefinite" restart="never" nodeType="tmRoot"/>
+      </p:par>
+    </p:tnLst>
+  </p:timing>
 </p:sld>
 </file>
 
@@ -5148,7 +5389,7 @@
           <p:cNvPr id="2" name="標題 1">
             <a:extLst>
               <a:ext uri="{FF2B5EF4-FFF2-40B4-BE49-F238E27FC236}">
-                <a16:creationId xmlns:a16="http://schemas.microsoft.com/office/drawing/2014/main" id="{6989BD54-0B77-4E82-8469-95E82990E835}"/>
+                <a16:creationId xmlns:a16="http://schemas.microsoft.com/office/drawing/2014/main" xmlns="" id="{6989BD54-0B77-4E82-8469-95E82990E835}"/>
               </a:ext>
             </a:extLst>
           </p:cNvPr>
@@ -5167,62 +5408,6 @@
             <a:r>
               <a:rPr lang="en-GB" dirty="0"/>
               <a:t>Demonstration</a:t>
-            </a:r>
-          </a:p>
-        </p:txBody>
-      </p:sp>
-      <p:sp>
-        <p:nvSpPr>
-          <p:cNvPr id="3" name="內容版面配置區 2">
-            <a:extLst>
-              <a:ext uri="{FF2B5EF4-FFF2-40B4-BE49-F238E27FC236}">
-                <a16:creationId xmlns:a16="http://schemas.microsoft.com/office/drawing/2014/main" id="{897404A2-FC6F-45E0-8710-C6B53512EDA0}"/>
-              </a:ext>
-            </a:extLst>
-          </p:cNvPr>
-          <p:cNvSpPr>
-            <a:spLocks noGrp="1"/>
-          </p:cNvSpPr>
-          <p:nvPr>
-            <p:ph idx="1"/>
-          </p:nvPr>
-        </p:nvSpPr>
-        <p:spPr>
-          <a:xfrm>
-            <a:off x="581192" y="2180497"/>
-            <a:ext cx="11029615" cy="1477104"/>
-          </a:xfrm>
-        </p:spPr>
-        <p:txBody>
-          <a:bodyPr>
-            <a:normAutofit fontScale="92500" lnSpcReduction="20000"/>
-          </a:bodyPr>
-          <a:lstStyle/>
-          <a:p>
-            <a:r>
-              <a:rPr lang="en-GB" dirty="0"/>
-              <a:t>Part2: The details of login</a:t>
-            </a:r>
-          </a:p>
-          <a:p>
-            <a:pPr lvl="1"/>
-            <a:r>
-              <a:rPr lang="en-GB" dirty="0"/>
-              <a:t>Most participant log in duration is below 500 second (8 minute 20 second) and there are only very few people logged in over 2000 second (33 minute 20 second).</a:t>
-            </a:r>
-          </a:p>
-          <a:p>
-            <a:pPr lvl="1"/>
-            <a:r>
-              <a:rPr lang="en-GB" dirty="0"/>
-              <a:t>The user largest logged in times 265, the average log in time is around 24, and the smallest log in time is 1.</a:t>
-            </a:r>
-          </a:p>
-          <a:p>
-            <a:pPr lvl="1"/>
-            <a:r>
-              <a:rPr lang="en-GB" dirty="0"/>
-              <a:t>Participants tend to login to system after summer.</a:t>
             </a:r>
           </a:p>
         </p:txBody>
@@ -5232,7 +5417,7 @@
           <p:cNvPr id="8" name="圖片 7">
             <a:extLst>
               <a:ext uri="{FF2B5EF4-FFF2-40B4-BE49-F238E27FC236}">
-                <a16:creationId xmlns:a16="http://schemas.microsoft.com/office/drawing/2014/main" id="{BA4C5367-9D5A-4610-B138-5946C11A47EE}"/>
+                <a16:creationId xmlns:a16="http://schemas.microsoft.com/office/drawing/2014/main" xmlns="" id="{BA4C5367-9D5A-4610-B138-5946C11A47EE}"/>
               </a:ext>
             </a:extLst>
           </p:cNvPr>
@@ -5268,7 +5453,7 @@
           <p:cNvPr id="10" name="圖片 9">
             <a:extLst>
               <a:ext uri="{FF2B5EF4-FFF2-40B4-BE49-F238E27FC236}">
-                <a16:creationId xmlns:a16="http://schemas.microsoft.com/office/drawing/2014/main" id="{835A0584-1F1B-47C4-8D84-C9A9DE80ED3B}"/>
+                <a16:creationId xmlns:a16="http://schemas.microsoft.com/office/drawing/2014/main" xmlns="" id="{835A0584-1F1B-47C4-8D84-C9A9DE80ED3B}"/>
               </a:ext>
             </a:extLst>
           </p:cNvPr>
@@ -5290,14 +5475,128 @@
         </p:blipFill>
         <p:spPr>
           <a:xfrm>
-            <a:off x="6777227" y="3454538"/>
-            <a:ext cx="4833580" cy="3064064"/>
+            <a:off x="6056671" y="3657600"/>
+            <a:ext cx="5554136" cy="2861001"/>
           </a:xfrm>
           <a:prstGeom prst="rect">
             <a:avLst/>
           </a:prstGeom>
         </p:spPr>
       </p:pic>
+      <p:sp>
+        <p:nvSpPr>
+          <p:cNvPr id="3" name="內容版面配置區 2">
+            <a:extLst>
+              <a:ext uri="{FF2B5EF4-FFF2-40B4-BE49-F238E27FC236}">
+                <a16:creationId xmlns:a16="http://schemas.microsoft.com/office/drawing/2014/main" xmlns="" id="{897404A2-FC6F-45E0-8710-C6B53512EDA0}"/>
+              </a:ext>
+            </a:extLst>
+          </p:cNvPr>
+          <p:cNvSpPr>
+            <a:spLocks noGrp="1"/>
+          </p:cNvSpPr>
+          <p:nvPr>
+            <p:ph idx="1"/>
+          </p:nvPr>
+        </p:nvSpPr>
+        <p:spPr>
+          <a:xfrm>
+            <a:off x="581192" y="2180497"/>
+            <a:ext cx="11029615" cy="1477104"/>
+          </a:xfrm>
+        </p:spPr>
+        <p:txBody>
+          <a:bodyPr>
+            <a:normAutofit fontScale="92500" lnSpcReduction="20000"/>
+          </a:bodyPr>
+          <a:lstStyle/>
+          <a:p>
+            <a:r>
+              <a:rPr lang="en-GB" dirty="0"/>
+              <a:t>Part2: The details of login</a:t>
+            </a:r>
+          </a:p>
+          <a:p>
+            <a:pPr lvl="1"/>
+            <a:r>
+              <a:rPr lang="en-GB" dirty="0"/>
+              <a:t>Most participant log in duration is below 500 second (8 minute 20 second) and there are only very few people logged in over 2000 second (33 minute 20 second).</a:t>
+            </a:r>
+          </a:p>
+          <a:p>
+            <a:pPr lvl="1"/>
+            <a:r>
+              <a:rPr lang="en-GB" dirty="0"/>
+              <a:t>The </a:t>
+            </a:r>
+            <a:r>
+              <a:rPr lang="en-GB" dirty="0" smtClean="0"/>
+              <a:t>maximum of logged </a:t>
+            </a:r>
+            <a:r>
+              <a:rPr lang="en-GB" dirty="0"/>
+              <a:t>in </a:t>
+            </a:r>
+            <a:r>
+              <a:rPr lang="en-GB" dirty="0" smtClean="0"/>
+              <a:t>times is 265 times, </a:t>
+            </a:r>
+            <a:r>
+              <a:rPr lang="en-GB" dirty="0"/>
+              <a:t>the average </a:t>
+            </a:r>
+            <a:r>
+              <a:rPr lang="en-GB" dirty="0" smtClean="0"/>
+              <a:t>of log </a:t>
+            </a:r>
+            <a:r>
+              <a:rPr lang="en-GB" dirty="0"/>
+              <a:t>in time is around </a:t>
+            </a:r>
+            <a:r>
+              <a:rPr lang="en-GB" dirty="0" smtClean="0"/>
+              <a:t>24 times, </a:t>
+            </a:r>
+            <a:r>
+              <a:rPr lang="en-GB" dirty="0"/>
+              <a:t>and the </a:t>
+            </a:r>
+            <a:r>
+              <a:rPr lang="en-GB" dirty="0" smtClean="0"/>
+              <a:t>minimum </a:t>
+            </a:r>
+            <a:r>
+              <a:rPr lang="en-GB" dirty="0"/>
+              <a:t>log in time is </a:t>
+            </a:r>
+            <a:r>
+              <a:rPr lang="en-GB" dirty="0" smtClean="0"/>
+              <a:t>1 time.</a:t>
+            </a:r>
+            <a:endParaRPr lang="en-GB" dirty="0"/>
+          </a:p>
+          <a:p>
+            <a:pPr lvl="1"/>
+            <a:r>
+              <a:rPr lang="en-GB" dirty="0"/>
+              <a:t>Participants tend to login to </a:t>
+            </a:r>
+            <a:r>
+              <a:rPr lang="en-GB" dirty="0" smtClean="0"/>
+              <a:t>IDEAL</a:t>
+            </a:r>
+            <a:r>
+              <a:rPr lang="en-GB" dirty="0" smtClean="0"/>
+              <a:t> from July to October. (Midsummer </a:t>
+            </a:r>
+            <a:r>
+              <a:rPr lang="en-GB" dirty="0" smtClean="0"/>
+              <a:t>to autumn.)</a:t>
+            </a:r>
+            <a:endParaRPr lang="en-GB" dirty="0" smtClean="0"/>
+          </a:p>
+        </p:txBody>
+      </p:sp>
     </p:spTree>
     <p:extLst>
       <p:ext uri="{BB962C8B-B14F-4D97-AF65-F5344CB8AC3E}">
@@ -5308,6 +5607,13 @@
   <p:clrMapOvr>
     <a:masterClrMapping/>
   </p:clrMapOvr>
+  <p:timing>
+    <p:tnLst>
+      <p:par>
+        <p:cTn id="1" dur="indefinite" restart="never" nodeType="tmRoot"/>
+      </p:par>
+    </p:tnLst>
+  </p:timing>
 </p:sld>
 </file>
 
